--- a/Lesson slides/Unit 5 - Graphs.pptx
+++ b/Lesson slides/Unit 5 - Graphs.pptx
@@ -255,7 +255,7 @@
           <a:p>
             <a:fld id="{F314420D-16BA-4EDC-9A71-800590EAD5A3}" type="datetimeFigureOut">
               <a:rPr lang="en-GB" smtClean="0"/>
-              <a:t>05/10/2017</a:t>
+              <a:t>19/12/2017</a:t>
             </a:fld>
             <a:endParaRPr lang="en-GB"/>
           </a:p>
@@ -414,7 +414,7 @@
           <a:p>
             <a:fld id="{29573B9A-66FB-4A63-BCD5-E140B9429FD2}" type="slidenum">
               <a:rPr lang="en-GB" smtClean="0"/>
-              <a:t>‹nr.›</a:t>
+              <a:t>‹#›</a:t>
             </a:fld>
             <a:endParaRPr lang="en-GB"/>
           </a:p>
@@ -2722,7 +2722,7 @@
           <a:p>
             <a:fld id="{6D0056B2-4F08-4129-BC21-E4EE9138FBBD}" type="datetime1">
               <a:rPr lang="en-GB" smtClean="0"/>
-              <a:t>05/10/2017</a:t>
+              <a:t>19/12/2017</a:t>
             </a:fld>
             <a:endParaRPr lang="en-GB"/>
           </a:p>
@@ -2768,7 +2768,7 @@
           <a:p>
             <a:fld id="{A3AAA307-BC5C-435E-9F75-3D6007B651A5}" type="slidenum">
               <a:rPr lang="en-GB" smtClean="0"/>
-              <a:t>‹nr.›</a:t>
+              <a:t>‹#›</a:t>
             </a:fld>
             <a:endParaRPr lang="en-GB"/>
           </a:p>
@@ -2977,7 +2977,7 @@
           <a:p>
             <a:fld id="{612D572C-2764-414E-9C89-DDD42C6B07C1}" type="datetime1">
               <a:rPr lang="en-GB" smtClean="0"/>
-              <a:t>05/10/2017</a:t>
+              <a:t>19/12/2017</a:t>
             </a:fld>
             <a:endParaRPr lang="en-GB"/>
           </a:p>
@@ -3023,7 +3023,7 @@
           <a:p>
             <a:fld id="{A3AAA307-BC5C-435E-9F75-3D6007B651A5}" type="slidenum">
               <a:rPr lang="en-GB" smtClean="0"/>
-              <a:t>‹nr.›</a:t>
+              <a:t>‹#›</a:t>
             </a:fld>
             <a:endParaRPr lang="en-GB"/>
           </a:p>
@@ -3295,7 +3295,7 @@
           <a:p>
             <a:fld id="{2F9DEDFE-25E5-4177-B37C-03C25AABCBD5}" type="datetime1">
               <a:rPr lang="en-GB" smtClean="0"/>
-              <a:t>05/10/2017</a:t>
+              <a:t>19/12/2017</a:t>
             </a:fld>
             <a:endParaRPr lang="en-GB"/>
           </a:p>
@@ -3341,7 +3341,7 @@
           <a:p>
             <a:fld id="{A3AAA307-BC5C-435E-9F75-3D6007B651A5}" type="slidenum">
               <a:rPr lang="en-GB" smtClean="0"/>
-              <a:t>‹nr.›</a:t>
+              <a:t>‹#›</a:t>
             </a:fld>
             <a:endParaRPr lang="en-GB"/>
           </a:p>
@@ -3626,7 +3626,7 @@
           <a:p>
             <a:fld id="{09077836-4222-4E87-A3F7-BF9743D61C38}" type="datetime1">
               <a:rPr lang="en-GB" smtClean="0"/>
-              <a:t>05/10/2017</a:t>
+              <a:t>19/12/2017</a:t>
             </a:fld>
             <a:endParaRPr lang="en-GB"/>
           </a:p>
@@ -3672,7 +3672,7 @@
           <a:p>
             <a:fld id="{A3AAA307-BC5C-435E-9F75-3D6007B651A5}" type="slidenum">
               <a:rPr lang="en-GB" smtClean="0"/>
-              <a:t>‹nr.›</a:t>
+              <a:t>‹#›</a:t>
             </a:fld>
             <a:endParaRPr lang="en-GB"/>
           </a:p>
@@ -3944,7 +3944,7 @@
           <a:p>
             <a:fld id="{5982107C-A272-44F7-BB13-558FCEBC42B2}" type="datetime1">
               <a:rPr lang="en-GB" smtClean="0"/>
-              <a:t>05/10/2017</a:t>
+              <a:t>19/12/2017</a:t>
             </a:fld>
             <a:endParaRPr lang="en-GB"/>
           </a:p>
@@ -3990,7 +3990,7 @@
           <a:p>
             <a:fld id="{A3AAA307-BC5C-435E-9F75-3D6007B651A5}" type="slidenum">
               <a:rPr lang="en-GB" smtClean="0"/>
-              <a:t>‹nr.›</a:t>
+              <a:t>‹#›</a:t>
             </a:fld>
             <a:endParaRPr lang="en-GB"/>
           </a:p>
@@ -4335,7 +4335,7 @@
           <a:p>
             <a:fld id="{F9658BBA-9690-4900-AE7A-80E9850FB3EA}" type="datetime1">
               <a:rPr lang="en-GB" smtClean="0"/>
-              <a:t>05/10/2017</a:t>
+              <a:t>19/12/2017</a:t>
             </a:fld>
             <a:endParaRPr lang="en-GB"/>
           </a:p>
@@ -4381,7 +4381,7 @@
           <a:p>
             <a:fld id="{A3AAA307-BC5C-435E-9F75-3D6007B651A5}" type="slidenum">
               <a:rPr lang="en-GB" smtClean="0"/>
-              <a:t>‹nr.›</a:t>
+              <a:t>‹#›</a:t>
             </a:fld>
             <a:endParaRPr lang="en-GB"/>
           </a:p>
@@ -4509,7 +4509,7 @@
           <a:p>
             <a:fld id="{BEB6CA79-FB04-4AE1-90FD-D2D3D2AAEEC1}" type="datetime1">
               <a:rPr lang="en-GB" smtClean="0"/>
-              <a:t>05/10/2017</a:t>
+              <a:t>19/12/2017</a:t>
             </a:fld>
             <a:endParaRPr lang="en-GB"/>
           </a:p>
@@ -4555,7 +4555,7 @@
           <a:p>
             <a:fld id="{A3AAA307-BC5C-435E-9F75-3D6007B651A5}" type="slidenum">
               <a:rPr lang="en-GB" smtClean="0"/>
-              <a:t>‹nr.›</a:t>
+              <a:t>‹#›</a:t>
             </a:fld>
             <a:endParaRPr lang="en-GB"/>
           </a:p>
@@ -4693,7 +4693,7 @@
           <a:p>
             <a:fld id="{6C950542-9F3C-4D20-A3AE-6E02D3EC84EE}" type="datetime1">
               <a:rPr lang="en-GB" smtClean="0"/>
-              <a:t>05/10/2017</a:t>
+              <a:t>19/12/2017</a:t>
             </a:fld>
             <a:endParaRPr lang="en-GB"/>
           </a:p>
@@ -4739,7 +4739,7 @@
           <a:p>
             <a:fld id="{A3AAA307-BC5C-435E-9F75-3D6007B651A5}" type="slidenum">
               <a:rPr lang="en-GB" smtClean="0"/>
-              <a:t>‹nr.›</a:t>
+              <a:t>‹#›</a:t>
             </a:fld>
             <a:endParaRPr lang="en-GB"/>
           </a:p>
@@ -4867,7 +4867,7 @@
           <a:p>
             <a:fld id="{F58B147D-FA68-4708-8C51-0F326ACB9AAA}" type="datetime1">
               <a:rPr lang="en-GB" smtClean="0"/>
-              <a:t>05/10/2017</a:t>
+              <a:t>19/12/2017</a:t>
             </a:fld>
             <a:endParaRPr lang="en-GB"/>
           </a:p>
@@ -4913,7 +4913,7 @@
           <a:p>
             <a:fld id="{A3AAA307-BC5C-435E-9F75-3D6007B651A5}" type="slidenum">
               <a:rPr lang="en-GB" smtClean="0"/>
-              <a:t>‹nr.›</a:t>
+              <a:t>‹#›</a:t>
             </a:fld>
             <a:endParaRPr lang="en-GB"/>
           </a:p>
@@ -5118,7 +5118,7 @@
           <a:p>
             <a:fld id="{0075BD33-8D5F-4D67-8F67-B28D0B7F2F08}" type="datetime1">
               <a:rPr lang="en-GB" smtClean="0"/>
-              <a:t>05/10/2017</a:t>
+              <a:t>19/12/2017</a:t>
             </a:fld>
             <a:endParaRPr lang="en-GB"/>
           </a:p>
@@ -5164,7 +5164,7 @@
           <a:p>
             <a:fld id="{A3AAA307-BC5C-435E-9F75-3D6007B651A5}" type="slidenum">
               <a:rPr lang="en-GB" smtClean="0"/>
-              <a:t>‹nr.›</a:t>
+              <a:t>‹#›</a:t>
             </a:fld>
             <a:endParaRPr lang="en-GB"/>
           </a:p>
@@ -5354,7 +5354,7 @@
           <a:p>
             <a:fld id="{633BF77B-1C97-4E77-BD1D-75274F40FC5B}" type="datetime1">
               <a:rPr lang="en-GB" smtClean="0"/>
-              <a:t>05/10/2017</a:t>
+              <a:t>19/12/2017</a:t>
             </a:fld>
             <a:endParaRPr lang="en-GB"/>
           </a:p>
@@ -5400,7 +5400,7 @@
           <a:p>
             <a:fld id="{A3AAA307-BC5C-435E-9F75-3D6007B651A5}" type="slidenum">
               <a:rPr lang="en-GB" smtClean="0"/>
-              <a:t>‹nr.›</a:t>
+              <a:t>‹#›</a:t>
             </a:fld>
             <a:endParaRPr lang="en-GB"/>
           </a:p>
@@ -5732,7 +5732,7 @@
           <a:p>
             <a:fld id="{5153D374-1A43-4F28-8430-6675858FE949}" type="datetime1">
               <a:rPr lang="en-GB" smtClean="0"/>
-              <a:t>05/10/2017</a:t>
+              <a:t>19/12/2017</a:t>
             </a:fld>
             <a:endParaRPr lang="en-GB"/>
           </a:p>
@@ -5778,7 +5778,7 @@
           <a:p>
             <a:fld id="{A3AAA307-BC5C-435E-9F75-3D6007B651A5}" type="slidenum">
               <a:rPr lang="en-GB" smtClean="0"/>
-              <a:t>‹nr.›</a:t>
+              <a:t>‹#›</a:t>
             </a:fld>
             <a:endParaRPr lang="en-GB"/>
           </a:p>
@@ -5859,7 +5859,7 @@
           <a:p>
             <a:fld id="{BA88CCDF-626B-4668-97DC-5A1BBEAB0A11}" type="datetime1">
               <a:rPr lang="en-GB" smtClean="0"/>
-              <a:t>05/10/2017</a:t>
+              <a:t>19/12/2017</a:t>
             </a:fld>
             <a:endParaRPr lang="en-GB"/>
           </a:p>
@@ -5905,7 +5905,7 @@
           <a:p>
             <a:fld id="{A3AAA307-BC5C-435E-9F75-3D6007B651A5}" type="slidenum">
               <a:rPr lang="en-GB" smtClean="0"/>
-              <a:t>‹nr.›</a:t>
+              <a:t>‹#›</a:t>
             </a:fld>
             <a:endParaRPr lang="en-GB"/>
           </a:p>
@@ -5958,7 +5958,7 @@
           <a:p>
             <a:fld id="{9760674D-D2B9-4AE0-923F-2202F9433AF2}" type="datetime1">
               <a:rPr lang="en-GB" smtClean="0"/>
-              <a:t>05/10/2017</a:t>
+              <a:t>19/12/2017</a:t>
             </a:fld>
             <a:endParaRPr lang="en-GB"/>
           </a:p>
@@ -6004,7 +6004,7 @@
           <a:p>
             <a:fld id="{A3AAA307-BC5C-435E-9F75-3D6007B651A5}" type="slidenum">
               <a:rPr lang="en-GB" smtClean="0"/>
-              <a:t>‹nr.›</a:t>
+              <a:t>‹#›</a:t>
             </a:fld>
             <a:endParaRPr lang="en-GB"/>
           </a:p>
@@ -6217,7 +6217,7 @@
           <a:p>
             <a:fld id="{319B5FBB-5ECE-4C54-9CCE-31F728E781A0}" type="datetime1">
               <a:rPr lang="en-GB" smtClean="0"/>
-              <a:t>05/10/2017</a:t>
+              <a:t>19/12/2017</a:t>
             </a:fld>
             <a:endParaRPr lang="en-GB"/>
           </a:p>
@@ -6263,7 +6263,7 @@
           <a:p>
             <a:fld id="{A3AAA307-BC5C-435E-9F75-3D6007B651A5}" type="slidenum">
               <a:rPr lang="en-GB" smtClean="0"/>
-              <a:t>‹nr.›</a:t>
+              <a:t>‹#›</a:t>
             </a:fld>
             <a:endParaRPr lang="en-GB"/>
           </a:p>
@@ -6484,7 +6484,7 @@
           <a:p>
             <a:fld id="{73C6F11D-3D21-4E28-9384-DA37B819A935}" type="datetime1">
               <a:rPr lang="en-GB" smtClean="0"/>
-              <a:t>05/10/2017</a:t>
+              <a:t>19/12/2017</a:t>
             </a:fld>
             <a:endParaRPr lang="en-GB"/>
           </a:p>
@@ -6530,7 +6530,7 @@
           <a:p>
             <a:fld id="{A3AAA307-BC5C-435E-9F75-3D6007B651A5}" type="slidenum">
               <a:rPr lang="en-GB" smtClean="0"/>
-              <a:t>‹nr.›</a:t>
+              <a:t>‹#›</a:t>
             </a:fld>
             <a:endParaRPr lang="en-GB"/>
           </a:p>
@@ -7233,7 +7233,7 @@
           <a:p>
             <a:fld id="{89F71666-4645-43A7-8D49-9FF37F68D6E1}" type="datetime1">
               <a:rPr lang="en-GB" smtClean="0"/>
-              <a:t>05/10/2017</a:t>
+              <a:t>19/12/2017</a:t>
             </a:fld>
             <a:endParaRPr lang="en-GB"/>
           </a:p>
@@ -7315,7 +7315,7 @@
           <a:p>
             <a:fld id="{A3AAA307-BC5C-435E-9F75-3D6007B651A5}" type="slidenum">
               <a:rPr lang="en-GB" smtClean="0"/>
-              <a:t>‹nr.›</a:t>
+              <a:t>‹#›</a:t>
             </a:fld>
             <a:endParaRPr lang="en-GB"/>
           </a:p>
@@ -38664,8 +38664,8 @@
           </a:p>
         </p:txBody>
       </p:sp>
-      <mc:AlternateContent xmlns:mc="http://schemas.openxmlformats.org/markup-compatibility/2006">
-        <mc:Choice xmlns:a14="http://schemas.microsoft.com/office/drawing/2010/main" Requires="a14">
+      <mc:AlternateContent xmlns:mc="http://schemas.openxmlformats.org/markup-compatibility/2006" xmlns:a14="http://schemas.microsoft.com/office/drawing/2010/main">
+        <mc:Choice Requires="a14">
           <p:sp>
             <p:nvSpPr>
               <p:cNvPr id="3" name="Tijdelijke aanduiding voor inhoud 2">
@@ -38956,7 +38956,7 @@
             </p:txBody>
           </p:sp>
         </mc:Choice>
-        <mc:Fallback>
+        <mc:Fallback xmlns="">
           <p:sp>
             <p:nvSpPr>
               <p:cNvPr id="3" name="Tijdelijke aanduiding voor inhoud 2">
@@ -39106,16 +39106,6 @@
             </a:endParaRPr>
           </a:p>
           <a:p>
-            <a:r>
-              <a:rPr lang="en-GB" b="1" i="1" dirty="0">
-                <a:solidFill>
-                  <a:srgbClr val="FF0000"/>
-                </a:solidFill>
-              </a:rPr>
-              <a:t>GO ON WITH THE ASSIGNMENT!!!</a:t>
-            </a:r>
-          </a:p>
-          <a:p>
             <a:pPr lvl="1"/>
             <a:r>
               <a:rPr lang="en-GB" i="1" dirty="0">
@@ -39123,87 +39113,48 @@
                   <a:schemeClr val="tx1"/>
                 </a:solidFill>
               </a:rPr>
-              <a:t>Exercise 1 should be </a:t>
-            </a:r>
+              <a:t>Implement the BFS algorithm</a:t>
+            </a:r>
+            <a:endParaRPr lang="en-GB" b="1" i="1" dirty="0">
+              <a:solidFill>
+                <a:schemeClr val="tx1"/>
+              </a:solidFill>
+            </a:endParaRPr>
+          </a:p>
+          <a:p>
+            <a:pPr lvl="1"/>
+            <a:r>
+              <a:rPr lang="en-GB" i="1" dirty="0">
+                <a:solidFill>
+                  <a:schemeClr val="tx1"/>
+                </a:solidFill>
+              </a:rPr>
+              <a:t>Implement the DFS algorithm</a:t>
+            </a:r>
+          </a:p>
+          <a:p>
+            <a:pPr lvl="1"/>
             <a:r>
               <a:rPr lang="en-GB" b="1" i="1" dirty="0">
                 <a:solidFill>
                   <a:schemeClr val="tx1"/>
                 </a:solidFill>
               </a:rPr>
-              <a:t>completed</a:t>
-            </a:r>
-          </a:p>
-          <a:p>
-            <a:pPr lvl="1"/>
-            <a:r>
-              <a:rPr lang="en-GB" i="1" dirty="0">
+              <a:t>Implement </a:t>
+            </a:r>
+            <a:r>
+              <a:rPr lang="en-GB" b="1" i="1">
                 <a:solidFill>
                   <a:schemeClr val="tx1"/>
                 </a:solidFill>
               </a:rPr>
-              <a:t>Exercise 2 should be </a:t>
-            </a:r>
-            <a:r>
-              <a:rPr lang="en-GB" b="1" i="1" dirty="0">
-                <a:solidFill>
-                  <a:schemeClr val="tx1"/>
-                </a:solidFill>
-              </a:rPr>
-              <a:t>in progress</a:t>
-            </a:r>
-          </a:p>
-          <a:p>
-            <a:pPr lvl="2"/>
-            <a:r>
-              <a:rPr lang="en-GB" dirty="0">
-                <a:solidFill>
-                  <a:schemeClr val="tx1"/>
-                </a:solidFill>
-              </a:rPr>
-              <a:t>Tip: look for binary tree code from N@tschool, as inspiration</a:t>
-            </a:r>
-          </a:p>
-          <a:p>
-            <a:pPr lvl="1"/>
-            <a:r>
-              <a:rPr lang="en-GB" i="1" dirty="0">
-                <a:solidFill>
-                  <a:schemeClr val="tx1"/>
-                </a:solidFill>
-              </a:rPr>
-              <a:t>[for the fastest] Exercise 3 can now be </a:t>
-            </a:r>
-            <a:r>
-              <a:rPr lang="en-GB" b="1" i="1" dirty="0">
-                <a:solidFill>
-                  <a:schemeClr val="tx1"/>
-                </a:solidFill>
-              </a:rPr>
-              <a:t>started</a:t>
-            </a:r>
-            <a:r>
-              <a:rPr lang="en-GB" i="1" dirty="0">
-                <a:solidFill>
-                  <a:schemeClr val="tx1"/>
-                </a:solidFill>
-              </a:rPr>
-              <a:t> </a:t>
-            </a:r>
-          </a:p>
-          <a:p>
-            <a:pPr lvl="2"/>
-            <a:r>
-              <a:rPr lang="en-GB" dirty="0">
-                <a:solidFill>
-                  <a:schemeClr val="tx1"/>
-                </a:solidFill>
-              </a:rPr>
-              <a:t>creation of the adjacency matrix of the graph</a:t>
-            </a:r>
-          </a:p>
-          <a:p>
-            <a:endParaRPr lang="en-GB" dirty="0"/>
+              <a:t>Dijkstra algorithm</a:t>
+            </a:r>
+            <a:endParaRPr lang="en-GB" b="1" i="1" dirty="0">
+              <a:solidFill>
+                <a:schemeClr val="tx1"/>
+              </a:solidFill>
+            </a:endParaRPr>
           </a:p>
         </p:txBody>
       </p:sp>

--- a/Lesson slides/Unit 5 - Graphs.pptx
+++ b/Lesson slides/Unit 5 - Graphs.pptx
@@ -5,64 +5,65 @@
     <p:sldMasterId id="2147483729" r:id="rId1"/>
   </p:sldMasterIdLst>
   <p:notesMasterIdLst>
-    <p:notesMasterId r:id="rId57"/>
+    <p:notesMasterId r:id="rId58"/>
   </p:notesMasterIdLst>
   <p:sldIdLst>
     <p:sldId id="256" r:id="rId2"/>
-    <p:sldId id="260" r:id="rId3"/>
-    <p:sldId id="313" r:id="rId4"/>
-    <p:sldId id="261" r:id="rId5"/>
-    <p:sldId id="262" r:id="rId6"/>
-    <p:sldId id="263" r:id="rId7"/>
-    <p:sldId id="265" r:id="rId8"/>
-    <p:sldId id="275" r:id="rId9"/>
-    <p:sldId id="277" r:id="rId10"/>
-    <p:sldId id="278" r:id="rId11"/>
-    <p:sldId id="276" r:id="rId12"/>
-    <p:sldId id="274" r:id="rId13"/>
-    <p:sldId id="281" r:id="rId14"/>
-    <p:sldId id="279" r:id="rId15"/>
-    <p:sldId id="280" r:id="rId16"/>
-    <p:sldId id="282" r:id="rId17"/>
-    <p:sldId id="283" r:id="rId18"/>
-    <p:sldId id="267" r:id="rId19"/>
-    <p:sldId id="268" r:id="rId20"/>
-    <p:sldId id="270" r:id="rId21"/>
-    <p:sldId id="284" r:id="rId22"/>
-    <p:sldId id="285" r:id="rId23"/>
-    <p:sldId id="315" r:id="rId24"/>
-    <p:sldId id="269" r:id="rId25"/>
-    <p:sldId id="271" r:id="rId26"/>
-    <p:sldId id="286" r:id="rId27"/>
-    <p:sldId id="316" r:id="rId28"/>
-    <p:sldId id="317" r:id="rId29"/>
-    <p:sldId id="292" r:id="rId30"/>
-    <p:sldId id="294" r:id="rId31"/>
-    <p:sldId id="293" r:id="rId32"/>
-    <p:sldId id="312" r:id="rId33"/>
-    <p:sldId id="296" r:id="rId34"/>
-    <p:sldId id="298" r:id="rId35"/>
-    <p:sldId id="300" r:id="rId36"/>
-    <p:sldId id="301" r:id="rId37"/>
-    <p:sldId id="302" r:id="rId38"/>
-    <p:sldId id="303" r:id="rId39"/>
-    <p:sldId id="304" r:id="rId40"/>
-    <p:sldId id="305" r:id="rId41"/>
-    <p:sldId id="306" r:id="rId42"/>
-    <p:sldId id="307" r:id="rId43"/>
-    <p:sldId id="308" r:id="rId44"/>
-    <p:sldId id="309" r:id="rId45"/>
-    <p:sldId id="310" r:id="rId46"/>
-    <p:sldId id="311" r:id="rId47"/>
-    <p:sldId id="318" r:id="rId48"/>
-    <p:sldId id="290" r:id="rId49"/>
-    <p:sldId id="291" r:id="rId50"/>
-    <p:sldId id="319" r:id="rId51"/>
-    <p:sldId id="287" r:id="rId52"/>
-    <p:sldId id="266" r:id="rId53"/>
-    <p:sldId id="273" r:id="rId54"/>
-    <p:sldId id="272" r:id="rId55"/>
-    <p:sldId id="314" r:id="rId56"/>
+    <p:sldId id="320" r:id="rId3"/>
+    <p:sldId id="260" r:id="rId4"/>
+    <p:sldId id="313" r:id="rId5"/>
+    <p:sldId id="261" r:id="rId6"/>
+    <p:sldId id="262" r:id="rId7"/>
+    <p:sldId id="263" r:id="rId8"/>
+    <p:sldId id="265" r:id="rId9"/>
+    <p:sldId id="275" r:id="rId10"/>
+    <p:sldId id="277" r:id="rId11"/>
+    <p:sldId id="278" r:id="rId12"/>
+    <p:sldId id="276" r:id="rId13"/>
+    <p:sldId id="274" r:id="rId14"/>
+    <p:sldId id="281" r:id="rId15"/>
+    <p:sldId id="279" r:id="rId16"/>
+    <p:sldId id="280" r:id="rId17"/>
+    <p:sldId id="282" r:id="rId18"/>
+    <p:sldId id="283" r:id="rId19"/>
+    <p:sldId id="267" r:id="rId20"/>
+    <p:sldId id="268" r:id="rId21"/>
+    <p:sldId id="270" r:id="rId22"/>
+    <p:sldId id="284" r:id="rId23"/>
+    <p:sldId id="285" r:id="rId24"/>
+    <p:sldId id="315" r:id="rId25"/>
+    <p:sldId id="269" r:id="rId26"/>
+    <p:sldId id="271" r:id="rId27"/>
+    <p:sldId id="286" r:id="rId28"/>
+    <p:sldId id="316" r:id="rId29"/>
+    <p:sldId id="317" r:id="rId30"/>
+    <p:sldId id="292" r:id="rId31"/>
+    <p:sldId id="294" r:id="rId32"/>
+    <p:sldId id="293" r:id="rId33"/>
+    <p:sldId id="312" r:id="rId34"/>
+    <p:sldId id="296" r:id="rId35"/>
+    <p:sldId id="298" r:id="rId36"/>
+    <p:sldId id="300" r:id="rId37"/>
+    <p:sldId id="301" r:id="rId38"/>
+    <p:sldId id="302" r:id="rId39"/>
+    <p:sldId id="303" r:id="rId40"/>
+    <p:sldId id="304" r:id="rId41"/>
+    <p:sldId id="305" r:id="rId42"/>
+    <p:sldId id="306" r:id="rId43"/>
+    <p:sldId id="307" r:id="rId44"/>
+    <p:sldId id="308" r:id="rId45"/>
+    <p:sldId id="309" r:id="rId46"/>
+    <p:sldId id="310" r:id="rId47"/>
+    <p:sldId id="311" r:id="rId48"/>
+    <p:sldId id="318" r:id="rId49"/>
+    <p:sldId id="290" r:id="rId50"/>
+    <p:sldId id="291" r:id="rId51"/>
+    <p:sldId id="319" r:id="rId52"/>
+    <p:sldId id="287" r:id="rId53"/>
+    <p:sldId id="266" r:id="rId54"/>
+    <p:sldId id="273" r:id="rId55"/>
+    <p:sldId id="272" r:id="rId56"/>
+    <p:sldId id="314" r:id="rId57"/>
   </p:sldIdLst>
   <p:sldSz cx="12192000" cy="6858000"/>
   <p:notesSz cx="6858000" cy="9144000"/>
@@ -255,7 +256,7 @@
           <a:p>
             <a:fld id="{F314420D-16BA-4EDC-9A71-800590EAD5A3}" type="datetimeFigureOut">
               <a:rPr lang="en-GB" smtClean="0"/>
-              <a:t>19/12/2017</a:t>
+              <a:t>21/12/2017</a:t>
             </a:fld>
             <a:endParaRPr lang="en-GB"/>
           </a:p>
@@ -414,7 +415,7 @@
           <a:p>
             <a:fld id="{29573B9A-66FB-4A63-BCD5-E140B9429FD2}" type="slidenum">
               <a:rPr lang="en-GB" smtClean="0"/>
-              <a:t>‹#›</a:t>
+              <a:t>‹nr.›</a:t>
             </a:fld>
             <a:endParaRPr lang="en-GB"/>
           </a:p>
@@ -588,7 +589,7 @@
           <a:p>
             <a:fld id="{29573B9A-66FB-4A63-BCD5-E140B9429FD2}" type="slidenum">
               <a:rPr lang="en-GB" smtClean="0"/>
-              <a:t>2</a:t>
+              <a:t>3</a:t>
             </a:fld>
             <a:endParaRPr lang="en-GB"/>
           </a:p>
@@ -927,7 +928,7 @@
           <a:p>
             <a:fld id="{29573B9A-66FB-4A63-BCD5-E140B9429FD2}" type="slidenum">
               <a:rPr lang="en-GB" smtClean="0"/>
-              <a:t>54</a:t>
+              <a:t>55</a:t>
             </a:fld>
             <a:endParaRPr lang="en-GB"/>
           </a:p>
@@ -1021,7 +1022,7 @@
           <a:p>
             <a:fld id="{29573B9A-66FB-4A63-BCD5-E140B9429FD2}" type="slidenum">
               <a:rPr lang="en-GB" smtClean="0"/>
-              <a:t>4</a:t>
+              <a:t>5</a:t>
             </a:fld>
             <a:endParaRPr lang="en-GB"/>
           </a:p>
@@ -1214,7 +1215,7 @@
           <a:p>
             <a:fld id="{29573B9A-66FB-4A63-BCD5-E140B9429FD2}" type="slidenum">
               <a:rPr lang="en-GB" smtClean="0"/>
-              <a:t>10</a:t>
+              <a:t>11</a:t>
             </a:fld>
             <a:endParaRPr lang="en-GB"/>
           </a:p>
@@ -1298,7 +1299,7 @@
           <a:p>
             <a:fld id="{29573B9A-66FB-4A63-BCD5-E140B9429FD2}" type="slidenum">
               <a:rPr lang="en-GB" smtClean="0"/>
-              <a:t>11</a:t>
+              <a:t>12</a:t>
             </a:fld>
             <a:endParaRPr lang="en-GB"/>
           </a:p>
@@ -1404,7 +1405,7 @@
           <a:p>
             <a:fld id="{29573B9A-66FB-4A63-BCD5-E140B9429FD2}" type="slidenum">
               <a:rPr lang="en-GB" smtClean="0"/>
-              <a:t>22</a:t>
+              <a:t>23</a:t>
             </a:fld>
             <a:endParaRPr lang="en-GB"/>
           </a:p>
@@ -1510,7 +1511,7 @@
           <a:p>
             <a:fld id="{29573B9A-66FB-4A63-BCD5-E140B9429FD2}" type="slidenum">
               <a:rPr lang="en-GB" smtClean="0"/>
-              <a:t>23</a:t>
+              <a:t>24</a:t>
             </a:fld>
             <a:endParaRPr lang="en-GB"/>
           </a:p>
@@ -1685,7 +1686,7 @@
           <a:p>
             <a:fld id="{29573B9A-66FB-4A63-BCD5-E140B9429FD2}" type="slidenum">
               <a:rPr lang="en-GB" smtClean="0"/>
-              <a:t>24</a:t>
+              <a:t>25</a:t>
             </a:fld>
             <a:endParaRPr lang="en-GB"/>
           </a:p>
@@ -1881,7 +1882,7 @@
           <a:p>
             <a:fld id="{29573B9A-66FB-4A63-BCD5-E140B9429FD2}" type="slidenum">
               <a:rPr lang="en-GB" smtClean="0"/>
-              <a:t>26</a:t>
+              <a:t>27</a:t>
             </a:fld>
             <a:endParaRPr lang="en-GB"/>
           </a:p>
@@ -1977,7 +1978,7 @@
           <a:p>
             <a:fld id="{29573B9A-66FB-4A63-BCD5-E140B9429FD2}" type="slidenum">
               <a:rPr lang="en-GB" smtClean="0"/>
-              <a:t>29</a:t>
+              <a:t>30</a:t>
             </a:fld>
             <a:endParaRPr lang="en-GB"/>
           </a:p>
@@ -2720,9 +2721,9 @@
           <a:bodyPr/>
           <a:lstStyle/>
           <a:p>
-            <a:fld id="{6D0056B2-4F08-4129-BC21-E4EE9138FBBD}" type="datetime1">
+            <a:fld id="{2AB9D8A1-5435-4147-9E17-27EDE55B3813}" type="datetime1">
               <a:rPr lang="en-GB" smtClean="0"/>
-              <a:t>19/12/2017</a:t>
+              <a:t>21/12/2017</a:t>
             </a:fld>
             <a:endParaRPr lang="en-GB"/>
           </a:p>
@@ -2745,7 +2746,7 @@
           <a:p>
             <a:r>
               <a:rPr lang="it-IT"/>
-              <a:t>INFDEV026A - G. Costantini, F. Di Giacomo, G. Maggiore</a:t>
+              <a:t>INFDEV036A - G. Costantini, F. Di Giacomo</a:t>
             </a:r>
             <a:endParaRPr lang="en-GB"/>
           </a:p>
@@ -2768,7 +2769,7 @@
           <a:p>
             <a:fld id="{A3AAA307-BC5C-435E-9F75-3D6007B651A5}" type="slidenum">
               <a:rPr lang="en-GB" smtClean="0"/>
-              <a:t>‹#›</a:t>
+              <a:t>‹nr.›</a:t>
             </a:fld>
             <a:endParaRPr lang="en-GB"/>
           </a:p>
@@ -2975,9 +2976,9 @@
           <a:bodyPr/>
           <a:lstStyle/>
           <a:p>
-            <a:fld id="{612D572C-2764-414E-9C89-DDD42C6B07C1}" type="datetime1">
+            <a:fld id="{FD34F7E9-3DF3-4DBE-846D-39B0195EA2C3}" type="datetime1">
               <a:rPr lang="en-GB" smtClean="0"/>
-              <a:t>19/12/2017</a:t>
+              <a:t>21/12/2017</a:t>
             </a:fld>
             <a:endParaRPr lang="en-GB"/>
           </a:p>
@@ -3000,7 +3001,7 @@
           <a:p>
             <a:r>
               <a:rPr lang="it-IT"/>
-              <a:t>INFDEV026A - G. Costantini, F. Di Giacomo, G. Maggiore</a:t>
+              <a:t>INFDEV036A - G. Costantini, F. Di Giacomo</a:t>
             </a:r>
             <a:endParaRPr lang="en-GB"/>
           </a:p>
@@ -3023,7 +3024,7 @@
           <a:p>
             <a:fld id="{A3AAA307-BC5C-435E-9F75-3D6007B651A5}" type="slidenum">
               <a:rPr lang="en-GB" smtClean="0"/>
-              <a:t>‹#›</a:t>
+              <a:t>‹nr.›</a:t>
             </a:fld>
             <a:endParaRPr lang="en-GB"/>
           </a:p>
@@ -3293,9 +3294,9 @@
           <a:bodyPr/>
           <a:lstStyle/>
           <a:p>
-            <a:fld id="{2F9DEDFE-25E5-4177-B37C-03C25AABCBD5}" type="datetime1">
+            <a:fld id="{3D98525F-11CD-4DC1-B4EC-22D131D64D21}" type="datetime1">
               <a:rPr lang="en-GB" smtClean="0"/>
-              <a:t>19/12/2017</a:t>
+              <a:t>21/12/2017</a:t>
             </a:fld>
             <a:endParaRPr lang="en-GB"/>
           </a:p>
@@ -3318,7 +3319,7 @@
           <a:p>
             <a:r>
               <a:rPr lang="it-IT"/>
-              <a:t>INFDEV026A - G. Costantini, F. Di Giacomo, G. Maggiore</a:t>
+              <a:t>INFDEV036A - G. Costantini, F. Di Giacomo</a:t>
             </a:r>
             <a:endParaRPr lang="en-GB"/>
           </a:p>
@@ -3341,7 +3342,7 @@
           <a:p>
             <a:fld id="{A3AAA307-BC5C-435E-9F75-3D6007B651A5}" type="slidenum">
               <a:rPr lang="en-GB" smtClean="0"/>
-              <a:t>‹#›</a:t>
+              <a:t>‹nr.›</a:t>
             </a:fld>
             <a:endParaRPr lang="en-GB"/>
           </a:p>
@@ -3624,9 +3625,9 @@
           <a:bodyPr/>
           <a:lstStyle/>
           <a:p>
-            <a:fld id="{09077836-4222-4E87-A3F7-BF9743D61C38}" type="datetime1">
+            <a:fld id="{1C1732A9-6B1B-4956-B576-97ED1158E979}" type="datetime1">
               <a:rPr lang="en-GB" smtClean="0"/>
-              <a:t>19/12/2017</a:t>
+              <a:t>21/12/2017</a:t>
             </a:fld>
             <a:endParaRPr lang="en-GB"/>
           </a:p>
@@ -3649,7 +3650,7 @@
           <a:p>
             <a:r>
               <a:rPr lang="it-IT"/>
-              <a:t>INFDEV026A - G. Costantini, F. Di Giacomo, G. Maggiore</a:t>
+              <a:t>INFDEV036A - G. Costantini, F. Di Giacomo</a:t>
             </a:r>
             <a:endParaRPr lang="en-GB"/>
           </a:p>
@@ -3672,7 +3673,7 @@
           <a:p>
             <a:fld id="{A3AAA307-BC5C-435E-9F75-3D6007B651A5}" type="slidenum">
               <a:rPr lang="en-GB" smtClean="0"/>
-              <a:t>‹#›</a:t>
+              <a:t>‹nr.›</a:t>
             </a:fld>
             <a:endParaRPr lang="en-GB"/>
           </a:p>
@@ -3942,9 +3943,9 @@
           <a:bodyPr/>
           <a:lstStyle/>
           <a:p>
-            <a:fld id="{5982107C-A272-44F7-BB13-558FCEBC42B2}" type="datetime1">
+            <a:fld id="{EC9A10A3-8A4A-4BA4-8B79-B150C098D7DE}" type="datetime1">
               <a:rPr lang="en-GB" smtClean="0"/>
-              <a:t>19/12/2017</a:t>
+              <a:t>21/12/2017</a:t>
             </a:fld>
             <a:endParaRPr lang="en-GB"/>
           </a:p>
@@ -3967,7 +3968,7 @@
           <a:p>
             <a:r>
               <a:rPr lang="it-IT"/>
-              <a:t>INFDEV026A - G. Costantini, F. Di Giacomo, G. Maggiore</a:t>
+              <a:t>INFDEV036A - G. Costantini, F. Di Giacomo</a:t>
             </a:r>
             <a:endParaRPr lang="en-GB"/>
           </a:p>
@@ -3990,7 +3991,7 @@
           <a:p>
             <a:fld id="{A3AAA307-BC5C-435E-9F75-3D6007B651A5}" type="slidenum">
               <a:rPr lang="en-GB" smtClean="0"/>
-              <a:t>‹#›</a:t>
+              <a:t>‹nr.›</a:t>
             </a:fld>
             <a:endParaRPr lang="en-GB"/>
           </a:p>
@@ -4333,9 +4334,9 @@
           <a:bodyPr/>
           <a:lstStyle/>
           <a:p>
-            <a:fld id="{F9658BBA-9690-4900-AE7A-80E9850FB3EA}" type="datetime1">
+            <a:fld id="{1D1A7864-E6CE-437D-90EE-E94054888E6B}" type="datetime1">
               <a:rPr lang="en-GB" smtClean="0"/>
-              <a:t>19/12/2017</a:t>
+              <a:t>21/12/2017</a:t>
             </a:fld>
             <a:endParaRPr lang="en-GB"/>
           </a:p>
@@ -4358,7 +4359,7 @@
           <a:p>
             <a:r>
               <a:rPr lang="it-IT"/>
-              <a:t>INFDEV026A - G. Costantini, F. Di Giacomo, G. Maggiore</a:t>
+              <a:t>INFDEV036A - G. Costantini, F. Di Giacomo</a:t>
             </a:r>
             <a:endParaRPr lang="en-GB"/>
           </a:p>
@@ -4381,7 +4382,7 @@
           <a:p>
             <a:fld id="{A3AAA307-BC5C-435E-9F75-3D6007B651A5}" type="slidenum">
               <a:rPr lang="en-GB" smtClean="0"/>
-              <a:t>‹#›</a:t>
+              <a:t>‹nr.›</a:t>
             </a:fld>
             <a:endParaRPr lang="en-GB"/>
           </a:p>
@@ -4507,9 +4508,9 @@
           <a:bodyPr/>
           <a:lstStyle/>
           <a:p>
-            <a:fld id="{BEB6CA79-FB04-4AE1-90FD-D2D3D2AAEEC1}" type="datetime1">
+            <a:fld id="{16B2CD63-5CFA-4B8E-AFA1-905509E865FB}" type="datetime1">
               <a:rPr lang="en-GB" smtClean="0"/>
-              <a:t>19/12/2017</a:t>
+              <a:t>21/12/2017</a:t>
             </a:fld>
             <a:endParaRPr lang="en-GB"/>
           </a:p>
@@ -4532,7 +4533,7 @@
           <a:p>
             <a:r>
               <a:rPr lang="it-IT"/>
-              <a:t>INFDEV026A - G. Costantini, F. Di Giacomo, G. Maggiore</a:t>
+              <a:t>INFDEV036A - G. Costantini, F. Di Giacomo</a:t>
             </a:r>
             <a:endParaRPr lang="en-GB"/>
           </a:p>
@@ -4555,7 +4556,7 @@
           <a:p>
             <a:fld id="{A3AAA307-BC5C-435E-9F75-3D6007B651A5}" type="slidenum">
               <a:rPr lang="en-GB" smtClean="0"/>
-              <a:t>‹#›</a:t>
+              <a:t>‹nr.›</a:t>
             </a:fld>
             <a:endParaRPr lang="en-GB"/>
           </a:p>
@@ -4691,9 +4692,9 @@
           <a:bodyPr/>
           <a:lstStyle/>
           <a:p>
-            <a:fld id="{6C950542-9F3C-4D20-A3AE-6E02D3EC84EE}" type="datetime1">
+            <a:fld id="{E839277F-0662-43CE-A480-7F99911E7A07}" type="datetime1">
               <a:rPr lang="en-GB" smtClean="0"/>
-              <a:t>19/12/2017</a:t>
+              <a:t>21/12/2017</a:t>
             </a:fld>
             <a:endParaRPr lang="en-GB"/>
           </a:p>
@@ -4716,7 +4717,7 @@
           <a:p>
             <a:r>
               <a:rPr lang="it-IT"/>
-              <a:t>INFDEV026A - G. Costantini, F. Di Giacomo, G. Maggiore</a:t>
+              <a:t>INFDEV036A - G. Costantini, F. Di Giacomo</a:t>
             </a:r>
             <a:endParaRPr lang="en-GB"/>
           </a:p>
@@ -4739,7 +4740,7 @@
           <a:p>
             <a:fld id="{A3AAA307-BC5C-435E-9F75-3D6007B651A5}" type="slidenum">
               <a:rPr lang="en-GB" smtClean="0"/>
-              <a:t>‹#›</a:t>
+              <a:t>‹nr.›</a:t>
             </a:fld>
             <a:endParaRPr lang="en-GB"/>
           </a:p>
@@ -4865,9 +4866,9 @@
           <a:bodyPr/>
           <a:lstStyle/>
           <a:p>
-            <a:fld id="{F58B147D-FA68-4708-8C51-0F326ACB9AAA}" type="datetime1">
+            <a:fld id="{43BFB55E-839C-4190-B566-F2AB82861591}" type="datetime1">
               <a:rPr lang="en-GB" smtClean="0"/>
-              <a:t>19/12/2017</a:t>
+              <a:t>21/12/2017</a:t>
             </a:fld>
             <a:endParaRPr lang="en-GB"/>
           </a:p>
@@ -4890,7 +4891,7 @@
           <a:p>
             <a:r>
               <a:rPr lang="it-IT"/>
-              <a:t>INFDEV026A - G. Costantini, F. Di Giacomo, G. Maggiore</a:t>
+              <a:t>INFDEV036A - G. Costantini, F. Di Giacomo</a:t>
             </a:r>
             <a:endParaRPr lang="en-GB"/>
           </a:p>
@@ -4913,7 +4914,7 @@
           <a:p>
             <a:fld id="{A3AAA307-BC5C-435E-9F75-3D6007B651A5}" type="slidenum">
               <a:rPr lang="en-GB" smtClean="0"/>
-              <a:t>‹#›</a:t>
+              <a:t>‹nr.›</a:t>
             </a:fld>
             <a:endParaRPr lang="en-GB"/>
           </a:p>
@@ -5116,9 +5117,9 @@
           <a:bodyPr/>
           <a:lstStyle/>
           <a:p>
-            <a:fld id="{0075BD33-8D5F-4D67-8F67-B28D0B7F2F08}" type="datetime1">
+            <a:fld id="{3D1BA60E-9FBD-47D7-A428-34E402897507}" type="datetime1">
               <a:rPr lang="en-GB" smtClean="0"/>
-              <a:t>19/12/2017</a:t>
+              <a:t>21/12/2017</a:t>
             </a:fld>
             <a:endParaRPr lang="en-GB"/>
           </a:p>
@@ -5141,7 +5142,7 @@
           <a:p>
             <a:r>
               <a:rPr lang="it-IT"/>
-              <a:t>INFDEV026A - G. Costantini, F. Di Giacomo, G. Maggiore</a:t>
+              <a:t>INFDEV036A - G. Costantini, F. Di Giacomo</a:t>
             </a:r>
             <a:endParaRPr lang="en-GB"/>
           </a:p>
@@ -5164,7 +5165,7 @@
           <a:p>
             <a:fld id="{A3AAA307-BC5C-435E-9F75-3D6007B651A5}" type="slidenum">
               <a:rPr lang="en-GB" smtClean="0"/>
-              <a:t>‹#›</a:t>
+              <a:t>‹nr.›</a:t>
             </a:fld>
             <a:endParaRPr lang="en-GB"/>
           </a:p>
@@ -5352,9 +5353,9 @@
           <a:bodyPr/>
           <a:lstStyle/>
           <a:p>
-            <a:fld id="{633BF77B-1C97-4E77-BD1D-75274F40FC5B}" type="datetime1">
+            <a:fld id="{71BC9DF8-2D12-479A-95C1-0D0146B58665}" type="datetime1">
               <a:rPr lang="en-GB" smtClean="0"/>
-              <a:t>19/12/2017</a:t>
+              <a:t>21/12/2017</a:t>
             </a:fld>
             <a:endParaRPr lang="en-GB"/>
           </a:p>
@@ -5377,7 +5378,7 @@
           <a:p>
             <a:r>
               <a:rPr lang="it-IT"/>
-              <a:t>INFDEV026A - G. Costantini, F. Di Giacomo, G. Maggiore</a:t>
+              <a:t>INFDEV036A - G. Costantini, F. Di Giacomo</a:t>
             </a:r>
             <a:endParaRPr lang="en-GB"/>
           </a:p>
@@ -5400,7 +5401,7 @@
           <a:p>
             <a:fld id="{A3AAA307-BC5C-435E-9F75-3D6007B651A5}" type="slidenum">
               <a:rPr lang="en-GB" smtClean="0"/>
-              <a:t>‹#›</a:t>
+              <a:t>‹nr.›</a:t>
             </a:fld>
             <a:endParaRPr lang="en-GB"/>
           </a:p>
@@ -5730,9 +5731,9 @@
           <a:bodyPr/>
           <a:lstStyle/>
           <a:p>
-            <a:fld id="{5153D374-1A43-4F28-8430-6675858FE949}" type="datetime1">
+            <a:fld id="{F3D2CABC-FB83-4A4D-8838-663F16D638EF}" type="datetime1">
               <a:rPr lang="en-GB" smtClean="0"/>
-              <a:t>19/12/2017</a:t>
+              <a:t>21/12/2017</a:t>
             </a:fld>
             <a:endParaRPr lang="en-GB"/>
           </a:p>
@@ -5755,7 +5756,7 @@
           <a:p>
             <a:r>
               <a:rPr lang="it-IT"/>
-              <a:t>INFDEV026A - G. Costantini, F. Di Giacomo, G. Maggiore</a:t>
+              <a:t>INFDEV036A - G. Costantini, F. Di Giacomo</a:t>
             </a:r>
             <a:endParaRPr lang="en-GB"/>
           </a:p>
@@ -5778,7 +5779,7 @@
           <a:p>
             <a:fld id="{A3AAA307-BC5C-435E-9F75-3D6007B651A5}" type="slidenum">
               <a:rPr lang="en-GB" smtClean="0"/>
-              <a:t>‹#›</a:t>
+              <a:t>‹nr.›</a:t>
             </a:fld>
             <a:endParaRPr lang="en-GB"/>
           </a:p>
@@ -5857,9 +5858,9 @@
           <a:bodyPr/>
           <a:lstStyle/>
           <a:p>
-            <a:fld id="{BA88CCDF-626B-4668-97DC-5A1BBEAB0A11}" type="datetime1">
+            <a:fld id="{99A08632-8AE3-48D8-AB86-B1BD5CBAD907}" type="datetime1">
               <a:rPr lang="en-GB" smtClean="0"/>
-              <a:t>19/12/2017</a:t>
+              <a:t>21/12/2017</a:t>
             </a:fld>
             <a:endParaRPr lang="en-GB"/>
           </a:p>
@@ -5882,7 +5883,7 @@
           <a:p>
             <a:r>
               <a:rPr lang="it-IT"/>
-              <a:t>INFDEV026A - G. Costantini, F. Di Giacomo, G. Maggiore</a:t>
+              <a:t>INFDEV036A - G. Costantini, F. Di Giacomo</a:t>
             </a:r>
             <a:endParaRPr lang="en-GB"/>
           </a:p>
@@ -5905,7 +5906,7 @@
           <a:p>
             <a:fld id="{A3AAA307-BC5C-435E-9F75-3D6007B651A5}" type="slidenum">
               <a:rPr lang="en-GB" smtClean="0"/>
-              <a:t>‹#›</a:t>
+              <a:t>‹nr.›</a:t>
             </a:fld>
             <a:endParaRPr lang="en-GB"/>
           </a:p>
@@ -5956,9 +5957,9 @@
           <a:bodyPr/>
           <a:lstStyle/>
           <a:p>
-            <a:fld id="{9760674D-D2B9-4AE0-923F-2202F9433AF2}" type="datetime1">
+            <a:fld id="{C9B8F660-0EBA-4272-9778-33A1DBD1EDC7}" type="datetime1">
               <a:rPr lang="en-GB" smtClean="0"/>
-              <a:t>19/12/2017</a:t>
+              <a:t>21/12/2017</a:t>
             </a:fld>
             <a:endParaRPr lang="en-GB"/>
           </a:p>
@@ -5981,7 +5982,7 @@
           <a:p>
             <a:r>
               <a:rPr lang="it-IT"/>
-              <a:t>INFDEV026A - G. Costantini, F. Di Giacomo, G. Maggiore</a:t>
+              <a:t>INFDEV036A - G. Costantini, F. Di Giacomo</a:t>
             </a:r>
             <a:endParaRPr lang="en-GB"/>
           </a:p>
@@ -6004,7 +6005,7 @@
           <a:p>
             <a:fld id="{A3AAA307-BC5C-435E-9F75-3D6007B651A5}" type="slidenum">
               <a:rPr lang="en-GB" smtClean="0"/>
-              <a:t>‹#›</a:t>
+              <a:t>‹nr.›</a:t>
             </a:fld>
             <a:endParaRPr lang="en-GB"/>
           </a:p>
@@ -6215,9 +6216,9 @@
           <a:bodyPr/>
           <a:lstStyle/>
           <a:p>
-            <a:fld id="{319B5FBB-5ECE-4C54-9CCE-31F728E781A0}" type="datetime1">
+            <a:fld id="{4A7F2A5F-9D5B-4DC3-B6E8-8F151B116ECE}" type="datetime1">
               <a:rPr lang="en-GB" smtClean="0"/>
-              <a:t>19/12/2017</a:t>
+              <a:t>21/12/2017</a:t>
             </a:fld>
             <a:endParaRPr lang="en-GB"/>
           </a:p>
@@ -6240,7 +6241,7 @@
           <a:p>
             <a:r>
               <a:rPr lang="it-IT"/>
-              <a:t>INFDEV026A - G. Costantini, F. Di Giacomo, G. Maggiore</a:t>
+              <a:t>INFDEV036A - G. Costantini, F. Di Giacomo</a:t>
             </a:r>
             <a:endParaRPr lang="en-GB"/>
           </a:p>
@@ -6263,7 +6264,7 @@
           <a:p>
             <a:fld id="{A3AAA307-BC5C-435E-9F75-3D6007B651A5}" type="slidenum">
               <a:rPr lang="en-GB" smtClean="0"/>
-              <a:t>‹#›</a:t>
+              <a:t>‹nr.›</a:t>
             </a:fld>
             <a:endParaRPr lang="en-GB"/>
           </a:p>
@@ -6482,9 +6483,9 @@
           <a:bodyPr/>
           <a:lstStyle/>
           <a:p>
-            <a:fld id="{73C6F11D-3D21-4E28-9384-DA37B819A935}" type="datetime1">
+            <a:fld id="{1C63D63C-A0C0-4B7F-A13A-4D0F4E2A275E}" type="datetime1">
               <a:rPr lang="en-GB" smtClean="0"/>
-              <a:t>19/12/2017</a:t>
+              <a:t>21/12/2017</a:t>
             </a:fld>
             <a:endParaRPr lang="en-GB"/>
           </a:p>
@@ -6507,7 +6508,7 @@
           <a:p>
             <a:r>
               <a:rPr lang="it-IT"/>
-              <a:t>INFDEV026A - G. Costantini, F. Di Giacomo, G. Maggiore</a:t>
+              <a:t>INFDEV036A - G. Costantini, F. Di Giacomo</a:t>
             </a:r>
             <a:endParaRPr lang="en-GB"/>
           </a:p>
@@ -6530,7 +6531,7 @@
           <a:p>
             <a:fld id="{A3AAA307-BC5C-435E-9F75-3D6007B651A5}" type="slidenum">
               <a:rPr lang="en-GB" smtClean="0"/>
-              <a:t>‹#›</a:t>
+              <a:t>‹nr.›</a:t>
             </a:fld>
             <a:endParaRPr lang="en-GB"/>
           </a:p>
@@ -7231,9 +7232,9 @@
             </a:lvl1pPr>
           </a:lstStyle>
           <a:p>
-            <a:fld id="{89F71666-4645-43A7-8D49-9FF37F68D6E1}" type="datetime1">
+            <a:fld id="{8974519A-EE02-42D5-89FC-1A991AEFE6AF}" type="datetime1">
               <a:rPr lang="en-GB" smtClean="0"/>
-              <a:t>19/12/2017</a:t>
+              <a:t>21/12/2017</a:t>
             </a:fld>
             <a:endParaRPr lang="en-GB"/>
           </a:p>
@@ -7274,7 +7275,7 @@
           <a:p>
             <a:r>
               <a:rPr lang="it-IT"/>
-              <a:t>INFDEV026A - G. Costantini, F. Di Giacomo, G. Maggiore</a:t>
+              <a:t>INFDEV036A - G. Costantini, F. Di Giacomo</a:t>
             </a:r>
             <a:endParaRPr lang="en-GB"/>
           </a:p>
@@ -7315,7 +7316,7 @@
           <a:p>
             <a:fld id="{A3AAA307-BC5C-435E-9F75-3D6007B651A5}" type="slidenum">
               <a:rPr lang="en-GB" smtClean="0"/>
-              <a:t>‹#›</a:t>
+              <a:t>‹nr.›</a:t>
             </a:fld>
             <a:endParaRPr lang="en-GB"/>
           </a:p>
@@ -7806,26 +7807,14 @@
           <a:p>
             <a:r>
               <a:rPr lang="en-GB" dirty="0"/>
-              <a:t>INFDEV026A - </a:t>
-            </a:r>
-            <a:r>
-              <a:rPr lang="en-GB" dirty="0" err="1"/>
-              <a:t>Algoritmiek</a:t>
-            </a:r>
-            <a:r>
+              <a:t>INFDEV036A - Algorithms </a:t>
+            </a:r>
+            <a:br>
               <a:rPr lang="en-GB" dirty="0"/>
-              <a:t> </a:t>
-            </a:r>
-            <a:br>
-              <a:rPr lang="en-GB"/>
             </a:br>
             <a:r>
-              <a:rPr lang="en-GB"/>
-              <a:t>Unit </a:t>
-            </a:r>
-            <a:r>
               <a:rPr lang="en-GB" dirty="0"/>
-              <a:t>5</a:t>
+              <a:t>Lesson Unit 5</a:t>
             </a:r>
           </a:p>
         </p:txBody>
@@ -7849,7 +7838,7 @@
           <a:p>
             <a:r>
               <a:rPr lang="en-GB" sz="2000" dirty="0"/>
-              <a:t>G. Costantini, F. Di Giacomo, G. Maggiore</a:t>
+              <a:t>G. Costantini, F. Di Giacomo</a:t>
             </a:r>
           </a:p>
           <a:p>
@@ -7871,17 +7860,7 @@
             </a:r>
             <a:r>
               <a:rPr lang="en-GB" sz="2000" dirty="0"/>
-              <a:t>, </a:t>
-            </a:r>
-            <a:r>
-              <a:rPr lang="en-GB" sz="2000" dirty="0">
-                <a:hlinkClick r:id="rId4"/>
-              </a:rPr>
-              <a:t>maggg@hr.nl</a:t>
-            </a:r>
-            <a:r>
-              <a:rPr lang="en-GB" sz="2000" dirty="0"/>
-              <a:t> – Office H4.204</a:t>
+              <a:t> – Office H4.206</a:t>
             </a:r>
           </a:p>
         </p:txBody>
@@ -7900,6 +7879,358 @@
 </file>
 
 <file path=ppt/slides/slide10.xml><?xml version="1.0" encoding="utf-8"?>
+<p:sld xmlns:a="http://schemas.openxmlformats.org/drawingml/2006/main" xmlns:r="http://schemas.openxmlformats.org/officeDocument/2006/relationships" xmlns:p="http://schemas.openxmlformats.org/presentationml/2006/main">
+  <p:cSld>
+    <p:spTree>
+      <p:nvGrpSpPr>
+        <p:cNvPr id="1" name=""/>
+        <p:cNvGrpSpPr/>
+        <p:nvPr/>
+      </p:nvGrpSpPr>
+      <p:grpSpPr>
+        <a:xfrm>
+          <a:off x="0" y="0"/>
+          <a:ext cx="0" cy="0"/>
+          <a:chOff x="0" y="0"/>
+          <a:chExt cx="0" cy="0"/>
+        </a:xfrm>
+      </p:grpSpPr>
+      <p:sp>
+        <p:nvSpPr>
+          <p:cNvPr id="2" name="Title 1"/>
+          <p:cNvSpPr>
+            <a:spLocks noGrp="1"/>
+          </p:cNvSpPr>
+          <p:nvPr>
+            <p:ph type="title"/>
+          </p:nvPr>
+        </p:nvSpPr>
+        <p:spPr/>
+        <p:txBody>
+          <a:bodyPr/>
+          <a:lstStyle/>
+          <a:p>
+            <a:r>
+              <a:rPr lang="en-GB" dirty="0"/>
+              <a:t>Graphs – Representations</a:t>
+            </a:r>
+          </a:p>
+        </p:txBody>
+      </p:sp>
+      <mc:AlternateContent xmlns:mc="http://schemas.openxmlformats.org/markup-compatibility/2006" xmlns:a14="http://schemas.microsoft.com/office/drawing/2010/main">
+        <mc:Choice Requires="a14">
+          <p:sp>
+            <p:nvSpPr>
+              <p:cNvPr id="3" name="Content Placeholder 2"/>
+              <p:cNvSpPr>
+                <a:spLocks noGrp="1"/>
+              </p:cNvSpPr>
+              <p:nvPr>
+                <p:ph idx="1"/>
+              </p:nvPr>
+            </p:nvSpPr>
+            <p:spPr/>
+            <p:txBody>
+              <a:bodyPr/>
+              <a:lstStyle/>
+              <a:p>
+                <a:r>
+                  <a:rPr lang="en-US" b="1" dirty="0"/>
+                  <a:t>Adjacency matrix</a:t>
+                </a:r>
+              </a:p>
+              <a:p>
+                <a:pPr lvl="1"/>
+                <a:r>
+                  <a:rPr lang="en-US" dirty="0"/>
+                  <a:t>represents which vertices of a graph are adjacent to which other vertices</a:t>
+                </a:r>
+              </a:p>
+              <a:p>
+                <a:pPr lvl="1"/>
+                <a:r>
+                  <a:rPr lang="en-US" dirty="0"/>
+                  <a:t>rows and columns represent both the vertices</a:t>
+                </a:r>
+              </a:p>
+              <a:p>
+                <a:pPr lvl="1"/>
+                <a:r>
+                  <a:rPr lang="en-US" dirty="0"/>
+                  <a:t>given a cell at row </a:t>
+                </a:r>
+                <a14:m>
+                  <m:oMath xmlns:m="http://schemas.openxmlformats.org/officeDocument/2006/math">
+                    <m:r>
+                      <a:rPr lang="en-GB" b="0" i="1" smtClean="0">
+                        <a:latin typeface="Cambria Math" panose="02040503050406030204" pitchFamily="18" charset="0"/>
+                      </a:rPr>
+                      <m:t>𝑖</m:t>
+                    </m:r>
+                  </m:oMath>
+                </a14:m>
+                <a:r>
+                  <a:rPr lang="en-US" dirty="0"/>
+                  <a:t> </a:t>
+                </a:r>
+                <a:r>
+                  <a:rPr lang="en-US" dirty="0">
+                    <a:sym typeface="Wingdings" panose="05000000000000000000" pitchFamily="2" charset="2"/>
+                  </a:rPr>
+                  <a:t> </a:t>
+                </a:r>
+                <a:r>
+                  <a:rPr lang="en-US" dirty="0"/>
+                  <a:t>column </a:t>
+                </a:r>
+                <a14:m>
+                  <m:oMath xmlns:m="http://schemas.openxmlformats.org/officeDocument/2006/math">
+                    <m:r>
+                      <a:rPr lang="en-GB" b="0" i="1" smtClean="0">
+                        <a:latin typeface="Cambria Math" panose="02040503050406030204" pitchFamily="18" charset="0"/>
+                      </a:rPr>
+                      <m:t>𝑗</m:t>
+                    </m:r>
+                  </m:oMath>
+                </a14:m>
+                <a:r>
+                  <a:rPr lang="en-US" dirty="0"/>
+                  <a:t> is </a:t>
+                </a:r>
+                <a:r>
+                  <a:rPr lang="en-US" i="1" dirty="0"/>
+                  <a:t>True(1) </a:t>
+                </a:r>
+                <a:r>
+                  <a:rPr lang="en-US" dirty="0"/>
+                  <a:t>if there is an edge connecting </a:t>
+                </a:r>
+                <a14:m>
+                  <m:oMath xmlns:m="http://schemas.openxmlformats.org/officeDocument/2006/math">
+                    <m:r>
+                      <a:rPr lang="en-GB" b="0" i="1" smtClean="0">
+                        <a:latin typeface="Cambria Math" panose="02040503050406030204" pitchFamily="18" charset="0"/>
+                      </a:rPr>
+                      <m:t>𝑖</m:t>
+                    </m:r>
+                  </m:oMath>
+                </a14:m>
+                <a:r>
+                  <a:rPr lang="en-US" dirty="0"/>
+                  <a:t> to </a:t>
+                </a:r>
+                <a14:m>
+                  <m:oMath xmlns:m="http://schemas.openxmlformats.org/officeDocument/2006/math">
+                    <m:r>
+                      <a:rPr lang="en-GB" b="0" i="1" smtClean="0">
+                        <a:latin typeface="Cambria Math" panose="02040503050406030204" pitchFamily="18" charset="0"/>
+                      </a:rPr>
+                      <m:t>𝑗</m:t>
+                    </m:r>
+                  </m:oMath>
+                </a14:m>
+                <a:endParaRPr lang="en-US" dirty="0"/>
+              </a:p>
+              <a:p>
+                <a:pPr lvl="1"/>
+                <a:endParaRPr lang="en-US" dirty="0"/>
+              </a:p>
+            </p:txBody>
+          </p:sp>
+        </mc:Choice>
+        <mc:Fallback xmlns="">
+          <p:sp>
+            <p:nvSpPr>
+              <p:cNvPr id="3" name="Content Placeholder 2"/>
+              <p:cNvSpPr>
+                <a:spLocks noGrp="1" noRot="1" noChangeAspect="1" noMove="1" noResize="1" noEditPoints="1" noAdjustHandles="1" noChangeArrowheads="1" noChangeShapeType="1" noTextEdit="1"/>
+              </p:cNvSpPr>
+              <p:nvPr>
+                <p:ph idx="1"/>
+              </p:nvPr>
+            </p:nvSpPr>
+            <p:spPr>
+              <a:blipFill rotWithShape="0">
+                <a:blip r:embed="rId2"/>
+                <a:stretch>
+                  <a:fillRect l="-142" t="-942"/>
+                </a:stretch>
+              </a:blipFill>
+            </p:spPr>
+            <p:txBody>
+              <a:bodyPr/>
+              <a:lstStyle/>
+              <a:p>
+                <a:r>
+                  <a:rPr lang="nl-NL">
+                    <a:noFill/>
+                  </a:rPr>
+                  <a:t> </a:t>
+                </a:r>
+              </a:p>
+            </p:txBody>
+          </p:sp>
+        </mc:Fallback>
+      </mc:AlternateContent>
+      <p:sp>
+        <p:nvSpPr>
+          <p:cNvPr id="4" name="Footer Placeholder 3"/>
+          <p:cNvSpPr>
+            <a:spLocks noGrp="1"/>
+          </p:cNvSpPr>
+          <p:nvPr>
+            <p:ph type="ftr" sz="quarter" idx="11"/>
+          </p:nvPr>
+        </p:nvSpPr>
+        <p:spPr/>
+        <p:txBody>
+          <a:bodyPr/>
+          <a:lstStyle/>
+          <a:p>
+            <a:r>
+              <a:rPr lang="it-IT"/>
+              <a:t>INFDEV036A - G. Costantini, F. Di Giacomo</a:t>
+            </a:r>
+            <a:endParaRPr lang="en-GB"/>
+          </a:p>
+        </p:txBody>
+      </p:sp>
+      <p:pic>
+        <p:nvPicPr>
+          <p:cNvPr id="4098" name="Picture 2" descr="6n-graph2.svg"/>
+          <p:cNvPicPr>
+            <a:picLocks noChangeAspect="1" noChangeArrowheads="1"/>
+          </p:cNvPicPr>
+          <p:nvPr/>
+        </p:nvPicPr>
+        <p:blipFill>
+          <a:blip r:embed="rId3">
+            <a:extLst>
+              <a:ext uri="{28A0092B-C50C-407E-A947-70E740481C1C}">
+                <a14:useLocalDpi xmlns:a14="http://schemas.microsoft.com/office/drawing/2010/main" val="0"/>
+              </a:ext>
+            </a:extLst>
+          </a:blip>
+          <a:srcRect/>
+          <a:stretch>
+            <a:fillRect/>
+          </a:stretch>
+        </p:blipFill>
+        <p:spPr bwMode="auto">
+          <a:xfrm>
+            <a:off x="1921140" y="3830316"/>
+            <a:ext cx="1905000" cy="2085976"/>
+          </a:xfrm>
+          <a:prstGeom prst="rect">
+            <a:avLst/>
+          </a:prstGeom>
+          <a:noFill/>
+          <a:extLst>
+            <a:ext uri="{909E8E84-426E-40DD-AFC4-6F175D3DCCD1}">
+              <a14:hiddenFill xmlns:a14="http://schemas.microsoft.com/office/drawing/2010/main">
+                <a:solidFill>
+                  <a:srgbClr val="FFFFFF"/>
+                </a:solidFill>
+              </a14:hiddenFill>
+            </a:ext>
+          </a:extLst>
+        </p:spPr>
+      </p:pic>
+      <p:pic>
+        <p:nvPicPr>
+          <p:cNvPr id="4100" name="Picture 4" descr="\begin{pmatrix}&#10;1 &amp; 1 &amp; 0 &amp; 0 &amp; 1 &amp; 0\\&#10;1 &amp; 0 &amp; 1 &amp; 0 &amp; 1 &amp; 0\\&#10;0 &amp; 1 &amp; 0 &amp; 1 &amp; 0 &amp; 0\\&#10;0 &amp; 0 &amp; 1 &amp; 0 &amp; 1 &amp; 1\\&#10;1 &amp; 1 &amp; 0 &amp; 1 &amp; 0 &amp; 0\\&#10;0 &amp; 0 &amp; 0 &amp; 1 &amp; 0 &amp; 0\\&#10;\end{pmatrix}"/>
+          <p:cNvPicPr>
+            <a:picLocks noChangeAspect="1" noChangeArrowheads="1"/>
+          </p:cNvPicPr>
+          <p:nvPr/>
+        </p:nvPicPr>
+        <p:blipFill>
+          <a:blip r:embed="rId4">
+            <a:extLst>
+              <a:ext uri="{28A0092B-C50C-407E-A947-70E740481C1C}">
+                <a14:useLocalDpi xmlns:a14="http://schemas.microsoft.com/office/drawing/2010/main" val="0"/>
+              </a:ext>
+            </a:extLst>
+          </a:blip>
+          <a:srcRect/>
+          <a:stretch>
+            <a:fillRect/>
+          </a:stretch>
+        </p:blipFill>
+        <p:spPr bwMode="auto">
+          <a:xfrm>
+            <a:off x="5727492" y="4100975"/>
+            <a:ext cx="2236833" cy="1940387"/>
+          </a:xfrm>
+          <a:prstGeom prst="rect">
+            <a:avLst/>
+          </a:prstGeom>
+          <a:noFill/>
+          <a:extLst>
+            <a:ext uri="{909E8E84-426E-40DD-AFC4-6F175D3DCCD1}">
+              <a14:hiddenFill xmlns:a14="http://schemas.microsoft.com/office/drawing/2010/main">
+                <a:solidFill>
+                  <a:srgbClr val="FFFFFF"/>
+                </a:solidFill>
+              </a14:hiddenFill>
+            </a:ext>
+          </a:extLst>
+        </p:spPr>
+      </p:pic>
+      <p:sp>
+        <p:nvSpPr>
+          <p:cNvPr id="7" name="Right Arrow 6"/>
+          <p:cNvSpPr/>
+          <p:nvPr/>
+        </p:nvSpPr>
+        <p:spPr>
+          <a:xfrm>
+            <a:off x="4114132" y="4736388"/>
+            <a:ext cx="1325367" cy="462337"/>
+          </a:xfrm>
+          <a:prstGeom prst="rightArrow">
+            <a:avLst/>
+          </a:prstGeom>
+        </p:spPr>
+        <p:style>
+          <a:lnRef idx="2">
+            <a:schemeClr val="accent1">
+              <a:shade val="50000"/>
+            </a:schemeClr>
+          </a:lnRef>
+          <a:fillRef idx="1">
+            <a:schemeClr val="accent1"/>
+          </a:fillRef>
+          <a:effectRef idx="0">
+            <a:schemeClr val="accent1"/>
+          </a:effectRef>
+          <a:fontRef idx="minor">
+            <a:schemeClr val="lt1"/>
+          </a:fontRef>
+        </p:style>
+        <p:txBody>
+          <a:bodyPr rtlCol="0" anchor="ctr"/>
+          <a:lstStyle/>
+          <a:p>
+            <a:pPr algn="ctr"/>
+            <a:endParaRPr lang="en-GB"/>
+          </a:p>
+        </p:txBody>
+      </p:sp>
+    </p:spTree>
+    <p:extLst>
+      <p:ext uri="{BB962C8B-B14F-4D97-AF65-F5344CB8AC3E}">
+        <p14:creationId xmlns:p14="http://schemas.microsoft.com/office/powerpoint/2010/main" val="176684534"/>
+      </p:ext>
+    </p:extLst>
+  </p:cSld>
+  <p:clrMapOvr>
+    <a:masterClrMapping/>
+  </p:clrMapOvr>
+</p:sld>
+</file>
+
+<file path=ppt/slides/slide11.xml><?xml version="1.0" encoding="utf-8"?>
 <p:sld xmlns:a="http://schemas.openxmlformats.org/drawingml/2006/main" xmlns:r="http://schemas.openxmlformats.org/officeDocument/2006/relationships" xmlns:p="http://schemas.openxmlformats.org/presentationml/2006/main">
   <p:cSld>
     <p:spTree>
@@ -8191,7 +8522,7 @@
           <a:p>
             <a:r>
               <a:rPr lang="it-IT"/>
-              <a:t>INFDEV026A - G. Costantini, F. Di Giacomo, G. Maggiore</a:t>
+              <a:t>INFDEV036A - G. Costantini, F. Di Giacomo</a:t>
             </a:r>
             <a:endParaRPr lang="en-GB"/>
           </a:p>
@@ -8258,8 +8589,8 @@
 </p:sld>
 </file>
 
-<file path=ppt/slides/slide11.xml><?xml version="1.0" encoding="utf-8"?>
-<p:sld xmlns:a="http://schemas.openxmlformats.org/drawingml/2006/main" xmlns:r="http://schemas.openxmlformats.org/officeDocument/2006/relationships" xmlns:p="http://schemas.openxmlformats.org/presentationml/2006/main">
+<file path=ppt/slides/slide12.xml><?xml version="1.0" encoding="utf-8"?>
+<p:sld xmlns:a="http://schemas.openxmlformats.org/drawingml/2006/main" xmlns:r="http://schemas.openxmlformats.org/officeDocument/2006/relationships" xmlns:p="http://schemas.openxmlformats.org/presentationml/2006/main" show="0">
   <p:cSld>
     <p:spTree>
       <p:nvGrpSpPr>
@@ -8297,8 +8628,8 @@
           </a:p>
         </p:txBody>
       </p:sp>
-      <mc:AlternateContent xmlns:mc="http://schemas.openxmlformats.org/markup-compatibility/2006" xmlns:a14="http://schemas.microsoft.com/office/drawing/2010/main">
-        <mc:Choice Requires="a14">
+      <mc:AlternateContent xmlns:mc="http://schemas.openxmlformats.org/markup-compatibility/2006">
+        <mc:Choice xmlns:a14="http://schemas.microsoft.com/office/drawing/2010/main" Requires="a14">
           <p:sp>
             <p:nvSpPr>
               <p:cNvPr id="3" name="Content Placeholder 2"/>
@@ -8414,7 +8745,7 @@
             </p:txBody>
           </p:sp>
         </mc:Choice>
-        <mc:Fallback xmlns="">
+        <mc:Fallback>
           <p:sp>
             <p:nvSpPr>
               <p:cNvPr id="3" name="Content Placeholder 2"/>
@@ -8426,7 +8757,7 @@
               </p:nvPr>
             </p:nvSpPr>
             <p:spPr>
-              <a:blipFill rotWithShape="0">
+              <a:blipFill>
                 <a:blip r:embed="rId3"/>
                 <a:stretch>
                   <a:fillRect l="-142" t="-942"/>
@@ -8465,7 +8796,7 @@
           <a:p>
             <a:r>
               <a:rPr lang="it-IT"/>
-              <a:t>INFDEV026A - G. Costantini, F. Di Giacomo, G. Maggiore</a:t>
+              <a:t>INFDEV036A - G. Costantini, F. Di Giacomo</a:t>
             </a:r>
             <a:endParaRPr lang="en-GB"/>
           </a:p>
@@ -8630,7 +8961,7 @@
 </p:sld>
 </file>
 
-<file path=ppt/slides/slide12.xml><?xml version="1.0" encoding="utf-8"?>
+<file path=ppt/slides/slide13.xml><?xml version="1.0" encoding="utf-8"?>
 <p:sld xmlns:a="http://schemas.openxmlformats.org/drawingml/2006/main" xmlns:r="http://schemas.openxmlformats.org/officeDocument/2006/relationships" xmlns:p="http://schemas.openxmlformats.org/presentationml/2006/main">
   <p:cSld>
     <p:spTree>
@@ -9006,7 +9337,7 @@
           <a:p>
             <a:r>
               <a:rPr lang="it-IT"/>
-              <a:t>INFDEV026A - G. Costantini, F. Di Giacomo, G. Maggiore</a:t>
+              <a:t>INFDEV036A - G. Costantini, F. Di Giacomo</a:t>
             </a:r>
             <a:endParaRPr lang="en-GB"/>
           </a:p>
@@ -9049,7 +9380,7 @@
 </p:sld>
 </file>
 
-<file path=ppt/slides/slide13.xml><?xml version="1.0" encoding="utf-8"?>
+<file path=ppt/slides/slide14.xml><?xml version="1.0" encoding="utf-8"?>
 <p:sld xmlns:a="http://schemas.openxmlformats.org/drawingml/2006/main" xmlns:r="http://schemas.openxmlformats.org/officeDocument/2006/relationships" xmlns:p="http://schemas.openxmlformats.org/presentationml/2006/main">
   <p:cSld>
     <p:spTree>
@@ -9163,7 +9494,7 @@
           <a:p>
             <a:r>
               <a:rPr lang="it-IT"/>
-              <a:t>INFDEV026A - G. Costantini, F. Di Giacomo, G. Maggiore</a:t>
+              <a:t>INFDEV036A - G. Costantini, F. Di Giacomo</a:t>
             </a:r>
             <a:endParaRPr lang="en-GB"/>
           </a:p>
@@ -9270,7 +9601,7 @@
 </p:sld>
 </file>
 
-<file path=ppt/slides/slide14.xml><?xml version="1.0" encoding="utf-8"?>
+<file path=ppt/slides/slide15.xml><?xml version="1.0" encoding="utf-8"?>
 <p:sld xmlns:a="http://schemas.openxmlformats.org/drawingml/2006/main" xmlns:r="http://schemas.openxmlformats.org/officeDocument/2006/relationships" xmlns:p="http://schemas.openxmlformats.org/presentationml/2006/main">
   <p:cSld>
     <p:spTree>
@@ -9473,7 +9804,7 @@
           <a:p>
             <a:r>
               <a:rPr lang="it-IT"/>
-              <a:t>INFDEV026A - G. Costantini, F. Di Giacomo, G. Maggiore</a:t>
+              <a:t>INFDEV036A - G. Costantini, F. Di Giacomo</a:t>
             </a:r>
             <a:endParaRPr lang="en-GB"/>
           </a:p>
@@ -9580,8 +9911,8 @@
 </p:sld>
 </file>
 
-<file path=ppt/slides/slide15.xml><?xml version="1.0" encoding="utf-8"?>
-<p:sld xmlns:a="http://schemas.openxmlformats.org/drawingml/2006/main" xmlns:r="http://schemas.openxmlformats.org/officeDocument/2006/relationships" xmlns:p="http://schemas.openxmlformats.org/presentationml/2006/main">
+<file path=ppt/slides/slide16.xml><?xml version="1.0" encoding="utf-8"?>
+<p:sld xmlns:a="http://schemas.openxmlformats.org/drawingml/2006/main" xmlns:r="http://schemas.openxmlformats.org/officeDocument/2006/relationships" xmlns:p="http://schemas.openxmlformats.org/presentationml/2006/main" show="0">
   <p:cSld>
     <p:spTree>
       <p:nvGrpSpPr>
@@ -9818,7 +10149,7 @@
           <a:p>
             <a:r>
               <a:rPr lang="it-IT"/>
-              <a:t>INFDEV026A - G. Costantini, F. Di Giacomo, G. Maggiore</a:t>
+              <a:t>INFDEV036A - G. Costantini, F. Di Giacomo</a:t>
             </a:r>
             <a:endParaRPr lang="en-GB"/>
           </a:p>
@@ -9972,7 +10303,7 @@
 </p:sld>
 </file>
 
-<file path=ppt/slides/slide16.xml><?xml version="1.0" encoding="utf-8"?>
+<file path=ppt/slides/slide17.xml><?xml version="1.0" encoding="utf-8"?>
 <p:sld xmlns:a="http://schemas.openxmlformats.org/drawingml/2006/main" xmlns:r="http://schemas.openxmlformats.org/officeDocument/2006/relationships" xmlns:p="http://schemas.openxmlformats.org/presentationml/2006/main">
   <p:cSld>
     <p:spTree>
@@ -10484,7 +10815,7 @@
           <a:p>
             <a:r>
               <a:rPr lang="it-IT"/>
-              <a:t>INFDEV026A - G. Costantini, F. Di Giacomo, G. Maggiore</a:t>
+              <a:t>INFDEV036A - G. Costantini, F. Di Giacomo</a:t>
             </a:r>
             <a:endParaRPr lang="en-GB"/>
           </a:p>
@@ -10526,7 +10857,7 @@
 </p:sld>
 </file>
 
-<file path=ppt/slides/slide17.xml><?xml version="1.0" encoding="utf-8"?>
+<file path=ppt/slides/slide18.xml><?xml version="1.0" encoding="utf-8"?>
 <p:sld xmlns:a="http://schemas.openxmlformats.org/drawingml/2006/main" xmlns:r="http://schemas.openxmlformats.org/officeDocument/2006/relationships" xmlns:p="http://schemas.openxmlformats.org/presentationml/2006/main">
   <p:cSld>
     <p:spTree>
@@ -10745,7 +11076,7 @@
           <a:p>
             <a:r>
               <a:rPr lang="it-IT"/>
-              <a:t>INFDEV026A - G. Costantini, F. Di Giacomo, G. Maggiore</a:t>
+              <a:t>INFDEV036A - G. Costantini, F. Di Giacomo</a:t>
             </a:r>
             <a:endParaRPr lang="en-GB"/>
           </a:p>
@@ -10787,7 +11118,7 @@
 </p:sld>
 </file>
 
-<file path=ppt/slides/slide18.xml><?xml version="1.0" encoding="utf-8"?>
+<file path=ppt/slides/slide19.xml><?xml version="1.0" encoding="utf-8"?>
 <p:sld xmlns:a="http://schemas.openxmlformats.org/drawingml/2006/main" xmlns:r="http://schemas.openxmlformats.org/officeDocument/2006/relationships" xmlns:p="http://schemas.openxmlformats.org/presentationml/2006/main">
   <p:cSld>
     <p:spTree>
@@ -10921,7 +11252,7 @@
           <a:p>
             <a:r>
               <a:rPr lang="it-IT"/>
-              <a:t>INFDEV026A - G. Costantini, F. Di Giacomo, G. Maggiore</a:t>
+              <a:t>INFDEV036A - G. Costantini, F. Di Giacomo</a:t>
             </a:r>
             <a:endParaRPr lang="en-GB"/>
           </a:p>
@@ -10940,7 +11271,365 @@
 </p:sld>
 </file>
 
-<file path=ppt/slides/slide19.xml><?xml version="1.0" encoding="utf-8"?>
+<file path=ppt/slides/slide2.xml><?xml version="1.0" encoding="utf-8"?>
+<p:sld xmlns:a="http://schemas.openxmlformats.org/drawingml/2006/main" xmlns:r="http://schemas.openxmlformats.org/officeDocument/2006/relationships" xmlns:p="http://schemas.openxmlformats.org/presentationml/2006/main">
+  <p:cSld>
+    <p:spTree>
+      <p:nvGrpSpPr>
+        <p:cNvPr id="1" name=""/>
+        <p:cNvGrpSpPr/>
+        <p:nvPr/>
+      </p:nvGrpSpPr>
+      <p:grpSpPr>
+        <a:xfrm>
+          <a:off x="0" y="0"/>
+          <a:ext cx="0" cy="0"/>
+          <a:chOff x="0" y="0"/>
+          <a:chExt cx="0" cy="0"/>
+        </a:xfrm>
+      </p:grpSpPr>
+      <p:sp>
+        <p:nvSpPr>
+          <p:cNvPr id="2" name="Titel 1">
+            <a:extLst>
+              <a:ext uri="{FF2B5EF4-FFF2-40B4-BE49-F238E27FC236}">
+                <a16:creationId xmlns:a16="http://schemas.microsoft.com/office/drawing/2014/main" id="{3848EAA2-FF7F-4829-A839-6203CC3A39C4}"/>
+              </a:ext>
+            </a:extLst>
+          </p:cNvPr>
+          <p:cNvSpPr>
+            <a:spLocks noGrp="1"/>
+          </p:cNvSpPr>
+          <p:nvPr>
+            <p:ph type="title"/>
+          </p:nvPr>
+        </p:nvSpPr>
+        <p:spPr/>
+        <p:txBody>
+          <a:bodyPr/>
+          <a:lstStyle/>
+          <a:p>
+            <a:r>
+              <a:rPr lang="nl-NL" dirty="0" err="1"/>
+              <a:t>Homework</a:t>
+            </a:r>
+            <a:r>
+              <a:rPr lang="nl-NL" dirty="0"/>
+              <a:t> </a:t>
+            </a:r>
+            <a:r>
+              <a:rPr lang="nl-NL" dirty="0" err="1"/>
+              <a:t>so</a:t>
+            </a:r>
+            <a:r>
+              <a:rPr lang="nl-NL" dirty="0"/>
+              <a:t> far…</a:t>
+            </a:r>
+          </a:p>
+        </p:txBody>
+      </p:sp>
+      <p:sp>
+        <p:nvSpPr>
+          <p:cNvPr id="3" name="Tijdelijke aanduiding voor inhoud 2">
+            <a:extLst>
+              <a:ext uri="{FF2B5EF4-FFF2-40B4-BE49-F238E27FC236}">
+                <a16:creationId xmlns:a16="http://schemas.microsoft.com/office/drawing/2014/main" id="{A8DDD51F-B288-464C-A84F-12B16F13877A}"/>
+              </a:ext>
+            </a:extLst>
+          </p:cNvPr>
+          <p:cNvSpPr>
+            <a:spLocks noGrp="1"/>
+          </p:cNvSpPr>
+          <p:nvPr>
+            <p:ph idx="1"/>
+          </p:nvPr>
+        </p:nvSpPr>
+        <p:spPr/>
+        <p:txBody>
+          <a:bodyPr/>
+          <a:lstStyle/>
+          <a:p>
+            <a:r>
+              <a:rPr lang="nl-NL" dirty="0"/>
+              <a:t>How are </a:t>
+            </a:r>
+            <a:r>
+              <a:rPr lang="nl-NL" dirty="0" err="1"/>
+              <a:t>you</a:t>
+            </a:r>
+            <a:r>
+              <a:rPr lang="nl-NL" dirty="0"/>
+              <a:t> </a:t>
+            </a:r>
+            <a:r>
+              <a:rPr lang="nl-NL" dirty="0" err="1"/>
+              <a:t>doing</a:t>
+            </a:r>
+            <a:r>
+              <a:rPr lang="nl-NL" dirty="0"/>
+              <a:t> </a:t>
+            </a:r>
+            <a:r>
+              <a:rPr lang="nl-NL" dirty="0" err="1"/>
+              <a:t>with</a:t>
+            </a:r>
+            <a:r>
+              <a:rPr lang="nl-NL" dirty="0"/>
+              <a:t> </a:t>
+            </a:r>
+            <a:r>
+              <a:rPr lang="nl-NL" dirty="0" err="1"/>
+              <a:t>the</a:t>
+            </a:r>
+            <a:r>
+              <a:rPr lang="nl-NL" dirty="0"/>
+              <a:t> </a:t>
+            </a:r>
+            <a:r>
+              <a:rPr lang="nl-NL" b="1" i="1" dirty="0" err="1"/>
+              <a:t>implementations</a:t>
+            </a:r>
+            <a:r>
+              <a:rPr lang="nl-NL" dirty="0"/>
+              <a:t>?</a:t>
+            </a:r>
+          </a:p>
+          <a:p>
+            <a:pPr lvl="1"/>
+            <a:r>
+              <a:rPr lang="nl-NL" dirty="0" err="1"/>
+              <a:t>LinearSearch</a:t>
+            </a:r>
+            <a:r>
+              <a:rPr lang="nl-NL" dirty="0"/>
+              <a:t>, </a:t>
+            </a:r>
+            <a:r>
+              <a:rPr lang="nl-NL" dirty="0" err="1"/>
+              <a:t>BinarySearch</a:t>
+            </a:r>
+            <a:endParaRPr lang="nl-NL" dirty="0"/>
+          </a:p>
+          <a:p>
+            <a:pPr lvl="1"/>
+            <a:r>
+              <a:rPr lang="nl-NL" dirty="0" err="1"/>
+              <a:t>InsertionSort</a:t>
+            </a:r>
+            <a:r>
+              <a:rPr lang="nl-NL" dirty="0"/>
+              <a:t>&lt;T&gt;, </a:t>
+            </a:r>
+            <a:r>
+              <a:rPr lang="nl-NL" dirty="0" err="1"/>
+              <a:t>MergeSort</a:t>
+            </a:r>
+            <a:r>
+              <a:rPr lang="nl-NL" dirty="0"/>
+              <a:t>&lt;T&gt;, </a:t>
+            </a:r>
+            <a:r>
+              <a:rPr lang="nl-NL" dirty="0" err="1"/>
+              <a:t>BubbleSort</a:t>
+            </a:r>
+            <a:r>
+              <a:rPr lang="nl-NL" dirty="0"/>
+              <a:t>&lt;T&gt;</a:t>
+            </a:r>
+          </a:p>
+          <a:p>
+            <a:pPr lvl="1"/>
+            <a:r>
+              <a:rPr lang="nl-NL" dirty="0" err="1"/>
+              <a:t>SortedLinkedList</a:t>
+            </a:r>
+            <a:r>
+              <a:rPr lang="nl-NL" dirty="0"/>
+              <a:t>&lt;T&gt;, </a:t>
+            </a:r>
+            <a:r>
+              <a:rPr lang="nl-NL" dirty="0" err="1"/>
+              <a:t>DoublyLinkedList</a:t>
+            </a:r>
+            <a:r>
+              <a:rPr lang="nl-NL" dirty="0"/>
+              <a:t>&lt;T&gt;</a:t>
+            </a:r>
+          </a:p>
+          <a:p>
+            <a:pPr lvl="1"/>
+            <a:r>
+              <a:rPr lang="nl-NL" dirty="0"/>
+              <a:t>Queue&lt;T&gt;, Stack&lt;T&gt; </a:t>
+            </a:r>
+          </a:p>
+          <a:p>
+            <a:pPr lvl="1"/>
+            <a:r>
+              <a:rPr lang="nl-NL" dirty="0" err="1"/>
+              <a:t>Hash</a:t>
+            </a:r>
+            <a:r>
+              <a:rPr lang="nl-NL" dirty="0"/>
+              <a:t> </a:t>
+            </a:r>
+            <a:r>
+              <a:rPr lang="nl-NL" dirty="0" err="1"/>
+              <a:t>Table</a:t>
+            </a:r>
+            <a:r>
+              <a:rPr lang="nl-NL" dirty="0"/>
+              <a:t>&lt;K,V&gt; (+ </a:t>
+            </a:r>
+            <a:r>
+              <a:rPr lang="nl-NL" dirty="0" err="1"/>
+              <a:t>linear</a:t>
+            </a:r>
+            <a:r>
+              <a:rPr lang="nl-NL" dirty="0"/>
+              <a:t> </a:t>
+            </a:r>
+            <a:r>
+              <a:rPr lang="nl-NL" dirty="0" err="1"/>
+              <a:t>probing</a:t>
+            </a:r>
+            <a:r>
+              <a:rPr lang="nl-NL" dirty="0"/>
+              <a:t>)</a:t>
+            </a:r>
+          </a:p>
+          <a:p>
+            <a:pPr lvl="1"/>
+            <a:r>
+              <a:rPr lang="nl-NL" dirty="0" err="1"/>
+              <a:t>BinarySearchTree</a:t>
+            </a:r>
+            <a:r>
+              <a:rPr lang="nl-NL" dirty="0"/>
+              <a:t>&lt;T&gt; (</a:t>
+            </a:r>
+            <a:r>
+              <a:rPr lang="nl-NL" dirty="0" err="1"/>
+              <a:t>traversal</a:t>
+            </a:r>
+            <a:r>
+              <a:rPr lang="nl-NL" dirty="0"/>
+              <a:t>, </a:t>
+            </a:r>
+            <a:r>
+              <a:rPr lang="nl-NL" dirty="0" err="1"/>
+              <a:t>insert</a:t>
+            </a:r>
+            <a:r>
+              <a:rPr lang="nl-NL" dirty="0"/>
+              <a:t>, search, delete)</a:t>
+            </a:r>
+          </a:p>
+          <a:p>
+            <a:endParaRPr lang="nl-NL" dirty="0"/>
+          </a:p>
+          <a:p>
+            <a:r>
+              <a:rPr lang="nl-NL" b="1" i="1" dirty="0"/>
+              <a:t>MC </a:t>
+            </a:r>
+            <a:r>
+              <a:rPr lang="nl-NL" b="1" i="1" dirty="0" err="1"/>
+              <a:t>questions</a:t>
+            </a:r>
+            <a:r>
+              <a:rPr lang="nl-NL" b="1" i="1" dirty="0"/>
+              <a:t> </a:t>
+            </a:r>
+            <a:r>
+              <a:rPr lang="nl-NL" dirty="0"/>
+              <a:t>on </a:t>
+            </a:r>
+            <a:r>
+              <a:rPr lang="nl-NL" dirty="0" err="1"/>
+              <a:t>GrandeOmega</a:t>
+            </a:r>
+            <a:r>
+              <a:rPr lang="nl-NL" dirty="0"/>
+              <a:t>, </a:t>
+            </a:r>
+            <a:r>
+              <a:rPr lang="nl-NL" dirty="0" err="1"/>
+              <a:t>one</a:t>
+            </a:r>
+            <a:r>
+              <a:rPr lang="nl-NL" dirty="0"/>
+              <a:t> practicum per </a:t>
+            </a:r>
+            <a:r>
+              <a:rPr lang="nl-NL" dirty="0" err="1"/>
+              <a:t>lesson</a:t>
+            </a:r>
+            <a:endParaRPr lang="nl-NL" dirty="0"/>
+          </a:p>
+          <a:p>
+            <a:pPr lvl="1"/>
+            <a:r>
+              <a:rPr lang="nl-NL" dirty="0"/>
+              <a:t>Are </a:t>
+            </a:r>
+            <a:r>
+              <a:rPr lang="nl-NL" dirty="0" err="1"/>
+              <a:t>you</a:t>
+            </a:r>
+            <a:r>
+              <a:rPr lang="nl-NL" dirty="0"/>
+              <a:t> on track?</a:t>
+            </a:r>
+          </a:p>
+          <a:p>
+            <a:endParaRPr lang="nl-NL" dirty="0"/>
+          </a:p>
+        </p:txBody>
+      </p:sp>
+      <p:sp>
+        <p:nvSpPr>
+          <p:cNvPr id="4" name="Tijdelijke aanduiding voor voettekst 3">
+            <a:extLst>
+              <a:ext uri="{FF2B5EF4-FFF2-40B4-BE49-F238E27FC236}">
+                <a16:creationId xmlns:a16="http://schemas.microsoft.com/office/drawing/2014/main" id="{828CC195-953B-4CE0-A782-6B5AA21F5136}"/>
+              </a:ext>
+            </a:extLst>
+          </p:cNvPr>
+          <p:cNvSpPr>
+            <a:spLocks noGrp="1"/>
+          </p:cNvSpPr>
+          <p:nvPr>
+            <p:ph type="ftr" sz="quarter" idx="11"/>
+          </p:nvPr>
+        </p:nvSpPr>
+        <p:spPr/>
+        <p:txBody>
+          <a:bodyPr/>
+          <a:lstStyle/>
+          <a:p>
+            <a:r>
+              <a:rPr lang="it-IT"/>
+              <a:t>INFDEV036A - G. Costantini, F. Di Giacomo</a:t>
+            </a:r>
+            <a:endParaRPr lang="en-GB"/>
+          </a:p>
+        </p:txBody>
+      </p:sp>
+    </p:spTree>
+    <p:extLst>
+      <p:ext uri="{BB962C8B-B14F-4D97-AF65-F5344CB8AC3E}">
+        <p14:creationId xmlns:p14="http://schemas.microsoft.com/office/powerpoint/2010/main" val="2132346551"/>
+      </p:ext>
+    </p:extLst>
+  </p:cSld>
+  <p:clrMapOvr>
+    <a:masterClrMapping/>
+  </p:clrMapOvr>
+</p:sld>
+</file>
+
+<file path=ppt/slides/slide20.xml><?xml version="1.0" encoding="utf-8"?>
 <p:sld xmlns:a="http://schemas.openxmlformats.org/drawingml/2006/main" xmlns:r="http://schemas.openxmlformats.org/officeDocument/2006/relationships" xmlns:p="http://schemas.openxmlformats.org/presentationml/2006/main">
   <p:cSld>
     <p:spTree>
@@ -11181,7 +11870,7 @@
           <a:p>
             <a:r>
               <a:rPr lang="it-IT"/>
-              <a:t>INFDEV026A - G. Costantini, F. Di Giacomo, G. Maggiore</a:t>
+              <a:t>INFDEV036A - G. Costantini, F. Di Giacomo</a:t>
             </a:r>
             <a:endParaRPr lang="en-GB"/>
           </a:p>
@@ -11232,359 +11921,6 @@
     <p:extLst>
       <p:ext uri="{BB962C8B-B14F-4D97-AF65-F5344CB8AC3E}">
         <p14:creationId xmlns:p14="http://schemas.microsoft.com/office/powerpoint/2010/main" val="3516467120"/>
-      </p:ext>
-    </p:extLst>
-  </p:cSld>
-  <p:clrMapOvr>
-    <a:masterClrMapping/>
-  </p:clrMapOvr>
-</p:sld>
-</file>
-
-<file path=ppt/slides/slide2.xml><?xml version="1.0" encoding="utf-8"?>
-<p:sld xmlns:a="http://schemas.openxmlformats.org/drawingml/2006/main" xmlns:r="http://schemas.openxmlformats.org/officeDocument/2006/relationships" xmlns:p="http://schemas.openxmlformats.org/presentationml/2006/main">
-  <p:cSld>
-    <p:spTree>
-      <p:nvGrpSpPr>
-        <p:cNvPr id="1" name=""/>
-        <p:cNvGrpSpPr/>
-        <p:nvPr/>
-      </p:nvGrpSpPr>
-      <p:grpSpPr>
-        <a:xfrm>
-          <a:off x="0" y="0"/>
-          <a:ext cx="0" cy="0"/>
-          <a:chOff x="0" y="0"/>
-          <a:chExt cx="0" cy="0"/>
-        </a:xfrm>
-      </p:grpSpPr>
-      <p:sp>
-        <p:nvSpPr>
-          <p:cNvPr id="2" name="Title 1"/>
-          <p:cNvSpPr>
-            <a:spLocks noGrp="1"/>
-          </p:cNvSpPr>
-          <p:nvPr>
-            <p:ph type="title"/>
-          </p:nvPr>
-        </p:nvSpPr>
-        <p:spPr/>
-        <p:txBody>
-          <a:bodyPr/>
-          <a:lstStyle/>
-          <a:p>
-            <a:r>
-              <a:rPr lang="en-GB" dirty="0"/>
-              <a:t>Today</a:t>
-            </a:r>
-          </a:p>
-        </p:txBody>
-      </p:sp>
-      <p:sp>
-        <p:nvSpPr>
-          <p:cNvPr id="3" name="Content Placeholder 2"/>
-          <p:cNvSpPr>
-            <a:spLocks noGrp="1"/>
-          </p:cNvSpPr>
-          <p:nvPr>
-            <p:ph idx="1"/>
-          </p:nvPr>
-        </p:nvSpPr>
-        <p:spPr/>
-        <p:txBody>
-          <a:bodyPr/>
-          <a:lstStyle/>
-          <a:p>
-            <a:r>
-              <a:rPr lang="en-GB" strike="sngStrike" dirty="0">
-                <a:solidFill>
-                  <a:schemeClr val="tx1"/>
-                </a:solidFill>
-              </a:rPr>
-              <a:t>Why is my code slow? </a:t>
-            </a:r>
-          </a:p>
-          <a:p>
-            <a:pPr lvl="1"/>
-            <a:r>
-              <a:rPr lang="en-GB" strike="sngStrike" dirty="0">
-                <a:solidFill>
-                  <a:schemeClr val="tx1"/>
-                </a:solidFill>
-              </a:rPr>
-              <a:t>Empirical and complexity analysis</a:t>
-            </a:r>
-          </a:p>
-          <a:p>
-            <a:r>
-              <a:rPr lang="en-GB" strike="sngStrike" dirty="0">
-                <a:solidFill>
-                  <a:schemeClr val="tx1"/>
-                </a:solidFill>
-              </a:rPr>
-              <a:t>How do I order my data?</a:t>
-            </a:r>
-          </a:p>
-          <a:p>
-            <a:pPr lvl="1"/>
-            <a:r>
-              <a:rPr lang="en-GB" strike="sngStrike" dirty="0">
-                <a:solidFill>
-                  <a:schemeClr val="tx1"/>
-                </a:solidFill>
-              </a:rPr>
-              <a:t>Sorting algorithms</a:t>
-            </a:r>
-          </a:p>
-          <a:p>
-            <a:r>
-              <a:rPr lang="en-GB" strike="sngStrike" dirty="0">
-                <a:solidFill>
-                  <a:schemeClr val="tx1"/>
-                </a:solidFill>
-              </a:rPr>
-              <a:t>How do I structure my data?</a:t>
-            </a:r>
-          </a:p>
-          <a:p>
-            <a:pPr lvl="1"/>
-            <a:r>
-              <a:rPr lang="en-GB" strike="sngStrike" dirty="0">
-                <a:solidFill>
-                  <a:schemeClr val="tx1"/>
-                </a:solidFill>
-              </a:rPr>
-              <a:t>Linear, tabular, recursive data structures</a:t>
-            </a:r>
-          </a:p>
-          <a:p>
-            <a:r>
-              <a:rPr lang="en-GB" dirty="0">
-                <a:solidFill>
-                  <a:schemeClr val="accent1"/>
-                </a:solidFill>
-              </a:rPr>
-              <a:t>How do I represent relationship networks?</a:t>
-            </a:r>
-          </a:p>
-          <a:p>
-            <a:pPr lvl="1"/>
-            <a:r>
-              <a:rPr lang="en-GB" sz="1800" dirty="0">
-                <a:solidFill>
-                  <a:schemeClr val="accent1"/>
-                </a:solidFill>
-              </a:rPr>
-              <a:t>Graphs</a:t>
-            </a:r>
-          </a:p>
-          <a:p>
-            <a:endParaRPr lang="en-GB" b="1" dirty="0"/>
-          </a:p>
-          <a:p>
-            <a:endParaRPr lang="en-GB" dirty="0"/>
-          </a:p>
-        </p:txBody>
-      </p:sp>
-      <p:sp>
-        <p:nvSpPr>
-          <p:cNvPr id="4" name="Footer Placeholder 3"/>
-          <p:cNvSpPr>
-            <a:spLocks noGrp="1"/>
-          </p:cNvSpPr>
-          <p:nvPr>
-            <p:ph type="ftr" sz="quarter" idx="11"/>
-          </p:nvPr>
-        </p:nvSpPr>
-        <p:spPr/>
-        <p:txBody>
-          <a:bodyPr/>
-          <a:lstStyle/>
-          <a:p>
-            <a:r>
-              <a:rPr lang="it-IT"/>
-              <a:t>INFDEV026A - G. Costantini, F. Di Giacomo, G. Maggiore</a:t>
-            </a:r>
-            <a:endParaRPr lang="en-GB"/>
-          </a:p>
-        </p:txBody>
-      </p:sp>
-    </p:spTree>
-    <p:extLst>
-      <p:ext uri="{BB962C8B-B14F-4D97-AF65-F5344CB8AC3E}">
-        <p14:creationId xmlns:p14="http://schemas.microsoft.com/office/powerpoint/2010/main" val="3005854515"/>
-      </p:ext>
-    </p:extLst>
-  </p:cSld>
-  <p:clrMapOvr>
-    <a:masterClrMapping/>
-  </p:clrMapOvr>
-</p:sld>
-</file>
-
-<file path=ppt/slides/slide20.xml><?xml version="1.0" encoding="utf-8"?>
-<p:sld xmlns:a="http://schemas.openxmlformats.org/drawingml/2006/main" xmlns:r="http://schemas.openxmlformats.org/officeDocument/2006/relationships" xmlns:p="http://schemas.openxmlformats.org/presentationml/2006/main">
-  <p:cSld>
-    <p:spTree>
-      <p:nvGrpSpPr>
-        <p:cNvPr id="1" name=""/>
-        <p:cNvGrpSpPr/>
-        <p:nvPr/>
-      </p:nvGrpSpPr>
-      <p:grpSpPr>
-        <a:xfrm>
-          <a:off x="0" y="0"/>
-          <a:ext cx="0" cy="0"/>
-          <a:chOff x="0" y="0"/>
-          <a:chExt cx="0" cy="0"/>
-        </a:xfrm>
-      </p:grpSpPr>
-      <p:sp>
-        <p:nvSpPr>
-          <p:cNvPr id="2" name="Title 1"/>
-          <p:cNvSpPr>
-            <a:spLocks noGrp="1"/>
-          </p:cNvSpPr>
-          <p:nvPr>
-            <p:ph type="title"/>
-          </p:nvPr>
-        </p:nvSpPr>
-        <p:spPr/>
-        <p:txBody>
-          <a:bodyPr/>
-          <a:lstStyle/>
-          <a:p>
-            <a:r>
-              <a:rPr lang="en-GB" dirty="0"/>
-              <a:t>Graph – BFS traversal algorithm</a:t>
-            </a:r>
-          </a:p>
-        </p:txBody>
-      </p:sp>
-      <p:sp>
-        <p:nvSpPr>
-          <p:cNvPr id="3" name="Content Placeholder 2"/>
-          <p:cNvSpPr>
-            <a:spLocks noGrp="1"/>
-          </p:cNvSpPr>
-          <p:nvPr>
-            <p:ph idx="1"/>
-          </p:nvPr>
-        </p:nvSpPr>
-        <p:spPr/>
-        <p:txBody>
-          <a:bodyPr/>
-          <a:lstStyle/>
-          <a:p>
-            <a:r>
-              <a:rPr lang="en-US" b="1" dirty="0"/>
-              <a:t>Queue </a:t>
-            </a:r>
-            <a:r>
-              <a:rPr lang="en-US" dirty="0"/>
-              <a:t>data structure used to store intermediate results as it traverses the graph</a:t>
-            </a:r>
-          </a:p>
-          <a:p>
-            <a:pPr marL="800100" lvl="1" indent="-342900">
-              <a:buFont typeface="+mj-lt"/>
-              <a:buAutoNum type="arabicPeriod"/>
-            </a:pPr>
-            <a:r>
-              <a:rPr lang="en-US" dirty="0" err="1"/>
-              <a:t>Enqueue</a:t>
-            </a:r>
-            <a:r>
-              <a:rPr lang="en-US" dirty="0"/>
-              <a:t> the root node</a:t>
-            </a:r>
-          </a:p>
-          <a:p>
-            <a:pPr marL="800100" lvl="1" indent="-342900">
-              <a:buFont typeface="+mj-lt"/>
-              <a:buAutoNum type="arabicPeriod"/>
-            </a:pPr>
-            <a:r>
-              <a:rPr lang="en-US" dirty="0" err="1"/>
-              <a:t>Dequeue</a:t>
-            </a:r>
-            <a:r>
-              <a:rPr lang="en-US" dirty="0"/>
-              <a:t> a node and examine it</a:t>
-            </a:r>
-          </a:p>
-          <a:p>
-            <a:pPr lvl="2"/>
-            <a:r>
-              <a:rPr lang="en-US" dirty="0"/>
-              <a:t>[If the element sought is found in this node, quit the search and return a result]</a:t>
-            </a:r>
-          </a:p>
-          <a:p>
-            <a:pPr lvl="2"/>
-            <a:r>
-              <a:rPr lang="en-US" dirty="0"/>
-              <a:t>Otherwise </a:t>
-            </a:r>
-            <a:r>
-              <a:rPr lang="en-US" dirty="0" err="1"/>
-              <a:t>enqueue</a:t>
-            </a:r>
-            <a:r>
-              <a:rPr lang="en-US" dirty="0"/>
-              <a:t> any successors (the direct child nodes) that have not yet been discovered</a:t>
-            </a:r>
-          </a:p>
-          <a:p>
-            <a:pPr marL="800100" lvl="1" indent="-342900">
-              <a:buFont typeface="+mj-lt"/>
-              <a:buAutoNum type="arabicPeriod"/>
-            </a:pPr>
-            <a:r>
-              <a:rPr lang="en-US" dirty="0"/>
-              <a:t>If the queue is empty, every node on the graph has been examined [quit the search and return "not found“]</a:t>
-            </a:r>
-          </a:p>
-          <a:p>
-            <a:pPr marL="800100" lvl="1" indent="-342900">
-              <a:buFont typeface="+mj-lt"/>
-              <a:buAutoNum type="arabicPeriod"/>
-            </a:pPr>
-            <a:r>
-              <a:rPr lang="en-US" dirty="0"/>
-              <a:t>If the queue is not empty, repeat from Step 2</a:t>
-            </a:r>
-            <a:endParaRPr lang="en-GB" dirty="0"/>
-          </a:p>
-        </p:txBody>
-      </p:sp>
-      <p:sp>
-        <p:nvSpPr>
-          <p:cNvPr id="4" name="Footer Placeholder 3"/>
-          <p:cNvSpPr>
-            <a:spLocks noGrp="1"/>
-          </p:cNvSpPr>
-          <p:nvPr>
-            <p:ph type="ftr" sz="quarter" idx="11"/>
-          </p:nvPr>
-        </p:nvSpPr>
-        <p:spPr/>
-        <p:txBody>
-          <a:bodyPr/>
-          <a:lstStyle/>
-          <a:p>
-            <a:r>
-              <a:rPr lang="it-IT"/>
-              <a:t>INFDEV026A - G. Costantini, F. Di Giacomo, G. Maggiore</a:t>
-            </a:r>
-            <a:endParaRPr lang="en-GB"/>
-          </a:p>
-        </p:txBody>
-      </p:sp>
-    </p:spTree>
-    <p:extLst>
-      <p:ext uri="{BB962C8B-B14F-4D97-AF65-F5344CB8AC3E}">
-        <p14:creationId xmlns:p14="http://schemas.microsoft.com/office/powerpoint/2010/main" val="2114324358"/>
       </p:ext>
     </p:extLst>
   </p:cSld>
@@ -11649,24 +11985,82 @@
           <a:lstStyle/>
           <a:p>
             <a:r>
-              <a:rPr lang="nl-NL" dirty="0" err="1"/>
-              <a:t>Result</a:t>
-            </a:r>
-            <a:r>
-              <a:rPr lang="nl-NL" dirty="0"/>
-              <a:t> of a </a:t>
-            </a:r>
-            <a:r>
-              <a:rPr lang="en-GB" dirty="0"/>
-              <a:t>BFS </a:t>
-            </a:r>
-            <a:r>
-              <a:rPr lang="nl-NL" dirty="0" err="1"/>
-              <a:t>traversal</a:t>
-            </a:r>
-            <a:r>
-              <a:rPr lang="nl-NL" dirty="0"/>
-              <a:t> </a:t>
+              <a:rPr lang="en-US" b="1" dirty="0"/>
+              <a:t>Queue </a:t>
+            </a:r>
+            <a:r>
+              <a:rPr lang="en-US" dirty="0"/>
+              <a:t>data structure used to store intermediate results as it traverses the graph</a:t>
+            </a:r>
+          </a:p>
+          <a:p>
+            <a:pPr marL="800100" lvl="1" indent="-342900">
+              <a:buFont typeface="+mj-lt"/>
+              <a:buAutoNum type="arabicPeriod"/>
+            </a:pPr>
+            <a:r>
+              <a:rPr lang="en-US" dirty="0" err="1"/>
+              <a:t>Enqueue</a:t>
+            </a:r>
+            <a:r>
+              <a:rPr lang="en-US" dirty="0"/>
+              <a:t> the root node</a:t>
+            </a:r>
+          </a:p>
+          <a:p>
+            <a:pPr marL="800100" lvl="1" indent="-342900">
+              <a:buFont typeface="+mj-lt"/>
+              <a:buAutoNum type="arabicPeriod"/>
+            </a:pPr>
+            <a:r>
+              <a:rPr lang="en-US" dirty="0" err="1"/>
+              <a:t>Dequeue</a:t>
+            </a:r>
+            <a:r>
+              <a:rPr lang="en-US" dirty="0"/>
+              <a:t> a node and examine it</a:t>
+            </a:r>
+          </a:p>
+          <a:p>
+            <a:pPr lvl="2"/>
+            <a:r>
+              <a:rPr lang="en-US" dirty="0"/>
+              <a:t>[If the element sought is found in this node, quit the search and return a result]</a:t>
+            </a:r>
+          </a:p>
+          <a:p>
+            <a:pPr lvl="2"/>
+            <a:r>
+              <a:rPr lang="en-US" dirty="0"/>
+              <a:t>Otherwise </a:t>
+            </a:r>
+            <a:r>
+              <a:rPr lang="en-US" dirty="0" err="1"/>
+              <a:t>enqueue</a:t>
+            </a:r>
+            <a:r>
+              <a:rPr lang="en-US" dirty="0"/>
+              <a:t> any successors (the direct child nodes) that have not yet been discovered</a:t>
+            </a:r>
+          </a:p>
+          <a:p>
+            <a:pPr marL="800100" lvl="1" indent="-342900">
+              <a:buFont typeface="+mj-lt"/>
+              <a:buAutoNum type="arabicPeriod"/>
+            </a:pPr>
+            <a:r>
+              <a:rPr lang="en-US" dirty="0"/>
+              <a:t>If the queue is empty, every node on the graph has been examined [quit the search and return "not found“]</a:t>
+            </a:r>
+          </a:p>
+          <a:p>
+            <a:pPr marL="800100" lvl="1" indent="-342900">
+              <a:buFont typeface="+mj-lt"/>
+              <a:buAutoNum type="arabicPeriod"/>
+            </a:pPr>
+            <a:r>
+              <a:rPr lang="en-US" dirty="0"/>
+              <a:t>If the queue is not empty, repeat from Step 2</a:t>
             </a:r>
             <a:endParaRPr lang="en-GB" dirty="0"/>
           </a:p>
@@ -11689,57 +12083,16 @@
           <a:p>
             <a:r>
               <a:rPr lang="it-IT"/>
-              <a:t>INFDEV026A - G. Costantini, F. Di Giacomo, G. Maggiore</a:t>
+              <a:t>INFDEV036A - G. Costantini, F. Di Giacomo</a:t>
             </a:r>
             <a:endParaRPr lang="en-GB"/>
           </a:p>
         </p:txBody>
       </p:sp>
-      <p:pic>
-        <p:nvPicPr>
-          <p:cNvPr id="5" name="Picture 2" descr="Order in which the nodes get expanded"/>
-          <p:cNvPicPr>
-            <a:picLocks noChangeAspect="1" noChangeArrowheads="1"/>
-          </p:cNvPicPr>
-          <p:nvPr/>
-        </p:nvPicPr>
-        <p:blipFill>
-          <a:blip r:embed="rId2">
-            <a:extLst>
-              <a:ext uri="{28A0092B-C50C-407E-A947-70E740481C1C}">
-                <a14:useLocalDpi xmlns:a14="http://schemas.microsoft.com/office/drawing/2010/main" val="0"/>
-              </a:ext>
-            </a:extLst>
-          </a:blip>
-          <a:srcRect/>
-          <a:stretch>
-            <a:fillRect/>
-          </a:stretch>
-        </p:blipFill>
-        <p:spPr bwMode="auto">
-          <a:xfrm>
-            <a:off x="2387970" y="2565090"/>
-            <a:ext cx="4799640" cy="3071770"/>
-          </a:xfrm>
-          <a:prstGeom prst="rect">
-            <a:avLst/>
-          </a:prstGeom>
-          <a:noFill/>
-          <a:extLst>
-            <a:ext uri="{909E8E84-426E-40DD-AFC4-6F175D3DCCD1}">
-              <a14:hiddenFill xmlns:a14="http://schemas.microsoft.com/office/drawing/2010/main">
-                <a:solidFill>
-                  <a:srgbClr val="FFFFFF"/>
-                </a:solidFill>
-              </a14:hiddenFill>
-            </a:ext>
-          </a:extLst>
-        </p:spPr>
-      </p:pic>
     </p:spTree>
     <p:extLst>
       <p:ext uri="{BB962C8B-B14F-4D97-AF65-F5344CB8AC3E}">
-        <p14:creationId xmlns:p14="http://schemas.microsoft.com/office/powerpoint/2010/main" val="4266161987"/>
+        <p14:creationId xmlns:p14="http://schemas.microsoft.com/office/powerpoint/2010/main" val="2114324358"/>
       </p:ext>
     </p:extLst>
   </p:cSld>
@@ -11804,6 +12157,14 @@
           <a:lstStyle/>
           <a:p>
             <a:r>
+              <a:rPr lang="nl-NL" dirty="0" err="1"/>
+              <a:t>Result</a:t>
+            </a:r>
+            <a:r>
+              <a:rPr lang="nl-NL" dirty="0"/>
+              <a:t> of a </a:t>
+            </a:r>
+            <a:r>
               <a:rPr lang="en-GB" dirty="0"/>
               <a:t>BFS </a:t>
             </a:r>
@@ -11811,34 +12172,11 @@
               <a:rPr lang="nl-NL" dirty="0" err="1"/>
               <a:t>traversal</a:t>
             </a:r>
-            <a:endParaRPr lang="nl-NL" dirty="0"/>
-          </a:p>
-          <a:p>
-            <a:pPr lvl="1"/>
-            <a:r>
-              <a:rPr lang="pt-BR" dirty="0"/>
-              <a:t>Returned list of visited vertices: A, B, E, C, F, D, G</a:t>
-            </a:r>
-          </a:p>
-          <a:p>
-            <a:pPr lvl="1"/>
-            <a:endParaRPr lang="pt-BR" dirty="0"/>
-          </a:p>
-          <a:p>
-            <a:pPr lvl="1"/>
-            <a:endParaRPr lang="pt-BR" dirty="0"/>
-          </a:p>
-          <a:p>
-            <a:pPr lvl="1"/>
-            <a:endParaRPr lang="pt-BR" dirty="0"/>
-          </a:p>
-          <a:p>
-            <a:pPr lvl="1"/>
-            <a:endParaRPr lang="pt-BR" dirty="0"/>
-          </a:p>
-          <a:p>
-            <a:pPr lvl="1"/>
-            <a:endParaRPr lang="pt-BR" dirty="0"/>
+            <a:r>
+              <a:rPr lang="nl-NL" dirty="0"/>
+              <a:t> </a:t>
+            </a:r>
+            <a:endParaRPr lang="en-GB" dirty="0"/>
           </a:p>
         </p:txBody>
       </p:sp>
@@ -11859,7 +12197,177 @@
           <a:p>
             <a:r>
               <a:rPr lang="it-IT"/>
-              <a:t>INFDEV026A - G. Costantini, F. Di Giacomo, G. Maggiore</a:t>
+              <a:t>INFDEV036A - G. Costantini, F. Di Giacomo</a:t>
+            </a:r>
+            <a:endParaRPr lang="en-GB"/>
+          </a:p>
+        </p:txBody>
+      </p:sp>
+      <p:pic>
+        <p:nvPicPr>
+          <p:cNvPr id="5" name="Picture 2" descr="Order in which the nodes get expanded"/>
+          <p:cNvPicPr>
+            <a:picLocks noChangeAspect="1" noChangeArrowheads="1"/>
+          </p:cNvPicPr>
+          <p:nvPr/>
+        </p:nvPicPr>
+        <p:blipFill>
+          <a:blip r:embed="rId2">
+            <a:extLst>
+              <a:ext uri="{28A0092B-C50C-407E-A947-70E740481C1C}">
+                <a14:useLocalDpi xmlns:a14="http://schemas.microsoft.com/office/drawing/2010/main" val="0"/>
+              </a:ext>
+            </a:extLst>
+          </a:blip>
+          <a:srcRect/>
+          <a:stretch>
+            <a:fillRect/>
+          </a:stretch>
+        </p:blipFill>
+        <p:spPr bwMode="auto">
+          <a:xfrm>
+            <a:off x="2387970" y="2565090"/>
+            <a:ext cx="4799640" cy="3071770"/>
+          </a:xfrm>
+          <a:prstGeom prst="rect">
+            <a:avLst/>
+          </a:prstGeom>
+          <a:noFill/>
+          <a:extLst>
+            <a:ext uri="{909E8E84-426E-40DD-AFC4-6F175D3DCCD1}">
+              <a14:hiddenFill xmlns:a14="http://schemas.microsoft.com/office/drawing/2010/main">
+                <a:solidFill>
+                  <a:srgbClr val="FFFFFF"/>
+                </a:solidFill>
+              </a14:hiddenFill>
+            </a:ext>
+          </a:extLst>
+        </p:spPr>
+      </p:pic>
+    </p:spTree>
+    <p:extLst>
+      <p:ext uri="{BB962C8B-B14F-4D97-AF65-F5344CB8AC3E}">
+        <p14:creationId xmlns:p14="http://schemas.microsoft.com/office/powerpoint/2010/main" val="4266161987"/>
+      </p:ext>
+    </p:extLst>
+  </p:cSld>
+  <p:clrMapOvr>
+    <a:masterClrMapping/>
+  </p:clrMapOvr>
+</p:sld>
+</file>
+
+<file path=ppt/slides/slide23.xml><?xml version="1.0" encoding="utf-8"?>
+<p:sld xmlns:a="http://schemas.openxmlformats.org/drawingml/2006/main" xmlns:r="http://schemas.openxmlformats.org/officeDocument/2006/relationships" xmlns:p="http://schemas.openxmlformats.org/presentationml/2006/main">
+  <p:cSld>
+    <p:spTree>
+      <p:nvGrpSpPr>
+        <p:cNvPr id="1" name=""/>
+        <p:cNvGrpSpPr/>
+        <p:nvPr/>
+      </p:nvGrpSpPr>
+      <p:grpSpPr>
+        <a:xfrm>
+          <a:off x="0" y="0"/>
+          <a:ext cx="0" cy="0"/>
+          <a:chOff x="0" y="0"/>
+          <a:chExt cx="0" cy="0"/>
+        </a:xfrm>
+      </p:grpSpPr>
+      <p:sp>
+        <p:nvSpPr>
+          <p:cNvPr id="2" name="Title 1"/>
+          <p:cNvSpPr>
+            <a:spLocks noGrp="1"/>
+          </p:cNvSpPr>
+          <p:nvPr>
+            <p:ph type="title"/>
+          </p:nvPr>
+        </p:nvSpPr>
+        <p:spPr/>
+        <p:txBody>
+          <a:bodyPr/>
+          <a:lstStyle/>
+          <a:p>
+            <a:r>
+              <a:rPr lang="en-GB" dirty="0"/>
+              <a:t>Graph – BFS traversal algorithm</a:t>
+            </a:r>
+          </a:p>
+        </p:txBody>
+      </p:sp>
+      <p:sp>
+        <p:nvSpPr>
+          <p:cNvPr id="3" name="Content Placeholder 2"/>
+          <p:cNvSpPr>
+            <a:spLocks noGrp="1"/>
+          </p:cNvSpPr>
+          <p:nvPr>
+            <p:ph idx="1"/>
+          </p:nvPr>
+        </p:nvSpPr>
+        <p:spPr/>
+        <p:txBody>
+          <a:bodyPr/>
+          <a:lstStyle/>
+          <a:p>
+            <a:r>
+              <a:rPr lang="en-GB" dirty="0"/>
+              <a:t>BFS </a:t>
+            </a:r>
+            <a:r>
+              <a:rPr lang="nl-NL" dirty="0" err="1"/>
+              <a:t>traversal</a:t>
+            </a:r>
+            <a:endParaRPr lang="nl-NL" dirty="0"/>
+          </a:p>
+          <a:p>
+            <a:pPr lvl="1"/>
+            <a:r>
+              <a:rPr lang="pt-BR" dirty="0"/>
+              <a:t>Returned list of visited vertices: A, B, E, C, F, D, G</a:t>
+            </a:r>
+          </a:p>
+          <a:p>
+            <a:pPr lvl="1"/>
+            <a:endParaRPr lang="pt-BR" dirty="0"/>
+          </a:p>
+          <a:p>
+            <a:pPr lvl="1"/>
+            <a:endParaRPr lang="pt-BR" dirty="0"/>
+          </a:p>
+          <a:p>
+            <a:pPr lvl="1"/>
+            <a:endParaRPr lang="pt-BR" dirty="0"/>
+          </a:p>
+          <a:p>
+            <a:pPr lvl="1"/>
+            <a:endParaRPr lang="pt-BR" dirty="0"/>
+          </a:p>
+          <a:p>
+            <a:pPr lvl="1"/>
+            <a:endParaRPr lang="pt-BR" dirty="0"/>
+          </a:p>
+        </p:txBody>
+      </p:sp>
+      <p:sp>
+        <p:nvSpPr>
+          <p:cNvPr id="4" name="Footer Placeholder 3"/>
+          <p:cNvSpPr>
+            <a:spLocks noGrp="1"/>
+          </p:cNvSpPr>
+          <p:nvPr>
+            <p:ph type="ftr" sz="quarter" idx="11"/>
+          </p:nvPr>
+        </p:nvSpPr>
+        <p:spPr/>
+        <p:txBody>
+          <a:bodyPr/>
+          <a:lstStyle/>
+          <a:p>
+            <a:r>
+              <a:rPr lang="it-IT"/>
+              <a:t>INFDEV036A - G. Costantini, F. Di Giacomo</a:t>
             </a:r>
             <a:endParaRPr lang="en-GB"/>
           </a:p>
@@ -12102,7 +12610,7 @@
 </p:sld>
 </file>
 
-<file path=ppt/slides/slide23.xml><?xml version="1.0" encoding="utf-8"?>
+<file path=ppt/slides/slide24.xml><?xml version="1.0" encoding="utf-8"?>
 <p:sld xmlns:a="http://schemas.openxmlformats.org/drawingml/2006/main" xmlns:r="http://schemas.openxmlformats.org/officeDocument/2006/relationships" xmlns:p="http://schemas.openxmlformats.org/presentationml/2006/main">
   <p:cSld>
     <p:spTree>
@@ -12386,7 +12894,7 @@
           <a:p>
             <a:r>
               <a:rPr lang="it-IT"/>
-              <a:t>INFDEV026A - G. Costantini, F. Di Giacomo, G. Maggiore</a:t>
+              <a:t>INFDEV036A - G. Costantini, F. Di Giacomo</a:t>
             </a:r>
             <a:endParaRPr lang="en-GB"/>
           </a:p>
@@ -12405,7 +12913,7 @@
 </p:sld>
 </file>
 
-<file path=ppt/slides/slide24.xml><?xml version="1.0" encoding="utf-8"?>
+<file path=ppt/slides/slide25.xml><?xml version="1.0" encoding="utf-8"?>
 <p:sld xmlns:a="http://schemas.openxmlformats.org/drawingml/2006/main" xmlns:r="http://schemas.openxmlformats.org/officeDocument/2006/relationships" xmlns:p="http://schemas.openxmlformats.org/presentationml/2006/main">
   <p:cSld>
     <p:spTree>
@@ -12813,7 +13321,7 @@
           <a:p>
             <a:r>
               <a:rPr lang="it-IT"/>
-              <a:t>INFDEV026A - G. Costantini, F. Di Giacomo, G. Maggiore</a:t>
+              <a:t>INFDEV036A - G. Costantini, F. Di Giacomo</a:t>
             </a:r>
             <a:endParaRPr lang="en-GB"/>
           </a:p>
@@ -12832,7 +13340,7 @@
 </p:sld>
 </file>
 
-<file path=ppt/slides/slide25.xml><?xml version="1.0" encoding="utf-8"?>
+<file path=ppt/slides/slide26.xml><?xml version="1.0" encoding="utf-8"?>
 <p:sld xmlns:a="http://schemas.openxmlformats.org/drawingml/2006/main" xmlns:r="http://schemas.openxmlformats.org/officeDocument/2006/relationships" xmlns:p="http://schemas.openxmlformats.org/presentationml/2006/main">
   <p:cSld>
     <p:spTree>
@@ -12910,7 +13418,7 @@
           <a:p>
             <a:r>
               <a:rPr lang="it-IT"/>
-              <a:t>INFDEV026A - G. Costantini, F. Di Giacomo, G. Maggiore</a:t>
+              <a:t>INFDEV036A - G. Costantini, F. Di Giacomo</a:t>
             </a:r>
             <a:endParaRPr lang="en-GB"/>
           </a:p>
@@ -13040,7 +13548,7 @@
 </p:sld>
 </file>
 
-<file path=ppt/slides/slide26.xml><?xml version="1.0" encoding="utf-8"?>
+<file path=ppt/slides/slide27.xml><?xml version="1.0" encoding="utf-8"?>
 <p:sld xmlns:a="http://schemas.openxmlformats.org/drawingml/2006/main" xmlns:r="http://schemas.openxmlformats.org/officeDocument/2006/relationships" xmlns:p="http://schemas.openxmlformats.org/presentationml/2006/main">
   <p:cSld>
     <p:spTree>
@@ -13131,7 +13639,7 @@
           <a:p>
             <a:r>
               <a:rPr lang="it-IT"/>
-              <a:t>INFDEV026A - G. Costantini, F. Di Giacomo, G. Maggiore</a:t>
+              <a:t>INFDEV036A - G. Costantini, F. Di Giacomo</a:t>
             </a:r>
             <a:endParaRPr lang="en-GB"/>
           </a:p>
@@ -13427,233 +13935,6 @@
 </p:sld>
 </file>
 
-<file path=ppt/slides/slide27.xml><?xml version="1.0" encoding="utf-8"?>
-<p:sld xmlns:a="http://schemas.openxmlformats.org/drawingml/2006/main" xmlns:r="http://schemas.openxmlformats.org/officeDocument/2006/relationships" xmlns:p="http://schemas.openxmlformats.org/presentationml/2006/main">
-  <p:cSld>
-    <p:spTree>
-      <p:nvGrpSpPr>
-        <p:cNvPr id="1" name=""/>
-        <p:cNvGrpSpPr/>
-        <p:nvPr/>
-      </p:nvGrpSpPr>
-      <p:grpSpPr>
-        <a:xfrm>
-          <a:off x="0" y="0"/>
-          <a:ext cx="0" cy="0"/>
-          <a:chOff x="0" y="0"/>
-          <a:chExt cx="0" cy="0"/>
-        </a:xfrm>
-      </p:grpSpPr>
-      <p:sp>
-        <p:nvSpPr>
-          <p:cNvPr id="2" name="Title 1"/>
-          <p:cNvSpPr>
-            <a:spLocks noGrp="1"/>
-          </p:cNvSpPr>
-          <p:nvPr>
-            <p:ph type="title"/>
-          </p:nvPr>
-        </p:nvSpPr>
-        <p:spPr>
-          <a:xfrm>
-            <a:off x="677334" y="609600"/>
-            <a:ext cx="8596668" cy="724348"/>
-          </a:xfrm>
-        </p:spPr>
-        <p:txBody>
-          <a:bodyPr/>
-          <a:lstStyle/>
-          <a:p>
-            <a:r>
-              <a:rPr lang="en-GB" dirty="0"/>
-              <a:t>Graph – DFS traversal algorithm</a:t>
-            </a:r>
-            <a:endParaRPr lang="it-IT" dirty="0"/>
-          </a:p>
-        </p:txBody>
-      </p:sp>
-      <p:sp>
-        <p:nvSpPr>
-          <p:cNvPr id="3" name="Content Placeholder 2"/>
-          <p:cNvSpPr>
-            <a:spLocks noGrp="1"/>
-          </p:cNvSpPr>
-          <p:nvPr>
-            <p:ph idx="1"/>
-          </p:nvPr>
-        </p:nvSpPr>
-        <p:spPr>
-          <a:xfrm>
-            <a:off x="677334" y="1237129"/>
-            <a:ext cx="8596668" cy="4804233"/>
-          </a:xfrm>
-          <a:ln>
-            <a:solidFill>
-              <a:schemeClr val="tx1"/>
-            </a:solidFill>
-          </a:ln>
-        </p:spPr>
-        <p:txBody>
-          <a:bodyPr>
-            <a:normAutofit/>
-          </a:bodyPr>
-          <a:lstStyle/>
-          <a:p>
-            <a:pPr marL="0" indent="0">
-              <a:buNone/>
-            </a:pPr>
-            <a:r>
-              <a:rPr lang="it-IT" b="1" dirty="0"/>
-              <a:t>Algorithm pseudocode (recursive)</a:t>
-            </a:r>
-          </a:p>
-          <a:p>
-            <a:pPr marL="0" indent="0">
-              <a:buNone/>
-            </a:pPr>
-            <a:br>
-              <a:rPr lang="it-IT" sz="1600" b="1" dirty="0"/>
-            </a:br>
-            <a:r>
-              <a:rPr lang="en-US" sz="1600" dirty="0">
-                <a:latin typeface="Consolas" panose="020B0609020204030204" pitchFamily="49" charset="0"/>
-                <a:cs typeface="Courier New" panose="02070309020205020404" pitchFamily="49" charset="0"/>
-              </a:rPr>
-              <a:t>procedure DFS(</a:t>
-            </a:r>
-            <a:r>
-              <a:rPr lang="en-US" sz="1600" dirty="0" err="1">
-                <a:latin typeface="Consolas" panose="020B0609020204030204" pitchFamily="49" charset="0"/>
-                <a:cs typeface="Courier New" panose="02070309020205020404" pitchFamily="49" charset="0"/>
-              </a:rPr>
-              <a:t>G,v</a:t>
-            </a:r>
-            <a:r>
-              <a:rPr lang="en-US" sz="1600" dirty="0">
-                <a:latin typeface="Consolas" panose="020B0609020204030204" pitchFamily="49" charset="0"/>
-                <a:cs typeface="Courier New" panose="02070309020205020404" pitchFamily="49" charset="0"/>
-              </a:rPr>
-              <a:t>):</a:t>
-            </a:r>
-          </a:p>
-          <a:p>
-            <a:pPr marL="0" indent="0">
-              <a:buNone/>
-            </a:pPr>
-            <a:r>
-              <a:rPr lang="en-US" sz="1600" dirty="0">
-                <a:latin typeface="Consolas" panose="020B0609020204030204" pitchFamily="49" charset="0"/>
-                <a:cs typeface="Courier New" panose="02070309020205020404" pitchFamily="49" charset="0"/>
-              </a:rPr>
-              <a:t>     label v as discovered</a:t>
-            </a:r>
-          </a:p>
-          <a:p>
-            <a:pPr marL="0" indent="0">
-              <a:buNone/>
-            </a:pPr>
-            <a:r>
-              <a:rPr lang="en-US" sz="1600" dirty="0">
-                <a:latin typeface="Consolas" panose="020B0609020204030204" pitchFamily="49" charset="0"/>
-                <a:cs typeface="Courier New" panose="02070309020205020404" pitchFamily="49" charset="0"/>
-              </a:rPr>
-              <a:t>     for all edges from v to w in </a:t>
-            </a:r>
-            <a:r>
-              <a:rPr lang="en-US" sz="1600" dirty="0" err="1">
-                <a:latin typeface="Consolas" panose="020B0609020204030204" pitchFamily="49" charset="0"/>
-                <a:cs typeface="Courier New" panose="02070309020205020404" pitchFamily="49" charset="0"/>
-              </a:rPr>
-              <a:t>G.adjacentEdges</a:t>
-            </a:r>
-            <a:r>
-              <a:rPr lang="en-US" sz="1600" dirty="0">
-                <a:latin typeface="Consolas" panose="020B0609020204030204" pitchFamily="49" charset="0"/>
-                <a:cs typeface="Courier New" panose="02070309020205020404" pitchFamily="49" charset="0"/>
-              </a:rPr>
-              <a:t>(v) do</a:t>
-            </a:r>
-          </a:p>
-          <a:p>
-            <a:pPr marL="0" indent="0">
-              <a:buNone/>
-            </a:pPr>
-            <a:r>
-              <a:rPr lang="en-US" sz="1600" dirty="0">
-                <a:latin typeface="Consolas" panose="020B0609020204030204" pitchFamily="49" charset="0"/>
-                <a:cs typeface="Courier New" panose="02070309020205020404" pitchFamily="49" charset="0"/>
-              </a:rPr>
-              <a:t>        if vertex w is not labeled as discovered then</a:t>
-            </a:r>
-          </a:p>
-          <a:p>
-            <a:pPr marL="0" indent="0">
-              <a:buNone/>
-            </a:pPr>
-            <a:r>
-              <a:rPr lang="en-US" sz="1600" dirty="0">
-                <a:latin typeface="Consolas" panose="020B0609020204030204" pitchFamily="49" charset="0"/>
-                <a:cs typeface="Courier New" panose="02070309020205020404" pitchFamily="49" charset="0"/>
-              </a:rPr>
-              <a:t>        recursively call DFS(</a:t>
-            </a:r>
-            <a:r>
-              <a:rPr lang="en-US" sz="1600" dirty="0" err="1">
-                <a:latin typeface="Consolas" panose="020B0609020204030204" pitchFamily="49" charset="0"/>
-                <a:cs typeface="Courier New" panose="02070309020205020404" pitchFamily="49" charset="0"/>
-              </a:rPr>
-              <a:t>G,w</a:t>
-            </a:r>
-            <a:r>
-              <a:rPr lang="en-US" sz="1600" dirty="0">
-                <a:latin typeface="Consolas" panose="020B0609020204030204" pitchFamily="49" charset="0"/>
-                <a:cs typeface="Courier New" panose="02070309020205020404" pitchFamily="49" charset="0"/>
-              </a:rPr>
-              <a:t>)</a:t>
-            </a:r>
-            <a:endParaRPr lang="it-IT" sz="1600" dirty="0">
-              <a:latin typeface="Consolas" panose="020B0609020204030204" pitchFamily="49" charset="0"/>
-              <a:cs typeface="Courier New" panose="02070309020205020404" pitchFamily="49" charset="0"/>
-            </a:endParaRPr>
-          </a:p>
-        </p:txBody>
-      </p:sp>
-      <p:sp>
-        <p:nvSpPr>
-          <p:cNvPr id="4" name="Footer Placeholder 3"/>
-          <p:cNvSpPr>
-            <a:spLocks noGrp="1"/>
-          </p:cNvSpPr>
-          <p:nvPr>
-            <p:ph type="ftr" sz="quarter" idx="11"/>
-          </p:nvPr>
-        </p:nvSpPr>
-        <p:spPr/>
-        <p:txBody>
-          <a:bodyPr/>
-          <a:lstStyle/>
-          <a:p>
-            <a:r>
-              <a:rPr lang="it-IT"/>
-              <a:t>INFDEV026A - G. Costantini, F. Di Giacomo, G. Maggiore</a:t>
-            </a:r>
-            <a:endParaRPr lang="en-GB"/>
-          </a:p>
-        </p:txBody>
-      </p:sp>
-    </p:spTree>
-    <p:extLst>
-      <p:ext uri="{BB962C8B-B14F-4D97-AF65-F5344CB8AC3E}">
-        <p14:creationId xmlns:p14="http://schemas.microsoft.com/office/powerpoint/2010/main" val="987983860"/>
-      </p:ext>
-    </p:extLst>
-  </p:cSld>
-  <p:clrMapOvr>
-    <a:masterClrMapping/>
-  </p:clrMapOvr>
-</p:sld>
-</file>
-
 <file path=ppt/slides/slide28.xml><?xml version="1.0" encoding="utf-8"?>
 <p:sld xmlns:a="http://schemas.openxmlformats.org/drawingml/2006/main" xmlns:r="http://schemas.openxmlformats.org/officeDocument/2006/relationships" xmlns:p="http://schemas.openxmlformats.org/presentationml/2006/main">
   <p:cSld>
@@ -13731,7 +14012,7 @@
             </a:pPr>
             <a:r>
               <a:rPr lang="it-IT" b="1" dirty="0"/>
-              <a:t>Algorithm pseudocode (iterative)</a:t>
+              <a:t>Algorithm pseudocode (recursive)</a:t>
             </a:r>
           </a:p>
           <a:p>
@@ -13746,7 +14027,7 @@
                 <a:latin typeface="Consolas" panose="020B0609020204030204" pitchFamily="49" charset="0"/>
                 <a:cs typeface="Courier New" panose="02070309020205020404" pitchFamily="49" charset="0"/>
               </a:rPr>
-              <a:t>procedure DFS-iterative(</a:t>
+              <a:t>procedure DFS(</a:t>
             </a:r>
             <a:r>
               <a:rPr lang="en-US" sz="1600" dirty="0" err="1">
@@ -13772,7 +14053,7 @@
                 <a:latin typeface="Consolas" panose="020B0609020204030204" pitchFamily="49" charset="0"/>
                 <a:cs typeface="Courier New" panose="02070309020205020404" pitchFamily="49" charset="0"/>
               </a:rPr>
-              <a:t>  let S be a stack</a:t>
+              <a:t>     label v as discovered</a:t>
             </a:r>
           </a:p>
           <a:p>
@@ -13784,95 +14065,7 @@
                 <a:latin typeface="Consolas" panose="020B0609020204030204" pitchFamily="49" charset="0"/>
                 <a:cs typeface="Courier New" panose="02070309020205020404" pitchFamily="49" charset="0"/>
               </a:rPr>
-              <a:t>  </a:t>
-            </a:r>
-            <a:r>
-              <a:rPr lang="en-US" sz="1600" dirty="0" err="1">
-                <a:latin typeface="Consolas" panose="020B0609020204030204" pitchFamily="49" charset="0"/>
-                <a:cs typeface="Courier New" panose="02070309020205020404" pitchFamily="49" charset="0"/>
-              </a:rPr>
-              <a:t>S.push</a:t>
-            </a:r>
-            <a:r>
-              <a:rPr lang="en-US" sz="1600" dirty="0">
-                <a:latin typeface="Consolas" panose="020B0609020204030204" pitchFamily="49" charset="0"/>
-                <a:cs typeface="Courier New" panose="02070309020205020404" pitchFamily="49" charset="0"/>
-              </a:rPr>
-              <a:t>(v)</a:t>
-            </a:r>
-          </a:p>
-          <a:p>
-            <a:pPr marL="0" indent="0">
-              <a:buNone/>
-            </a:pPr>
-            <a:r>
-              <a:rPr lang="en-US" sz="1600" dirty="0">
-                <a:latin typeface="Consolas" panose="020B0609020204030204" pitchFamily="49" charset="0"/>
-                <a:cs typeface="Courier New" panose="02070309020205020404" pitchFamily="49" charset="0"/>
-              </a:rPr>
-              <a:t>  while S is not empty</a:t>
-            </a:r>
-          </a:p>
-          <a:p>
-            <a:pPr marL="0" indent="0">
-              <a:buNone/>
-            </a:pPr>
-            <a:r>
-              <a:rPr lang="en-US" sz="1600" dirty="0">
-                <a:latin typeface="Consolas" panose="020B0609020204030204" pitchFamily="49" charset="0"/>
-                <a:cs typeface="Courier New" panose="02070309020205020404" pitchFamily="49" charset="0"/>
-              </a:rPr>
-              <a:t>      v = </a:t>
-            </a:r>
-            <a:r>
-              <a:rPr lang="en-US" sz="1600" dirty="0" err="1">
-                <a:latin typeface="Consolas" panose="020B0609020204030204" pitchFamily="49" charset="0"/>
-                <a:cs typeface="Courier New" panose="02070309020205020404" pitchFamily="49" charset="0"/>
-              </a:rPr>
-              <a:t>S.pop</a:t>
-            </a:r>
-            <a:r>
-              <a:rPr lang="en-US" sz="1600" dirty="0">
-                <a:latin typeface="Consolas" panose="020B0609020204030204" pitchFamily="49" charset="0"/>
-                <a:cs typeface="Courier New" panose="02070309020205020404" pitchFamily="49" charset="0"/>
-              </a:rPr>
-              <a:t>()</a:t>
-            </a:r>
-          </a:p>
-          <a:p>
-            <a:pPr marL="0" indent="0">
-              <a:buNone/>
-            </a:pPr>
-            <a:r>
-              <a:rPr lang="en-US" sz="1600" dirty="0">
-                <a:latin typeface="Consolas" panose="020B0609020204030204" pitchFamily="49" charset="0"/>
-                <a:cs typeface="Courier New" panose="02070309020205020404" pitchFamily="49" charset="0"/>
-              </a:rPr>
-              <a:t>      if v is not labeled as discovered:</a:t>
-            </a:r>
-          </a:p>
-          <a:p>
-            <a:pPr marL="0" indent="0">
-              <a:buNone/>
-            </a:pPr>
-            <a:r>
-              <a:rPr lang="en-US" sz="1600" dirty="0">
-                <a:latin typeface="Consolas" panose="020B0609020204030204" pitchFamily="49" charset="0"/>
-                <a:cs typeface="Courier New" panose="02070309020205020404" pitchFamily="49" charset="0"/>
-              </a:rPr>
-              <a:t>          label v as discovered</a:t>
-            </a:r>
-          </a:p>
-          <a:p>
-            <a:pPr marL="0" indent="0">
-              <a:buNone/>
-            </a:pPr>
-            <a:r>
-              <a:rPr lang="en-US" sz="1600" dirty="0">
-                <a:latin typeface="Consolas" panose="020B0609020204030204" pitchFamily="49" charset="0"/>
-                <a:cs typeface="Courier New" panose="02070309020205020404" pitchFamily="49" charset="0"/>
-              </a:rPr>
-              <a:t>          for all edges from v to w in </a:t>
+              <a:t>     for all edges from v to w in </a:t>
             </a:r>
             <a:r>
               <a:rPr lang="en-US" sz="1600" dirty="0" err="1">
@@ -13898,21 +14091,33 @@
                 <a:latin typeface="Consolas" panose="020B0609020204030204" pitchFamily="49" charset="0"/>
                 <a:cs typeface="Courier New" panose="02070309020205020404" pitchFamily="49" charset="0"/>
               </a:rPr>
-              <a:t>             </a:t>
+              <a:t>        if vertex w is not labeled as discovered then</a:t>
+            </a:r>
+          </a:p>
+          <a:p>
+            <a:pPr marL="0" indent="0">
+              <a:buNone/>
+            </a:pPr>
+            <a:r>
+              <a:rPr lang="en-US" sz="1600" dirty="0">
+                <a:latin typeface="Consolas" panose="020B0609020204030204" pitchFamily="49" charset="0"/>
+                <a:cs typeface="Courier New" panose="02070309020205020404" pitchFamily="49" charset="0"/>
+              </a:rPr>
+              <a:t>        recursively call DFS(</a:t>
             </a:r>
             <a:r>
               <a:rPr lang="en-US" sz="1600" dirty="0" err="1">
                 <a:latin typeface="Consolas" panose="020B0609020204030204" pitchFamily="49" charset="0"/>
                 <a:cs typeface="Courier New" panose="02070309020205020404" pitchFamily="49" charset="0"/>
               </a:rPr>
-              <a:t>S.push</a:t>
+              <a:t>G,w</a:t>
             </a:r>
             <a:r>
               <a:rPr lang="en-US" sz="1600" dirty="0">
                 <a:latin typeface="Consolas" panose="020B0609020204030204" pitchFamily="49" charset="0"/>
                 <a:cs typeface="Courier New" panose="02070309020205020404" pitchFamily="49" charset="0"/>
               </a:rPr>
-              <a:t>(w)</a:t>
+              <a:t>)</a:t>
             </a:r>
             <a:endParaRPr lang="it-IT" sz="1600" dirty="0">
               <a:latin typeface="Consolas" panose="020B0609020204030204" pitchFamily="49" charset="0"/>
@@ -13938,7 +14143,7 @@
           <a:p>
             <a:r>
               <a:rPr lang="it-IT"/>
-              <a:t>INFDEV026A - G. Costantini, F. Di Giacomo, G. Maggiore</a:t>
+              <a:t>INFDEV036A - G. Costantini, F. Di Giacomo</a:t>
             </a:r>
             <a:endParaRPr lang="en-GB"/>
           </a:p>
@@ -13947,7 +14152,7 @@
     </p:spTree>
     <p:extLst>
       <p:ext uri="{BB962C8B-B14F-4D97-AF65-F5344CB8AC3E}">
-        <p14:creationId xmlns:p14="http://schemas.microsoft.com/office/powerpoint/2010/main" val="1331614608"/>
+        <p14:creationId xmlns:p14="http://schemas.microsoft.com/office/powerpoint/2010/main" val="987983860"/>
       </p:ext>
     </p:extLst>
   </p:cSld>
@@ -13984,23 +14189,21 @@
             <p:ph type="title"/>
           </p:nvPr>
         </p:nvSpPr>
-        <p:spPr/>
+        <p:spPr>
+          <a:xfrm>
+            <a:off x="677334" y="609600"/>
+            <a:ext cx="8596668" cy="724348"/>
+          </a:xfrm>
+        </p:spPr>
         <p:txBody>
           <a:bodyPr/>
           <a:lstStyle/>
           <a:p>
             <a:r>
               <a:rPr lang="en-GB" dirty="0"/>
-              <a:t>Graphs – </a:t>
-            </a:r>
-            <a:r>
-              <a:rPr lang="en-GB" dirty="0" err="1"/>
-              <a:t>Dijkstra’s</a:t>
-            </a:r>
-            <a:r>
-              <a:rPr lang="en-GB" dirty="0"/>
-              <a:t> algorithm</a:t>
-            </a:r>
+              <a:t>Graph – DFS traversal algorithm</a:t>
+            </a:r>
+            <a:endParaRPr lang="it-IT" dirty="0"/>
           </a:p>
         </p:txBody>
       </p:sp>
@@ -14014,60 +14217,215 @@
             <p:ph idx="1"/>
           </p:nvPr>
         </p:nvSpPr>
-        <p:spPr/>
-        <p:txBody>
-          <a:bodyPr/>
-          <a:lstStyle/>
-          <a:p>
-            <a:r>
-              <a:rPr lang="en-US" dirty="0"/>
-              <a:t>Single-source shortest path problem</a:t>
-            </a:r>
-          </a:p>
-          <a:p>
-            <a:pPr lvl="1"/>
-            <a:r>
-              <a:rPr lang="en-US" dirty="0"/>
-              <a:t>for a given source vertex (node) in the graph, the algorithm finds the path with lowest cost (i.e., the shortest path) between that vertex and every other vertex</a:t>
-            </a:r>
-          </a:p>
-          <a:p>
-            <a:endParaRPr lang="en-US" dirty="0"/>
-          </a:p>
-          <a:p>
-            <a:r>
-              <a:rPr lang="en-US" dirty="0"/>
-              <a:t>Informal steps of the algorithm</a:t>
-            </a:r>
-          </a:p>
-          <a:p>
-            <a:pPr lvl="1"/>
-            <a:r>
-              <a:rPr lang="en-US" dirty="0"/>
-              <a:t>Pick the unvisited vertex with the lowest-distance</a:t>
-            </a:r>
-          </a:p>
-          <a:p>
-            <a:pPr lvl="1"/>
-            <a:r>
-              <a:rPr lang="en-US" dirty="0"/>
-              <a:t>Calculate the distance through it to each unvisited neighbor</a:t>
-            </a:r>
-          </a:p>
-          <a:p>
-            <a:pPr lvl="1"/>
-            <a:r>
-              <a:rPr lang="en-US" dirty="0"/>
-              <a:t>Update the neighbor's distance if smaller</a:t>
-            </a:r>
-          </a:p>
-          <a:p>
-            <a:pPr lvl="1"/>
-            <a:r>
-              <a:rPr lang="en-US" dirty="0"/>
-              <a:t>Mark as visited when done with neighbors</a:t>
-            </a:r>
-            <a:endParaRPr lang="en-GB" dirty="0"/>
+        <p:spPr>
+          <a:xfrm>
+            <a:off x="677334" y="1237129"/>
+            <a:ext cx="8596668" cy="4804233"/>
+          </a:xfrm>
+          <a:ln>
+            <a:solidFill>
+              <a:schemeClr val="tx1"/>
+            </a:solidFill>
+          </a:ln>
+        </p:spPr>
+        <p:txBody>
+          <a:bodyPr>
+            <a:normAutofit/>
+          </a:bodyPr>
+          <a:lstStyle/>
+          <a:p>
+            <a:pPr marL="0" indent="0">
+              <a:buNone/>
+            </a:pPr>
+            <a:r>
+              <a:rPr lang="it-IT" b="1" dirty="0"/>
+              <a:t>Algorithm pseudocode (iterative)</a:t>
+            </a:r>
+          </a:p>
+          <a:p>
+            <a:pPr marL="0" indent="0">
+              <a:buNone/>
+            </a:pPr>
+            <a:br>
+              <a:rPr lang="it-IT" sz="1600" b="1" dirty="0"/>
+            </a:br>
+            <a:r>
+              <a:rPr lang="en-US" sz="1600" dirty="0">
+                <a:latin typeface="Consolas" panose="020B0609020204030204" pitchFamily="49" charset="0"/>
+                <a:cs typeface="Courier New" panose="02070309020205020404" pitchFamily="49" charset="0"/>
+              </a:rPr>
+              <a:t>procedure DFS-iterative(</a:t>
+            </a:r>
+            <a:r>
+              <a:rPr lang="en-US" sz="1600" dirty="0" err="1">
+                <a:latin typeface="Consolas" panose="020B0609020204030204" pitchFamily="49" charset="0"/>
+                <a:cs typeface="Courier New" panose="02070309020205020404" pitchFamily="49" charset="0"/>
+              </a:rPr>
+              <a:t>G,v</a:t>
+            </a:r>
+            <a:r>
+              <a:rPr lang="en-US" sz="1600" dirty="0">
+                <a:latin typeface="Consolas" panose="020B0609020204030204" pitchFamily="49" charset="0"/>
+                <a:cs typeface="Courier New" panose="02070309020205020404" pitchFamily="49" charset="0"/>
+              </a:rPr>
+              <a:t>):</a:t>
+            </a:r>
+          </a:p>
+          <a:p>
+            <a:pPr marL="0" indent="0">
+              <a:buNone/>
+            </a:pPr>
+            <a:r>
+              <a:rPr lang="en-US" sz="1600" dirty="0">
+                <a:latin typeface="Consolas" panose="020B0609020204030204" pitchFamily="49" charset="0"/>
+                <a:cs typeface="Courier New" panose="02070309020205020404" pitchFamily="49" charset="0"/>
+              </a:rPr>
+              <a:t>  let S be a stack</a:t>
+            </a:r>
+          </a:p>
+          <a:p>
+            <a:pPr marL="0" indent="0">
+              <a:buNone/>
+            </a:pPr>
+            <a:r>
+              <a:rPr lang="en-US" sz="1600" dirty="0">
+                <a:latin typeface="Consolas" panose="020B0609020204030204" pitchFamily="49" charset="0"/>
+                <a:cs typeface="Courier New" panose="02070309020205020404" pitchFamily="49" charset="0"/>
+              </a:rPr>
+              <a:t>  </a:t>
+            </a:r>
+            <a:r>
+              <a:rPr lang="en-US" sz="1600" dirty="0" err="1">
+                <a:latin typeface="Consolas" panose="020B0609020204030204" pitchFamily="49" charset="0"/>
+                <a:cs typeface="Courier New" panose="02070309020205020404" pitchFamily="49" charset="0"/>
+              </a:rPr>
+              <a:t>S.push</a:t>
+            </a:r>
+            <a:r>
+              <a:rPr lang="en-US" sz="1600" dirty="0">
+                <a:latin typeface="Consolas" panose="020B0609020204030204" pitchFamily="49" charset="0"/>
+                <a:cs typeface="Courier New" panose="02070309020205020404" pitchFamily="49" charset="0"/>
+              </a:rPr>
+              <a:t>(v)</a:t>
+            </a:r>
+          </a:p>
+          <a:p>
+            <a:pPr marL="0" indent="0">
+              <a:buNone/>
+            </a:pPr>
+            <a:r>
+              <a:rPr lang="en-US" sz="1600" dirty="0">
+                <a:latin typeface="Consolas" panose="020B0609020204030204" pitchFamily="49" charset="0"/>
+                <a:cs typeface="Courier New" panose="02070309020205020404" pitchFamily="49" charset="0"/>
+              </a:rPr>
+              <a:t>  while S is not empty</a:t>
+            </a:r>
+          </a:p>
+          <a:p>
+            <a:pPr marL="0" indent="0">
+              <a:buNone/>
+            </a:pPr>
+            <a:r>
+              <a:rPr lang="en-US" sz="1600" dirty="0">
+                <a:latin typeface="Consolas" panose="020B0609020204030204" pitchFamily="49" charset="0"/>
+                <a:cs typeface="Courier New" panose="02070309020205020404" pitchFamily="49" charset="0"/>
+              </a:rPr>
+              <a:t>      v = </a:t>
+            </a:r>
+            <a:r>
+              <a:rPr lang="en-US" sz="1600" dirty="0" err="1">
+                <a:latin typeface="Consolas" panose="020B0609020204030204" pitchFamily="49" charset="0"/>
+                <a:cs typeface="Courier New" panose="02070309020205020404" pitchFamily="49" charset="0"/>
+              </a:rPr>
+              <a:t>S.pop</a:t>
+            </a:r>
+            <a:r>
+              <a:rPr lang="en-US" sz="1600" dirty="0">
+                <a:latin typeface="Consolas" panose="020B0609020204030204" pitchFamily="49" charset="0"/>
+                <a:cs typeface="Courier New" panose="02070309020205020404" pitchFamily="49" charset="0"/>
+              </a:rPr>
+              <a:t>()</a:t>
+            </a:r>
+          </a:p>
+          <a:p>
+            <a:pPr marL="0" indent="0">
+              <a:buNone/>
+            </a:pPr>
+            <a:r>
+              <a:rPr lang="en-US" sz="1600" dirty="0">
+                <a:latin typeface="Consolas" panose="020B0609020204030204" pitchFamily="49" charset="0"/>
+                <a:cs typeface="Courier New" panose="02070309020205020404" pitchFamily="49" charset="0"/>
+              </a:rPr>
+              <a:t>      if v is not labeled as discovered:</a:t>
+            </a:r>
+          </a:p>
+          <a:p>
+            <a:pPr marL="0" indent="0">
+              <a:buNone/>
+            </a:pPr>
+            <a:r>
+              <a:rPr lang="en-US" sz="1600" dirty="0">
+                <a:latin typeface="Consolas" panose="020B0609020204030204" pitchFamily="49" charset="0"/>
+                <a:cs typeface="Courier New" panose="02070309020205020404" pitchFamily="49" charset="0"/>
+              </a:rPr>
+              <a:t>          label v as discovered</a:t>
+            </a:r>
+          </a:p>
+          <a:p>
+            <a:pPr marL="0" indent="0">
+              <a:buNone/>
+            </a:pPr>
+            <a:r>
+              <a:rPr lang="en-US" sz="1600" dirty="0">
+                <a:latin typeface="Consolas" panose="020B0609020204030204" pitchFamily="49" charset="0"/>
+                <a:cs typeface="Courier New" panose="02070309020205020404" pitchFamily="49" charset="0"/>
+              </a:rPr>
+              <a:t>          for all edges from v to w in </a:t>
+            </a:r>
+            <a:r>
+              <a:rPr lang="en-US" sz="1600" dirty="0" err="1">
+                <a:latin typeface="Consolas" panose="020B0609020204030204" pitchFamily="49" charset="0"/>
+                <a:cs typeface="Courier New" panose="02070309020205020404" pitchFamily="49" charset="0"/>
+              </a:rPr>
+              <a:t>G.adjacentEdges</a:t>
+            </a:r>
+            <a:r>
+              <a:rPr lang="en-US" sz="1600" dirty="0">
+                <a:latin typeface="Consolas" panose="020B0609020204030204" pitchFamily="49" charset="0"/>
+                <a:cs typeface="Courier New" panose="02070309020205020404" pitchFamily="49" charset="0"/>
+              </a:rPr>
+              <a:t>(v) do</a:t>
+            </a:r>
+          </a:p>
+          <a:p>
+            <a:pPr marL="0" indent="0">
+              <a:buNone/>
+            </a:pPr>
+            <a:r>
+              <a:rPr lang="en-US" sz="1600" dirty="0">
+                <a:latin typeface="Consolas" panose="020B0609020204030204" pitchFamily="49" charset="0"/>
+                <a:cs typeface="Courier New" panose="02070309020205020404" pitchFamily="49" charset="0"/>
+              </a:rPr>
+              <a:t>             </a:t>
+            </a:r>
+            <a:r>
+              <a:rPr lang="en-US" sz="1600" dirty="0" err="1">
+                <a:latin typeface="Consolas" panose="020B0609020204030204" pitchFamily="49" charset="0"/>
+                <a:cs typeface="Courier New" panose="02070309020205020404" pitchFamily="49" charset="0"/>
+              </a:rPr>
+              <a:t>S.push</a:t>
+            </a:r>
+            <a:r>
+              <a:rPr lang="en-US" sz="1600" dirty="0">
+                <a:latin typeface="Consolas" panose="020B0609020204030204" pitchFamily="49" charset="0"/>
+                <a:cs typeface="Courier New" panose="02070309020205020404" pitchFamily="49" charset="0"/>
+              </a:rPr>
+              <a:t>(w)</a:t>
+            </a:r>
+            <a:endParaRPr lang="it-IT" sz="1600" dirty="0">
+              <a:latin typeface="Consolas" panose="020B0609020204030204" pitchFamily="49" charset="0"/>
+              <a:cs typeface="Courier New" panose="02070309020205020404" pitchFamily="49" charset="0"/>
+            </a:endParaRPr>
           </a:p>
         </p:txBody>
       </p:sp>
@@ -14088,57 +14446,16 @@
           <a:p>
             <a:r>
               <a:rPr lang="it-IT"/>
-              <a:t>INFDEV026A - G. Costantini, F. Di Giacomo, G. Maggiore</a:t>
+              <a:t>INFDEV036A - G. Costantini, F. Di Giacomo</a:t>
             </a:r>
             <a:endParaRPr lang="en-GB"/>
           </a:p>
         </p:txBody>
       </p:sp>
-      <p:pic>
-        <p:nvPicPr>
-          <p:cNvPr id="1026" name="Picture 2" descr="Dijkstra's algorithm runtime"/>
-          <p:cNvPicPr>
-            <a:picLocks noChangeAspect="1" noChangeArrowheads="1" noCrop="1"/>
-          </p:cNvPicPr>
-          <p:nvPr/>
-        </p:nvPicPr>
-        <p:blipFill>
-          <a:blip r:embed="rId3">
-            <a:extLst>
-              <a:ext uri="{28A0092B-C50C-407E-A947-70E740481C1C}">
-                <a14:useLocalDpi xmlns:a14="http://schemas.microsoft.com/office/drawing/2010/main" val="0"/>
-              </a:ext>
-            </a:extLst>
-          </a:blip>
-          <a:srcRect/>
-          <a:stretch>
-            <a:fillRect/>
-          </a:stretch>
-        </p:blipFill>
-        <p:spPr bwMode="auto">
-          <a:xfrm>
-            <a:off x="7211001" y="3313979"/>
-            <a:ext cx="4278663" cy="3356407"/>
-          </a:xfrm>
-          <a:prstGeom prst="rect">
-            <a:avLst/>
-          </a:prstGeom>
-          <a:noFill/>
-          <a:extLst>
-            <a:ext uri="{909E8E84-426E-40DD-AFC4-6F175D3DCCD1}">
-              <a14:hiddenFill xmlns:a14="http://schemas.microsoft.com/office/drawing/2010/main">
-                <a:solidFill>
-                  <a:srgbClr val="FFFFFF"/>
-                </a:solidFill>
-              </a14:hiddenFill>
-            </a:ext>
-          </a:extLst>
-        </p:spPr>
-      </p:pic>
     </p:spTree>
     <p:extLst>
       <p:ext uri="{BB962C8B-B14F-4D97-AF65-F5344CB8AC3E}">
-        <p14:creationId xmlns:p14="http://schemas.microsoft.com/office/powerpoint/2010/main" val="1596923112"/>
+        <p14:creationId xmlns:p14="http://schemas.microsoft.com/office/powerpoint/2010/main" val="1331614608"/>
       </p:ext>
     </p:extLst>
   </p:cSld>
@@ -14167,7 +14484,7 @@
       </p:grpSpPr>
       <p:sp>
         <p:nvSpPr>
-          <p:cNvPr id="2" name="Titel 1"/>
+          <p:cNvPr id="2" name="Title 1"/>
           <p:cNvSpPr>
             <a:spLocks noGrp="1"/>
           </p:cNvSpPr>
@@ -14181,23 +14498,15 @@
           <a:lstStyle/>
           <a:p>
             <a:r>
-              <a:rPr lang="nl-NL" dirty="0"/>
-              <a:t>More </a:t>
-            </a:r>
-            <a:r>
-              <a:rPr lang="nl-NL" dirty="0" err="1"/>
-              <a:t>detailed</a:t>
-            </a:r>
-            <a:r>
-              <a:rPr lang="nl-NL" dirty="0"/>
-              <a:t> agenda</a:t>
-            </a:r>
-          </a:p>
-        </p:txBody>
-      </p:sp>
-      <p:sp>
-        <p:nvSpPr>
-          <p:cNvPr id="3" name="Tijdelijke aanduiding voor inhoud 2"/>
+              <a:rPr lang="en-GB" dirty="0"/>
+              <a:t>Today</a:t>
+            </a:r>
+          </a:p>
+        </p:txBody>
+      </p:sp>
+      <p:sp>
+        <p:nvSpPr>
+          <p:cNvPr id="3" name="Content Placeholder 2"/>
           <p:cNvSpPr>
             <a:spLocks noGrp="1"/>
           </p:cNvSpPr>
@@ -14211,206 +14520,99 @@
           <a:lstStyle/>
           <a:p>
             <a:r>
-              <a:rPr lang="nl-NL" dirty="0" err="1"/>
-              <a:t>What</a:t>
-            </a:r>
-            <a:r>
-              <a:rPr lang="nl-NL" dirty="0"/>
-              <a:t> are (di)</a:t>
-            </a:r>
-            <a:r>
-              <a:rPr lang="nl-NL" dirty="0" err="1"/>
-              <a:t>graphs</a:t>
-            </a:r>
-            <a:r>
-              <a:rPr lang="nl-NL" dirty="0"/>
-              <a:t>?</a:t>
-            </a:r>
-          </a:p>
-          <a:p>
-            <a:r>
-              <a:rPr lang="nl-NL" dirty="0"/>
-              <a:t>How do we </a:t>
-            </a:r>
-            <a:r>
-              <a:rPr lang="nl-NL" dirty="0" err="1"/>
-              <a:t>represent</a:t>
-            </a:r>
-            <a:r>
-              <a:rPr lang="nl-NL" dirty="0"/>
-              <a:t> a (di)</a:t>
-            </a:r>
-            <a:r>
-              <a:rPr lang="nl-NL" dirty="0" err="1"/>
-              <a:t>graph</a:t>
-            </a:r>
-            <a:r>
-              <a:rPr lang="nl-NL" dirty="0"/>
-              <a:t>?</a:t>
+              <a:rPr lang="en-GB" strike="sngStrike" dirty="0">
+                <a:solidFill>
+                  <a:schemeClr val="tx1"/>
+                </a:solidFill>
+              </a:rPr>
+              <a:t>Why is my code slow? </a:t>
             </a:r>
           </a:p>
           <a:p>
             <a:pPr lvl="1"/>
             <a:r>
-              <a:rPr lang="nl-NL" dirty="0" err="1"/>
-              <a:t>Adjacency</a:t>
-            </a:r>
-            <a:r>
-              <a:rPr lang="nl-NL" dirty="0"/>
-              <a:t> list, </a:t>
-            </a:r>
-            <a:r>
-              <a:rPr lang="nl-NL" dirty="0" err="1"/>
-              <a:t>adjacency</a:t>
-            </a:r>
-            <a:r>
-              <a:rPr lang="nl-NL" dirty="0"/>
-              <a:t> matrix, </a:t>
-            </a:r>
-            <a:r>
-              <a:rPr lang="nl-NL" dirty="0" err="1"/>
-              <a:t>incidence</a:t>
-            </a:r>
-            <a:r>
-              <a:rPr lang="nl-NL" dirty="0"/>
-              <a:t> matrix</a:t>
-            </a:r>
-          </a:p>
-          <a:p>
-            <a:r>
-              <a:rPr lang="nl-NL" dirty="0"/>
-              <a:t>How </a:t>
-            </a:r>
-            <a:r>
-              <a:rPr lang="nl-NL" dirty="0" err="1"/>
-              <a:t>can</a:t>
-            </a:r>
-            <a:r>
-              <a:rPr lang="nl-NL" dirty="0"/>
-              <a:t> we traverse/</a:t>
-            </a:r>
-            <a:r>
-              <a:rPr lang="nl-NL" dirty="0" err="1"/>
-              <a:t>visit</a:t>
-            </a:r>
-            <a:r>
-              <a:rPr lang="nl-NL" dirty="0"/>
-              <a:t> a </a:t>
-            </a:r>
-            <a:r>
-              <a:rPr lang="nl-NL" dirty="0" err="1"/>
-              <a:t>graph</a:t>
-            </a:r>
-            <a:r>
-              <a:rPr lang="nl-NL" dirty="0"/>
-              <a:t>?</a:t>
+              <a:rPr lang="en-GB" strike="sngStrike" dirty="0">
+                <a:solidFill>
+                  <a:schemeClr val="tx1"/>
+                </a:solidFill>
+              </a:rPr>
+              <a:t>Empirical and complexity analysis</a:t>
+            </a:r>
+          </a:p>
+          <a:p>
+            <a:r>
+              <a:rPr lang="en-GB" strike="sngStrike" dirty="0">
+                <a:solidFill>
+                  <a:schemeClr val="tx1"/>
+                </a:solidFill>
+              </a:rPr>
+              <a:t>How do I order my data?</a:t>
             </a:r>
           </a:p>
           <a:p>
             <a:pPr lvl="1"/>
             <a:r>
-              <a:rPr lang="nl-NL" dirty="0"/>
-              <a:t>BFS, DFS</a:t>
-            </a:r>
-          </a:p>
-          <a:p>
-            <a:r>
-              <a:rPr lang="nl-NL" dirty="0"/>
-              <a:t>How </a:t>
-            </a:r>
-            <a:r>
-              <a:rPr lang="nl-NL" dirty="0" err="1"/>
-              <a:t>can</a:t>
-            </a:r>
-            <a:r>
-              <a:rPr lang="nl-NL" dirty="0"/>
-              <a:t> we </a:t>
-            </a:r>
-            <a:r>
-              <a:rPr lang="nl-NL" dirty="0" err="1"/>
-              <a:t>find</a:t>
-            </a:r>
-            <a:r>
-              <a:rPr lang="nl-NL" dirty="0"/>
-              <a:t> </a:t>
-            </a:r>
-            <a:r>
-              <a:rPr lang="nl-NL" dirty="0" err="1"/>
-              <a:t>the</a:t>
-            </a:r>
-            <a:r>
-              <a:rPr lang="nl-NL" dirty="0"/>
-              <a:t> </a:t>
-            </a:r>
-            <a:r>
-              <a:rPr lang="nl-NL" dirty="0" err="1"/>
-              <a:t>shortest</a:t>
-            </a:r>
-            <a:r>
-              <a:rPr lang="nl-NL" dirty="0"/>
-              <a:t> </a:t>
-            </a:r>
-            <a:r>
-              <a:rPr lang="nl-NL" dirty="0" err="1"/>
-              <a:t>path</a:t>
-            </a:r>
-            <a:r>
-              <a:rPr lang="nl-NL" dirty="0"/>
-              <a:t> </a:t>
-            </a:r>
-            <a:r>
-              <a:rPr lang="nl-NL" dirty="0" err="1"/>
-              <a:t>between</a:t>
-            </a:r>
-            <a:r>
-              <a:rPr lang="nl-NL" dirty="0"/>
-              <a:t> </a:t>
-            </a:r>
-            <a:r>
-              <a:rPr lang="nl-NL" dirty="0" err="1"/>
-              <a:t>two</a:t>
-            </a:r>
-            <a:r>
-              <a:rPr lang="nl-NL" dirty="0"/>
-              <a:t> </a:t>
-            </a:r>
-            <a:r>
-              <a:rPr lang="nl-NL" dirty="0" err="1"/>
-              <a:t>nodes</a:t>
-            </a:r>
-            <a:r>
-              <a:rPr lang="nl-NL" dirty="0"/>
-              <a:t> of a </a:t>
-            </a:r>
-            <a:r>
-              <a:rPr lang="nl-NL" dirty="0" err="1"/>
-              <a:t>graph</a:t>
-            </a:r>
-            <a:r>
-              <a:rPr lang="nl-NL" dirty="0"/>
-              <a:t>?</a:t>
+              <a:rPr lang="en-GB" strike="sngStrike" dirty="0">
+                <a:solidFill>
+                  <a:schemeClr val="tx1"/>
+                </a:solidFill>
+              </a:rPr>
+              <a:t>Sorting algorithms</a:t>
+            </a:r>
+          </a:p>
+          <a:p>
+            <a:r>
+              <a:rPr lang="en-GB" strike="sngStrike" dirty="0">
+                <a:solidFill>
+                  <a:schemeClr val="tx1"/>
+                </a:solidFill>
+              </a:rPr>
+              <a:t>How do I structure my data?</a:t>
             </a:r>
           </a:p>
           <a:p>
             <a:pPr lvl="1"/>
             <a:r>
-              <a:rPr lang="nl-NL" dirty="0"/>
-              <a:t>Dijkstra’s </a:t>
-            </a:r>
-            <a:r>
-              <a:rPr lang="nl-NL" dirty="0" err="1"/>
-              <a:t>algorithm</a:t>
-            </a:r>
-            <a:endParaRPr lang="nl-NL" dirty="0"/>
-          </a:p>
-          <a:p>
-            <a:endParaRPr lang="nl-NL" dirty="0"/>
-          </a:p>
-        </p:txBody>
-      </p:sp>
-      <p:sp>
-        <p:nvSpPr>
-          <p:cNvPr id="4" name="Tijdelijke aanduiding voor voettekst 3"/>
+              <a:rPr lang="en-GB" strike="sngStrike" dirty="0">
+                <a:solidFill>
+                  <a:schemeClr val="tx1"/>
+                </a:solidFill>
+              </a:rPr>
+              <a:t>Linear, tabular, recursive data structures</a:t>
+            </a:r>
+          </a:p>
+          <a:p>
+            <a:r>
+              <a:rPr lang="en-GB" dirty="0">
+                <a:solidFill>
+                  <a:schemeClr val="accent1"/>
+                </a:solidFill>
+              </a:rPr>
+              <a:t>How do I represent relationship networks?</a:t>
+            </a:r>
+          </a:p>
+          <a:p>
+            <a:pPr lvl="1"/>
+            <a:r>
+              <a:rPr lang="en-GB" sz="1800" dirty="0">
+                <a:solidFill>
+                  <a:schemeClr val="accent1"/>
+                </a:solidFill>
+              </a:rPr>
+              <a:t>Graphs</a:t>
+            </a:r>
+          </a:p>
+          <a:p>
+            <a:endParaRPr lang="en-GB" b="1" dirty="0"/>
+          </a:p>
+          <a:p>
+            <a:endParaRPr lang="en-GB" dirty="0"/>
+          </a:p>
+        </p:txBody>
+      </p:sp>
+      <p:sp>
+        <p:nvSpPr>
+          <p:cNvPr id="4" name="Footer Placeholder 3"/>
           <p:cNvSpPr>
             <a:spLocks noGrp="1"/>
           </p:cNvSpPr>
@@ -14424,17 +14626,17 @@
           <a:lstStyle/>
           <a:p>
             <a:r>
-              <a:rPr lang="it-IT"/>
-              <a:t>INFDEV026A - G. Costantini, F. Di Giacomo, G. Maggiore</a:t>
-            </a:r>
-            <a:endParaRPr lang="en-GB"/>
+              <a:rPr lang="it-IT" dirty="0"/>
+              <a:t>INFDEV036A - G. Costantini, F. Di Giacomo</a:t>
+            </a:r>
+            <a:endParaRPr lang="en-GB" dirty="0"/>
           </a:p>
         </p:txBody>
       </p:sp>
     </p:spTree>
     <p:extLst>
       <p:ext uri="{BB962C8B-B14F-4D97-AF65-F5344CB8AC3E}">
-        <p14:creationId xmlns:p14="http://schemas.microsoft.com/office/powerpoint/2010/main" val="3388158669"/>
+        <p14:creationId xmlns:p14="http://schemas.microsoft.com/office/powerpoint/2010/main" val="3005854515"/>
       </p:ext>
     </p:extLst>
   </p:cSld>
@@ -14508,25 +14710,52 @@
           <a:p>
             <a:r>
               <a:rPr lang="en-US" dirty="0"/>
-              <a:t>Example</a:t>
+              <a:t>Single-source shortest path problem</a:t>
             </a:r>
           </a:p>
           <a:p>
             <a:pPr lvl="1"/>
             <a:r>
               <a:rPr lang="en-US" dirty="0"/>
-              <a:t>Starting node </a:t>
-            </a:r>
-            <a:r>
-              <a:rPr lang="en-US" b="1" dirty="0"/>
-              <a:t>A</a:t>
+              <a:t>for a given source vertex (node) in the graph, the algorithm finds the path with lowest cost (i.e., the shortest path) between that vertex and every other vertex</a:t>
+            </a:r>
+          </a:p>
+          <a:p>
+            <a:endParaRPr lang="en-US" dirty="0"/>
+          </a:p>
+          <a:p>
+            <a:r>
+              <a:rPr lang="en-US" dirty="0"/>
+              <a:t>Informal steps of the algorithm</a:t>
             </a:r>
           </a:p>
           <a:p>
             <a:pPr lvl="1"/>
-            <a:endParaRPr lang="en-US" dirty="0"/>
-          </a:p>
-          <a:p>
+            <a:r>
+              <a:rPr lang="en-US" dirty="0"/>
+              <a:t>Pick the unvisited vertex with the lowest-distance</a:t>
+            </a:r>
+          </a:p>
+          <a:p>
+            <a:pPr lvl="1"/>
+            <a:r>
+              <a:rPr lang="en-US" dirty="0"/>
+              <a:t>Calculate the distance through it to each unvisited neighbor</a:t>
+            </a:r>
+          </a:p>
+          <a:p>
+            <a:pPr lvl="1"/>
+            <a:r>
+              <a:rPr lang="en-US" dirty="0"/>
+              <a:t>Update the neighbor's distance if smaller</a:t>
+            </a:r>
+          </a:p>
+          <a:p>
+            <a:pPr lvl="1"/>
+            <a:r>
+              <a:rPr lang="en-US" dirty="0"/>
+              <a:t>Mark as visited when done with neighbors</a:t>
+            </a:r>
             <a:endParaRPr lang="en-GB" dirty="0"/>
           </a:p>
         </p:txBody>
@@ -14548,766 +14777,57 @@
           <a:p>
             <a:r>
               <a:rPr lang="it-IT"/>
-              <a:t>INFDEV026A - G. Costantini, F. Di Giacomo, G. Maggiore</a:t>
+              <a:t>INFDEV036A - G. Costantini, F. Di Giacomo</a:t>
             </a:r>
             <a:endParaRPr lang="en-GB"/>
           </a:p>
         </p:txBody>
       </p:sp>
-      <p:sp>
-        <p:nvSpPr>
-          <p:cNvPr id="5" name="Oval 4"/>
-          <p:cNvSpPr/>
+      <p:pic>
+        <p:nvPicPr>
+          <p:cNvPr id="1026" name="Picture 2" descr="Dijkstra's algorithm runtime"/>
+          <p:cNvPicPr>
+            <a:picLocks noChangeAspect="1" noChangeArrowheads="1" noCrop="1"/>
+          </p:cNvPicPr>
           <p:nvPr/>
-        </p:nvSpPr>
-        <p:spPr>
+        </p:nvPicPr>
+        <p:blipFill>
+          <a:blip r:embed="rId3">
+            <a:extLst>
+              <a:ext uri="{28A0092B-C50C-407E-A947-70E740481C1C}">
+                <a14:useLocalDpi xmlns:a14="http://schemas.microsoft.com/office/drawing/2010/main" val="0"/>
+              </a:ext>
+            </a:extLst>
+          </a:blip>
+          <a:srcRect/>
+          <a:stretch>
+            <a:fillRect/>
+          </a:stretch>
+        </p:blipFill>
+        <p:spPr bwMode="auto">
           <a:xfrm>
-            <a:off x="2095928" y="3657599"/>
-            <a:ext cx="513708" cy="513707"/>
-          </a:xfrm>
-          <a:prstGeom prst="ellipse">
-            <a:avLst/>
-          </a:prstGeom>
-        </p:spPr>
-        <p:style>
-          <a:lnRef idx="2">
-            <a:schemeClr val="dk1"/>
-          </a:lnRef>
-          <a:fillRef idx="1">
-            <a:schemeClr val="lt1"/>
-          </a:fillRef>
-          <a:effectRef idx="0">
-            <a:schemeClr val="dk1"/>
-          </a:effectRef>
-          <a:fontRef idx="minor">
-            <a:schemeClr val="dk1"/>
-          </a:fontRef>
-        </p:style>
-        <p:txBody>
-          <a:bodyPr rtlCol="0" anchor="ctr"/>
-          <a:lstStyle/>
-          <a:p>
-            <a:pPr algn="ctr"/>
-            <a:r>
-              <a:rPr lang="en-GB" dirty="0"/>
-              <a:t>A</a:t>
-            </a:r>
-          </a:p>
-        </p:txBody>
-      </p:sp>
-      <p:sp>
-        <p:nvSpPr>
-          <p:cNvPr id="6" name="Oval 5"/>
-          <p:cNvSpPr/>
-          <p:nvPr/>
-        </p:nvSpPr>
-        <p:spPr>
-          <a:xfrm>
-            <a:off x="3388759" y="2668714"/>
-            <a:ext cx="513708" cy="513707"/>
-          </a:xfrm>
-          <a:prstGeom prst="ellipse">
-            <a:avLst/>
-          </a:prstGeom>
-        </p:spPr>
-        <p:style>
-          <a:lnRef idx="2">
-            <a:schemeClr val="dk1"/>
-          </a:lnRef>
-          <a:fillRef idx="1">
-            <a:schemeClr val="lt1"/>
-          </a:fillRef>
-          <a:effectRef idx="0">
-            <a:schemeClr val="dk1"/>
-          </a:effectRef>
-          <a:fontRef idx="minor">
-            <a:schemeClr val="dk1"/>
-          </a:fontRef>
-        </p:style>
-        <p:txBody>
-          <a:bodyPr rtlCol="0" anchor="ctr"/>
-          <a:lstStyle/>
-          <a:p>
-            <a:pPr algn="ctr"/>
-            <a:r>
-              <a:rPr lang="en-GB" dirty="0"/>
-              <a:t>B</a:t>
-            </a:r>
-          </a:p>
-        </p:txBody>
-      </p:sp>
-      <p:sp>
-        <p:nvSpPr>
-          <p:cNvPr id="7" name="Oval 6"/>
-          <p:cNvSpPr/>
-          <p:nvPr/>
-        </p:nvSpPr>
-        <p:spPr>
-          <a:xfrm>
-            <a:off x="3388759" y="4721054"/>
-            <a:ext cx="513708" cy="513707"/>
-          </a:xfrm>
-          <a:prstGeom prst="ellipse">
-            <a:avLst/>
-          </a:prstGeom>
-        </p:spPr>
-        <p:style>
-          <a:lnRef idx="2">
-            <a:schemeClr val="dk1"/>
-          </a:lnRef>
-          <a:fillRef idx="1">
-            <a:schemeClr val="lt1"/>
-          </a:fillRef>
-          <a:effectRef idx="0">
-            <a:schemeClr val="dk1"/>
-          </a:effectRef>
-          <a:fontRef idx="minor">
-            <a:schemeClr val="dk1"/>
-          </a:fontRef>
-        </p:style>
-        <p:txBody>
-          <a:bodyPr rtlCol="0" anchor="ctr"/>
-          <a:lstStyle/>
-          <a:p>
-            <a:pPr algn="ctr"/>
-            <a:r>
-              <a:rPr lang="en-GB" dirty="0"/>
-              <a:t>C</a:t>
-            </a:r>
-          </a:p>
-        </p:txBody>
-      </p:sp>
-      <p:sp>
-        <p:nvSpPr>
-          <p:cNvPr id="8" name="Oval 7"/>
-          <p:cNvSpPr/>
-          <p:nvPr/>
-        </p:nvSpPr>
-        <p:spPr>
-          <a:xfrm>
-            <a:off x="4975668" y="4721053"/>
-            <a:ext cx="513708" cy="513707"/>
-          </a:xfrm>
-          <a:prstGeom prst="ellipse">
-            <a:avLst/>
-          </a:prstGeom>
-        </p:spPr>
-        <p:style>
-          <a:lnRef idx="2">
-            <a:schemeClr val="dk1"/>
-          </a:lnRef>
-          <a:fillRef idx="1">
-            <a:schemeClr val="lt1"/>
-          </a:fillRef>
-          <a:effectRef idx="0">
-            <a:schemeClr val="dk1"/>
-          </a:effectRef>
-          <a:fontRef idx="minor">
-            <a:schemeClr val="dk1"/>
-          </a:fontRef>
-        </p:style>
-        <p:txBody>
-          <a:bodyPr rtlCol="0" anchor="ctr"/>
-          <a:lstStyle/>
-          <a:p>
-            <a:pPr algn="ctr"/>
-            <a:r>
-              <a:rPr lang="en-GB" dirty="0"/>
-              <a:t>D</a:t>
-            </a:r>
-          </a:p>
-        </p:txBody>
-      </p:sp>
-      <p:sp>
-        <p:nvSpPr>
-          <p:cNvPr id="9" name="Oval 8"/>
-          <p:cNvSpPr/>
-          <p:nvPr/>
-        </p:nvSpPr>
-        <p:spPr>
-          <a:xfrm>
-            <a:off x="4975668" y="2667732"/>
-            <a:ext cx="513708" cy="513707"/>
-          </a:xfrm>
-          <a:prstGeom prst="ellipse">
-            <a:avLst/>
-          </a:prstGeom>
-        </p:spPr>
-        <p:style>
-          <a:lnRef idx="2">
-            <a:schemeClr val="dk1"/>
-          </a:lnRef>
-          <a:fillRef idx="1">
-            <a:schemeClr val="lt1"/>
-          </a:fillRef>
-          <a:effectRef idx="0">
-            <a:schemeClr val="dk1"/>
-          </a:effectRef>
-          <a:fontRef idx="minor">
-            <a:schemeClr val="dk1"/>
-          </a:fontRef>
-        </p:style>
-        <p:txBody>
-          <a:bodyPr rtlCol="0" anchor="ctr"/>
-          <a:lstStyle/>
-          <a:p>
-            <a:pPr algn="ctr"/>
-            <a:r>
-              <a:rPr lang="en-GB" dirty="0"/>
-              <a:t>E</a:t>
-            </a:r>
-          </a:p>
-        </p:txBody>
-      </p:sp>
-      <p:sp>
-        <p:nvSpPr>
-          <p:cNvPr id="10" name="Oval 9"/>
-          <p:cNvSpPr/>
-          <p:nvPr/>
-        </p:nvSpPr>
-        <p:spPr>
-          <a:xfrm>
-            <a:off x="6637105" y="3657599"/>
-            <a:ext cx="513708" cy="513707"/>
-          </a:xfrm>
-          <a:prstGeom prst="ellipse">
-            <a:avLst/>
-          </a:prstGeom>
-        </p:spPr>
-        <p:style>
-          <a:lnRef idx="2">
-            <a:schemeClr val="dk1"/>
-          </a:lnRef>
-          <a:fillRef idx="1">
-            <a:schemeClr val="lt1"/>
-          </a:fillRef>
-          <a:effectRef idx="0">
-            <a:schemeClr val="dk1"/>
-          </a:effectRef>
-          <a:fontRef idx="minor">
-            <a:schemeClr val="dk1"/>
-          </a:fontRef>
-        </p:style>
-        <p:txBody>
-          <a:bodyPr rtlCol="0" anchor="ctr"/>
-          <a:lstStyle/>
-          <a:p>
-            <a:pPr algn="ctr"/>
-            <a:r>
-              <a:rPr lang="en-GB" dirty="0"/>
-              <a:t>F</a:t>
-            </a:r>
-          </a:p>
-        </p:txBody>
-      </p:sp>
-      <p:cxnSp>
-        <p:nvCxnSpPr>
-          <p:cNvPr id="12" name="Straight Connector 11"/>
-          <p:cNvCxnSpPr>
-            <a:stCxn id="5" idx="7"/>
-            <a:endCxn id="6" idx="3"/>
-          </p:cNvCxnSpPr>
-          <p:nvPr/>
-        </p:nvCxnSpPr>
-        <p:spPr>
-          <a:xfrm flipV="1">
-            <a:off x="2534405" y="3107190"/>
-            <a:ext cx="929585" cy="625640"/>
-          </a:xfrm>
-          <a:prstGeom prst="line">
-            <a:avLst/>
-          </a:prstGeom>
-          <a:ln w="28575"/>
-        </p:spPr>
-        <p:style>
-          <a:lnRef idx="1">
-            <a:schemeClr val="dk1"/>
-          </a:lnRef>
-          <a:fillRef idx="0">
-            <a:schemeClr val="dk1"/>
-          </a:fillRef>
-          <a:effectRef idx="0">
-            <a:schemeClr val="dk1"/>
-          </a:effectRef>
-          <a:fontRef idx="minor">
-            <a:schemeClr val="tx1"/>
-          </a:fontRef>
-        </p:style>
-      </p:cxnSp>
-      <p:cxnSp>
-        <p:nvCxnSpPr>
-          <p:cNvPr id="13" name="Straight Connector 12"/>
-          <p:cNvCxnSpPr>
-            <a:stCxn id="5" idx="5"/>
-            <a:endCxn id="7" idx="1"/>
-          </p:cNvCxnSpPr>
-          <p:nvPr/>
-        </p:nvCxnSpPr>
-        <p:spPr>
-          <a:xfrm>
-            <a:off x="2534405" y="4096075"/>
-            <a:ext cx="929585" cy="700210"/>
-          </a:xfrm>
-          <a:prstGeom prst="line">
-            <a:avLst/>
-          </a:prstGeom>
-          <a:ln w="28575"/>
-        </p:spPr>
-        <p:style>
-          <a:lnRef idx="1">
-            <a:schemeClr val="dk1"/>
-          </a:lnRef>
-          <a:fillRef idx="0">
-            <a:schemeClr val="dk1"/>
-          </a:fillRef>
-          <a:effectRef idx="0">
-            <a:schemeClr val="dk1"/>
-          </a:effectRef>
-          <a:fontRef idx="minor">
-            <a:schemeClr val="tx1"/>
-          </a:fontRef>
-        </p:style>
-      </p:cxnSp>
-      <p:cxnSp>
-        <p:nvCxnSpPr>
-          <p:cNvPr id="21" name="Straight Connector 20"/>
-          <p:cNvCxnSpPr>
-            <a:stCxn id="8" idx="0"/>
-            <a:endCxn id="9" idx="4"/>
-          </p:cNvCxnSpPr>
-          <p:nvPr/>
-        </p:nvCxnSpPr>
-        <p:spPr>
-          <a:xfrm flipV="1">
-            <a:off x="5232522" y="3181439"/>
-            <a:ext cx="0" cy="1539614"/>
-          </a:xfrm>
-          <a:prstGeom prst="line">
-            <a:avLst/>
-          </a:prstGeom>
-          <a:ln w="28575"/>
-        </p:spPr>
-        <p:style>
-          <a:lnRef idx="1">
-            <a:schemeClr val="dk1"/>
-          </a:lnRef>
-          <a:fillRef idx="0">
-            <a:schemeClr val="dk1"/>
-          </a:fillRef>
-          <a:effectRef idx="0">
-            <a:schemeClr val="dk1"/>
-          </a:effectRef>
-          <a:fontRef idx="minor">
-            <a:schemeClr val="tx1"/>
-          </a:fontRef>
-        </p:style>
-      </p:cxnSp>
-      <p:cxnSp>
-        <p:nvCxnSpPr>
-          <p:cNvPr id="24" name="Straight Connector 23"/>
-          <p:cNvCxnSpPr>
-            <a:stCxn id="7" idx="6"/>
-            <a:endCxn id="8" idx="2"/>
-          </p:cNvCxnSpPr>
-          <p:nvPr/>
-        </p:nvCxnSpPr>
-        <p:spPr>
-          <a:xfrm flipV="1">
-            <a:off x="3902467" y="4977907"/>
-            <a:ext cx="1073201" cy="1"/>
-          </a:xfrm>
-          <a:prstGeom prst="line">
-            <a:avLst/>
-          </a:prstGeom>
-          <a:ln w="28575"/>
-        </p:spPr>
-        <p:style>
-          <a:lnRef idx="1">
-            <a:schemeClr val="dk1"/>
-          </a:lnRef>
-          <a:fillRef idx="0">
-            <a:schemeClr val="dk1"/>
-          </a:fillRef>
-          <a:effectRef idx="0">
-            <a:schemeClr val="dk1"/>
-          </a:effectRef>
-          <a:fontRef idx="minor">
-            <a:schemeClr val="tx1"/>
-          </a:fontRef>
-        </p:style>
-      </p:cxnSp>
-      <p:cxnSp>
-        <p:nvCxnSpPr>
-          <p:cNvPr id="27" name="Straight Connector 26"/>
-          <p:cNvCxnSpPr>
-            <a:stCxn id="10" idx="1"/>
-            <a:endCxn id="9" idx="5"/>
-          </p:cNvCxnSpPr>
-          <p:nvPr/>
-        </p:nvCxnSpPr>
-        <p:spPr>
-          <a:xfrm flipH="1" flipV="1">
-            <a:off x="5414145" y="3106208"/>
-            <a:ext cx="1298191" cy="626622"/>
-          </a:xfrm>
-          <a:prstGeom prst="line">
-            <a:avLst/>
-          </a:prstGeom>
-          <a:ln w="28575"/>
-        </p:spPr>
-        <p:style>
-          <a:lnRef idx="1">
-            <a:schemeClr val="dk1"/>
-          </a:lnRef>
-          <a:fillRef idx="0">
-            <a:schemeClr val="dk1"/>
-          </a:fillRef>
-          <a:effectRef idx="0">
-            <a:schemeClr val="dk1"/>
-          </a:effectRef>
-          <a:fontRef idx="minor">
-            <a:schemeClr val="tx1"/>
-          </a:fontRef>
-        </p:style>
-      </p:cxnSp>
-      <p:cxnSp>
-        <p:nvCxnSpPr>
-          <p:cNvPr id="32" name="Straight Connector 31"/>
-          <p:cNvCxnSpPr>
-            <a:stCxn id="8" idx="6"/>
-            <a:endCxn id="10" idx="3"/>
-          </p:cNvCxnSpPr>
-          <p:nvPr/>
-        </p:nvCxnSpPr>
-        <p:spPr>
-          <a:xfrm flipV="1">
-            <a:off x="5489376" y="4096075"/>
-            <a:ext cx="1222960" cy="881832"/>
-          </a:xfrm>
-          <a:prstGeom prst="line">
-            <a:avLst/>
-          </a:prstGeom>
-          <a:ln w="28575"/>
-        </p:spPr>
-        <p:style>
-          <a:lnRef idx="1">
-            <a:schemeClr val="dk1"/>
-          </a:lnRef>
-          <a:fillRef idx="0">
-            <a:schemeClr val="dk1"/>
-          </a:fillRef>
-          <a:effectRef idx="0">
-            <a:schemeClr val="dk1"/>
-          </a:effectRef>
-          <a:fontRef idx="minor">
-            <a:schemeClr val="tx1"/>
-          </a:fontRef>
-        </p:style>
-      </p:cxnSp>
-      <p:cxnSp>
-        <p:nvCxnSpPr>
-          <p:cNvPr id="35" name="Straight Connector 34"/>
-          <p:cNvCxnSpPr>
-            <a:stCxn id="6" idx="5"/>
-            <a:endCxn id="8" idx="1"/>
-          </p:cNvCxnSpPr>
-          <p:nvPr/>
-        </p:nvCxnSpPr>
-        <p:spPr>
-          <a:xfrm>
-            <a:off x="3827236" y="3107190"/>
-            <a:ext cx="1223663" cy="1689094"/>
-          </a:xfrm>
-          <a:prstGeom prst="line">
-            <a:avLst/>
-          </a:prstGeom>
-          <a:ln w="28575"/>
-        </p:spPr>
-        <p:style>
-          <a:lnRef idx="1">
-            <a:schemeClr val="dk1"/>
-          </a:lnRef>
-          <a:fillRef idx="0">
-            <a:schemeClr val="dk1"/>
-          </a:fillRef>
-          <a:effectRef idx="0">
-            <a:schemeClr val="dk1"/>
-          </a:effectRef>
-          <a:fontRef idx="minor">
-            <a:schemeClr val="tx1"/>
-          </a:fontRef>
-        </p:style>
-      </p:cxnSp>
-      <p:sp>
-        <p:nvSpPr>
-          <p:cNvPr id="38" name="TextBox 37"/>
-          <p:cNvSpPr txBox="1"/>
-          <p:nvPr/>
-        </p:nvSpPr>
-        <p:spPr>
-          <a:xfrm>
-            <a:off x="2743200" y="3106208"/>
-            <a:ext cx="255997" cy="369332"/>
+            <a:off x="7211001" y="3313979"/>
+            <a:ext cx="4278663" cy="3356407"/>
           </a:xfrm>
           <a:prstGeom prst="rect">
             <a:avLst/>
           </a:prstGeom>
           <a:noFill/>
-        </p:spPr>
-        <p:txBody>
-          <a:bodyPr wrap="square" rtlCol="0">
-            <a:spAutoFit/>
-          </a:bodyPr>
-          <a:lstStyle/>
-          <a:p>
-            <a:r>
-              <a:rPr lang="en-GB" dirty="0"/>
-              <a:t>8</a:t>
-            </a:r>
-          </a:p>
-        </p:txBody>
-      </p:sp>
-      <p:sp>
-        <p:nvSpPr>
-          <p:cNvPr id="40" name="TextBox 39"/>
-          <p:cNvSpPr txBox="1"/>
-          <p:nvPr/>
-        </p:nvSpPr>
-        <p:spPr>
-          <a:xfrm>
-            <a:off x="2769516" y="4421159"/>
-            <a:ext cx="255997" cy="369332"/>
-          </a:xfrm>
-          <a:prstGeom prst="rect">
-            <a:avLst/>
-          </a:prstGeom>
-          <a:noFill/>
-        </p:spPr>
-        <p:txBody>
-          <a:bodyPr wrap="square" rtlCol="0">
-            <a:spAutoFit/>
-          </a:bodyPr>
-          <a:lstStyle/>
-          <a:p>
-            <a:r>
-              <a:rPr lang="en-GB" dirty="0"/>
-              <a:t>1</a:t>
-            </a:r>
-          </a:p>
-        </p:txBody>
-      </p:sp>
-      <p:sp>
-        <p:nvSpPr>
-          <p:cNvPr id="41" name="TextBox 40"/>
-          <p:cNvSpPr txBox="1"/>
-          <p:nvPr/>
-        </p:nvSpPr>
-        <p:spPr>
-          <a:xfrm>
-            <a:off x="4349728" y="3419519"/>
-            <a:ext cx="255997" cy="369332"/>
-          </a:xfrm>
-          <a:prstGeom prst="rect">
-            <a:avLst/>
-          </a:prstGeom>
-          <a:noFill/>
-        </p:spPr>
-        <p:txBody>
-          <a:bodyPr wrap="square" rtlCol="0">
-            <a:spAutoFit/>
-          </a:bodyPr>
-          <a:lstStyle/>
-          <a:p>
-            <a:r>
-              <a:rPr lang="en-GB" dirty="0"/>
-              <a:t>2</a:t>
-            </a:r>
-          </a:p>
-        </p:txBody>
-      </p:sp>
-      <p:sp>
-        <p:nvSpPr>
-          <p:cNvPr id="42" name="TextBox 41"/>
-          <p:cNvSpPr txBox="1"/>
-          <p:nvPr/>
-        </p:nvSpPr>
-        <p:spPr>
-          <a:xfrm>
-            <a:off x="4265713" y="4976185"/>
-            <a:ext cx="255997" cy="369332"/>
-          </a:xfrm>
-          <a:prstGeom prst="rect">
-            <a:avLst/>
-          </a:prstGeom>
-          <a:noFill/>
-        </p:spPr>
-        <p:txBody>
-          <a:bodyPr wrap="square" rtlCol="0">
-            <a:spAutoFit/>
-          </a:bodyPr>
-          <a:lstStyle/>
-          <a:p>
-            <a:r>
-              <a:rPr lang="en-GB" dirty="0"/>
-              <a:t>3</a:t>
-            </a:r>
-          </a:p>
-        </p:txBody>
-      </p:sp>
-      <p:sp>
-        <p:nvSpPr>
-          <p:cNvPr id="43" name="TextBox 42"/>
-          <p:cNvSpPr txBox="1"/>
-          <p:nvPr/>
-        </p:nvSpPr>
-        <p:spPr>
-          <a:xfrm>
-            <a:off x="5232521" y="3657599"/>
-            <a:ext cx="255997" cy="369332"/>
-          </a:xfrm>
-          <a:prstGeom prst="rect">
-            <a:avLst/>
-          </a:prstGeom>
-          <a:noFill/>
-        </p:spPr>
-        <p:txBody>
-          <a:bodyPr wrap="square" rtlCol="0">
-            <a:spAutoFit/>
-          </a:bodyPr>
-          <a:lstStyle/>
-          <a:p>
-            <a:r>
-              <a:rPr lang="en-GB" dirty="0"/>
-              <a:t>4</a:t>
-            </a:r>
-          </a:p>
-        </p:txBody>
-      </p:sp>
-      <p:sp>
-        <p:nvSpPr>
-          <p:cNvPr id="44" name="TextBox 43"/>
-          <p:cNvSpPr txBox="1"/>
-          <p:nvPr/>
-        </p:nvSpPr>
-        <p:spPr>
-          <a:xfrm>
-            <a:off x="6079619" y="4536991"/>
-            <a:ext cx="255997" cy="369332"/>
-          </a:xfrm>
-          <a:prstGeom prst="rect">
-            <a:avLst/>
-          </a:prstGeom>
-          <a:noFill/>
-        </p:spPr>
-        <p:txBody>
-          <a:bodyPr wrap="square" rtlCol="0">
-            <a:spAutoFit/>
-          </a:bodyPr>
-          <a:lstStyle/>
-          <a:p>
-            <a:r>
-              <a:rPr lang="en-GB" dirty="0"/>
-              <a:t>6</a:t>
-            </a:r>
-          </a:p>
-        </p:txBody>
-      </p:sp>
-      <p:sp>
-        <p:nvSpPr>
-          <p:cNvPr id="45" name="TextBox 44"/>
-          <p:cNvSpPr txBox="1"/>
-          <p:nvPr/>
-        </p:nvSpPr>
-        <p:spPr>
-          <a:xfrm>
-            <a:off x="6012502" y="3032620"/>
-            <a:ext cx="255997" cy="369332"/>
-          </a:xfrm>
-          <a:prstGeom prst="rect">
-            <a:avLst/>
-          </a:prstGeom>
-          <a:noFill/>
-        </p:spPr>
-        <p:txBody>
-          <a:bodyPr wrap="square" rtlCol="0">
-            <a:spAutoFit/>
-          </a:bodyPr>
-          <a:lstStyle/>
-          <a:p>
-            <a:r>
-              <a:rPr lang="en-GB" dirty="0"/>
-              <a:t>1</a:t>
-            </a:r>
-          </a:p>
-        </p:txBody>
-      </p:sp>
-      <p:sp>
-        <p:nvSpPr>
-          <p:cNvPr id="11" name="Rechthoek 10"/>
-          <p:cNvSpPr/>
-          <p:nvPr/>
-        </p:nvSpPr>
-        <p:spPr>
-          <a:xfrm>
-            <a:off x="2388416" y="5712233"/>
-            <a:ext cx="6200203" cy="954107"/>
-          </a:xfrm>
-          <a:prstGeom prst="rect">
-            <a:avLst/>
-          </a:prstGeom>
-        </p:spPr>
-        <p:txBody>
-          <a:bodyPr wrap="square">
-            <a:spAutoFit/>
-          </a:bodyPr>
-          <a:lstStyle/>
-          <a:p>
-            <a:pPr marL="742950" lvl="1" indent="-285750">
-              <a:buFont typeface="Arial" panose="020B0604020202020204" pitchFamily="34" charset="0"/>
-              <a:buChar char="•"/>
-            </a:pPr>
-            <a:r>
-              <a:rPr lang="en-US" sz="1400" dirty="0"/>
-              <a:t>Pick the unvisited vertex with the lowest-distance</a:t>
-            </a:r>
-          </a:p>
-          <a:p>
-            <a:pPr marL="742950" lvl="1" indent="-285750">
-              <a:buFont typeface="Arial" panose="020B0604020202020204" pitchFamily="34" charset="0"/>
-              <a:buChar char="•"/>
-            </a:pPr>
-            <a:r>
-              <a:rPr lang="en-US" sz="1400" dirty="0"/>
-              <a:t>Calculate the distance through it to each unvisited neighbor</a:t>
-            </a:r>
-          </a:p>
-          <a:p>
-            <a:pPr marL="742950" lvl="1" indent="-285750">
-              <a:buFont typeface="Arial" panose="020B0604020202020204" pitchFamily="34" charset="0"/>
-              <a:buChar char="•"/>
-            </a:pPr>
-            <a:r>
-              <a:rPr lang="en-US" sz="1400" dirty="0"/>
-              <a:t>Update the neighbor's distance if smaller</a:t>
-            </a:r>
-          </a:p>
-          <a:p>
-            <a:pPr marL="742950" lvl="1" indent="-285750">
-              <a:buFont typeface="Arial" panose="020B0604020202020204" pitchFamily="34" charset="0"/>
-              <a:buChar char="•"/>
-            </a:pPr>
-            <a:r>
-              <a:rPr lang="en-US" sz="1400" dirty="0"/>
-              <a:t>Mark as visited when done with neighbors</a:t>
-            </a:r>
-            <a:endParaRPr lang="nl-NL" sz="1400" dirty="0"/>
-          </a:p>
-        </p:txBody>
-      </p:sp>
+          <a:extLst>
+            <a:ext uri="{909E8E84-426E-40DD-AFC4-6F175D3DCCD1}">
+              <a14:hiddenFill xmlns:a14="http://schemas.microsoft.com/office/drawing/2010/main">
+                <a:solidFill>
+                  <a:srgbClr val="FFFFFF"/>
+                </a:solidFill>
+              </a14:hiddenFill>
+            </a:ext>
+          </a:extLst>
+        </p:spPr>
+      </p:pic>
     </p:spTree>
     <p:extLst>
       <p:ext uri="{BB962C8B-B14F-4D97-AF65-F5344CB8AC3E}">
-        <p14:creationId xmlns:p14="http://schemas.microsoft.com/office/powerpoint/2010/main" val="1770096607"/>
+        <p14:creationId xmlns:p14="http://schemas.microsoft.com/office/powerpoint/2010/main" val="1596923112"/>
       </p:ext>
     </p:extLst>
   </p:cSld>
@@ -15396,6 +14916,10 @@
             </a:r>
           </a:p>
           <a:p>
+            <a:pPr lvl="1"/>
+            <a:endParaRPr lang="en-US" dirty="0"/>
+          </a:p>
+          <a:p>
             <a:endParaRPr lang="en-GB" dirty="0"/>
           </a:p>
         </p:txBody>
@@ -15417,7 +14941,876 @@
           <a:p>
             <a:r>
               <a:rPr lang="it-IT"/>
-              <a:t>INFDEV026A - G. Costantini, F. Di Giacomo, G. Maggiore</a:t>
+              <a:t>INFDEV036A - G. Costantini, F. Di Giacomo</a:t>
+            </a:r>
+            <a:endParaRPr lang="en-GB"/>
+          </a:p>
+        </p:txBody>
+      </p:sp>
+      <p:sp>
+        <p:nvSpPr>
+          <p:cNvPr id="5" name="Oval 4"/>
+          <p:cNvSpPr/>
+          <p:nvPr/>
+        </p:nvSpPr>
+        <p:spPr>
+          <a:xfrm>
+            <a:off x="2095928" y="3657599"/>
+            <a:ext cx="513708" cy="513707"/>
+          </a:xfrm>
+          <a:prstGeom prst="ellipse">
+            <a:avLst/>
+          </a:prstGeom>
+        </p:spPr>
+        <p:style>
+          <a:lnRef idx="2">
+            <a:schemeClr val="dk1"/>
+          </a:lnRef>
+          <a:fillRef idx="1">
+            <a:schemeClr val="lt1"/>
+          </a:fillRef>
+          <a:effectRef idx="0">
+            <a:schemeClr val="dk1"/>
+          </a:effectRef>
+          <a:fontRef idx="minor">
+            <a:schemeClr val="dk1"/>
+          </a:fontRef>
+        </p:style>
+        <p:txBody>
+          <a:bodyPr rtlCol="0" anchor="ctr"/>
+          <a:lstStyle/>
+          <a:p>
+            <a:pPr algn="ctr"/>
+            <a:r>
+              <a:rPr lang="en-GB" dirty="0"/>
+              <a:t>A</a:t>
+            </a:r>
+          </a:p>
+        </p:txBody>
+      </p:sp>
+      <p:sp>
+        <p:nvSpPr>
+          <p:cNvPr id="6" name="Oval 5"/>
+          <p:cNvSpPr/>
+          <p:nvPr/>
+        </p:nvSpPr>
+        <p:spPr>
+          <a:xfrm>
+            <a:off x="3388759" y="2668714"/>
+            <a:ext cx="513708" cy="513707"/>
+          </a:xfrm>
+          <a:prstGeom prst="ellipse">
+            <a:avLst/>
+          </a:prstGeom>
+        </p:spPr>
+        <p:style>
+          <a:lnRef idx="2">
+            <a:schemeClr val="dk1"/>
+          </a:lnRef>
+          <a:fillRef idx="1">
+            <a:schemeClr val="lt1"/>
+          </a:fillRef>
+          <a:effectRef idx="0">
+            <a:schemeClr val="dk1"/>
+          </a:effectRef>
+          <a:fontRef idx="minor">
+            <a:schemeClr val="dk1"/>
+          </a:fontRef>
+        </p:style>
+        <p:txBody>
+          <a:bodyPr rtlCol="0" anchor="ctr"/>
+          <a:lstStyle/>
+          <a:p>
+            <a:pPr algn="ctr"/>
+            <a:r>
+              <a:rPr lang="en-GB" dirty="0"/>
+              <a:t>B</a:t>
+            </a:r>
+          </a:p>
+        </p:txBody>
+      </p:sp>
+      <p:sp>
+        <p:nvSpPr>
+          <p:cNvPr id="7" name="Oval 6"/>
+          <p:cNvSpPr/>
+          <p:nvPr/>
+        </p:nvSpPr>
+        <p:spPr>
+          <a:xfrm>
+            <a:off x="3388759" y="4721054"/>
+            <a:ext cx="513708" cy="513707"/>
+          </a:xfrm>
+          <a:prstGeom prst="ellipse">
+            <a:avLst/>
+          </a:prstGeom>
+        </p:spPr>
+        <p:style>
+          <a:lnRef idx="2">
+            <a:schemeClr val="dk1"/>
+          </a:lnRef>
+          <a:fillRef idx="1">
+            <a:schemeClr val="lt1"/>
+          </a:fillRef>
+          <a:effectRef idx="0">
+            <a:schemeClr val="dk1"/>
+          </a:effectRef>
+          <a:fontRef idx="minor">
+            <a:schemeClr val="dk1"/>
+          </a:fontRef>
+        </p:style>
+        <p:txBody>
+          <a:bodyPr rtlCol="0" anchor="ctr"/>
+          <a:lstStyle/>
+          <a:p>
+            <a:pPr algn="ctr"/>
+            <a:r>
+              <a:rPr lang="en-GB" dirty="0"/>
+              <a:t>C</a:t>
+            </a:r>
+          </a:p>
+        </p:txBody>
+      </p:sp>
+      <p:sp>
+        <p:nvSpPr>
+          <p:cNvPr id="8" name="Oval 7"/>
+          <p:cNvSpPr/>
+          <p:nvPr/>
+        </p:nvSpPr>
+        <p:spPr>
+          <a:xfrm>
+            <a:off x="4975668" y="4721053"/>
+            <a:ext cx="513708" cy="513707"/>
+          </a:xfrm>
+          <a:prstGeom prst="ellipse">
+            <a:avLst/>
+          </a:prstGeom>
+        </p:spPr>
+        <p:style>
+          <a:lnRef idx="2">
+            <a:schemeClr val="dk1"/>
+          </a:lnRef>
+          <a:fillRef idx="1">
+            <a:schemeClr val="lt1"/>
+          </a:fillRef>
+          <a:effectRef idx="0">
+            <a:schemeClr val="dk1"/>
+          </a:effectRef>
+          <a:fontRef idx="minor">
+            <a:schemeClr val="dk1"/>
+          </a:fontRef>
+        </p:style>
+        <p:txBody>
+          <a:bodyPr rtlCol="0" anchor="ctr"/>
+          <a:lstStyle/>
+          <a:p>
+            <a:pPr algn="ctr"/>
+            <a:r>
+              <a:rPr lang="en-GB" dirty="0"/>
+              <a:t>D</a:t>
+            </a:r>
+          </a:p>
+        </p:txBody>
+      </p:sp>
+      <p:sp>
+        <p:nvSpPr>
+          <p:cNvPr id="9" name="Oval 8"/>
+          <p:cNvSpPr/>
+          <p:nvPr/>
+        </p:nvSpPr>
+        <p:spPr>
+          <a:xfrm>
+            <a:off x="4975668" y="2667732"/>
+            <a:ext cx="513708" cy="513707"/>
+          </a:xfrm>
+          <a:prstGeom prst="ellipse">
+            <a:avLst/>
+          </a:prstGeom>
+        </p:spPr>
+        <p:style>
+          <a:lnRef idx="2">
+            <a:schemeClr val="dk1"/>
+          </a:lnRef>
+          <a:fillRef idx="1">
+            <a:schemeClr val="lt1"/>
+          </a:fillRef>
+          <a:effectRef idx="0">
+            <a:schemeClr val="dk1"/>
+          </a:effectRef>
+          <a:fontRef idx="minor">
+            <a:schemeClr val="dk1"/>
+          </a:fontRef>
+        </p:style>
+        <p:txBody>
+          <a:bodyPr rtlCol="0" anchor="ctr"/>
+          <a:lstStyle/>
+          <a:p>
+            <a:pPr algn="ctr"/>
+            <a:r>
+              <a:rPr lang="en-GB" dirty="0"/>
+              <a:t>E</a:t>
+            </a:r>
+          </a:p>
+        </p:txBody>
+      </p:sp>
+      <p:sp>
+        <p:nvSpPr>
+          <p:cNvPr id="10" name="Oval 9"/>
+          <p:cNvSpPr/>
+          <p:nvPr/>
+        </p:nvSpPr>
+        <p:spPr>
+          <a:xfrm>
+            <a:off x="6637105" y="3657599"/>
+            <a:ext cx="513708" cy="513707"/>
+          </a:xfrm>
+          <a:prstGeom prst="ellipse">
+            <a:avLst/>
+          </a:prstGeom>
+        </p:spPr>
+        <p:style>
+          <a:lnRef idx="2">
+            <a:schemeClr val="dk1"/>
+          </a:lnRef>
+          <a:fillRef idx="1">
+            <a:schemeClr val="lt1"/>
+          </a:fillRef>
+          <a:effectRef idx="0">
+            <a:schemeClr val="dk1"/>
+          </a:effectRef>
+          <a:fontRef idx="minor">
+            <a:schemeClr val="dk1"/>
+          </a:fontRef>
+        </p:style>
+        <p:txBody>
+          <a:bodyPr rtlCol="0" anchor="ctr"/>
+          <a:lstStyle/>
+          <a:p>
+            <a:pPr algn="ctr"/>
+            <a:r>
+              <a:rPr lang="en-GB" dirty="0"/>
+              <a:t>F</a:t>
+            </a:r>
+          </a:p>
+        </p:txBody>
+      </p:sp>
+      <p:cxnSp>
+        <p:nvCxnSpPr>
+          <p:cNvPr id="12" name="Straight Connector 11"/>
+          <p:cNvCxnSpPr>
+            <a:stCxn id="5" idx="7"/>
+            <a:endCxn id="6" idx="3"/>
+          </p:cNvCxnSpPr>
+          <p:nvPr/>
+        </p:nvCxnSpPr>
+        <p:spPr>
+          <a:xfrm flipV="1">
+            <a:off x="2534405" y="3107190"/>
+            <a:ext cx="929585" cy="625640"/>
+          </a:xfrm>
+          <a:prstGeom prst="line">
+            <a:avLst/>
+          </a:prstGeom>
+          <a:ln w="28575"/>
+        </p:spPr>
+        <p:style>
+          <a:lnRef idx="1">
+            <a:schemeClr val="dk1"/>
+          </a:lnRef>
+          <a:fillRef idx="0">
+            <a:schemeClr val="dk1"/>
+          </a:fillRef>
+          <a:effectRef idx="0">
+            <a:schemeClr val="dk1"/>
+          </a:effectRef>
+          <a:fontRef idx="minor">
+            <a:schemeClr val="tx1"/>
+          </a:fontRef>
+        </p:style>
+      </p:cxnSp>
+      <p:cxnSp>
+        <p:nvCxnSpPr>
+          <p:cNvPr id="13" name="Straight Connector 12"/>
+          <p:cNvCxnSpPr>
+            <a:stCxn id="5" idx="5"/>
+            <a:endCxn id="7" idx="1"/>
+          </p:cNvCxnSpPr>
+          <p:nvPr/>
+        </p:nvCxnSpPr>
+        <p:spPr>
+          <a:xfrm>
+            <a:off x="2534405" y="4096075"/>
+            <a:ext cx="929585" cy="700210"/>
+          </a:xfrm>
+          <a:prstGeom prst="line">
+            <a:avLst/>
+          </a:prstGeom>
+          <a:ln w="28575"/>
+        </p:spPr>
+        <p:style>
+          <a:lnRef idx="1">
+            <a:schemeClr val="dk1"/>
+          </a:lnRef>
+          <a:fillRef idx="0">
+            <a:schemeClr val="dk1"/>
+          </a:fillRef>
+          <a:effectRef idx="0">
+            <a:schemeClr val="dk1"/>
+          </a:effectRef>
+          <a:fontRef idx="minor">
+            <a:schemeClr val="tx1"/>
+          </a:fontRef>
+        </p:style>
+      </p:cxnSp>
+      <p:cxnSp>
+        <p:nvCxnSpPr>
+          <p:cNvPr id="21" name="Straight Connector 20"/>
+          <p:cNvCxnSpPr>
+            <a:stCxn id="8" idx="0"/>
+            <a:endCxn id="9" idx="4"/>
+          </p:cNvCxnSpPr>
+          <p:nvPr/>
+        </p:nvCxnSpPr>
+        <p:spPr>
+          <a:xfrm flipV="1">
+            <a:off x="5232522" y="3181439"/>
+            <a:ext cx="0" cy="1539614"/>
+          </a:xfrm>
+          <a:prstGeom prst="line">
+            <a:avLst/>
+          </a:prstGeom>
+          <a:ln w="28575"/>
+        </p:spPr>
+        <p:style>
+          <a:lnRef idx="1">
+            <a:schemeClr val="dk1"/>
+          </a:lnRef>
+          <a:fillRef idx="0">
+            <a:schemeClr val="dk1"/>
+          </a:fillRef>
+          <a:effectRef idx="0">
+            <a:schemeClr val="dk1"/>
+          </a:effectRef>
+          <a:fontRef idx="minor">
+            <a:schemeClr val="tx1"/>
+          </a:fontRef>
+        </p:style>
+      </p:cxnSp>
+      <p:cxnSp>
+        <p:nvCxnSpPr>
+          <p:cNvPr id="24" name="Straight Connector 23"/>
+          <p:cNvCxnSpPr>
+            <a:stCxn id="7" idx="6"/>
+            <a:endCxn id="8" idx="2"/>
+          </p:cNvCxnSpPr>
+          <p:nvPr/>
+        </p:nvCxnSpPr>
+        <p:spPr>
+          <a:xfrm flipV="1">
+            <a:off x="3902467" y="4977907"/>
+            <a:ext cx="1073201" cy="1"/>
+          </a:xfrm>
+          <a:prstGeom prst="line">
+            <a:avLst/>
+          </a:prstGeom>
+          <a:ln w="28575"/>
+        </p:spPr>
+        <p:style>
+          <a:lnRef idx="1">
+            <a:schemeClr val="dk1"/>
+          </a:lnRef>
+          <a:fillRef idx="0">
+            <a:schemeClr val="dk1"/>
+          </a:fillRef>
+          <a:effectRef idx="0">
+            <a:schemeClr val="dk1"/>
+          </a:effectRef>
+          <a:fontRef idx="minor">
+            <a:schemeClr val="tx1"/>
+          </a:fontRef>
+        </p:style>
+      </p:cxnSp>
+      <p:cxnSp>
+        <p:nvCxnSpPr>
+          <p:cNvPr id="27" name="Straight Connector 26"/>
+          <p:cNvCxnSpPr>
+            <a:stCxn id="10" idx="1"/>
+            <a:endCxn id="9" idx="5"/>
+          </p:cNvCxnSpPr>
+          <p:nvPr/>
+        </p:nvCxnSpPr>
+        <p:spPr>
+          <a:xfrm flipH="1" flipV="1">
+            <a:off x="5414145" y="3106208"/>
+            <a:ext cx="1298191" cy="626622"/>
+          </a:xfrm>
+          <a:prstGeom prst="line">
+            <a:avLst/>
+          </a:prstGeom>
+          <a:ln w="28575"/>
+        </p:spPr>
+        <p:style>
+          <a:lnRef idx="1">
+            <a:schemeClr val="dk1"/>
+          </a:lnRef>
+          <a:fillRef idx="0">
+            <a:schemeClr val="dk1"/>
+          </a:fillRef>
+          <a:effectRef idx="0">
+            <a:schemeClr val="dk1"/>
+          </a:effectRef>
+          <a:fontRef idx="minor">
+            <a:schemeClr val="tx1"/>
+          </a:fontRef>
+        </p:style>
+      </p:cxnSp>
+      <p:cxnSp>
+        <p:nvCxnSpPr>
+          <p:cNvPr id="32" name="Straight Connector 31"/>
+          <p:cNvCxnSpPr>
+            <a:stCxn id="8" idx="6"/>
+            <a:endCxn id="10" idx="3"/>
+          </p:cNvCxnSpPr>
+          <p:nvPr/>
+        </p:nvCxnSpPr>
+        <p:spPr>
+          <a:xfrm flipV="1">
+            <a:off x="5489376" y="4096075"/>
+            <a:ext cx="1222960" cy="881832"/>
+          </a:xfrm>
+          <a:prstGeom prst="line">
+            <a:avLst/>
+          </a:prstGeom>
+          <a:ln w="28575"/>
+        </p:spPr>
+        <p:style>
+          <a:lnRef idx="1">
+            <a:schemeClr val="dk1"/>
+          </a:lnRef>
+          <a:fillRef idx="0">
+            <a:schemeClr val="dk1"/>
+          </a:fillRef>
+          <a:effectRef idx="0">
+            <a:schemeClr val="dk1"/>
+          </a:effectRef>
+          <a:fontRef idx="minor">
+            <a:schemeClr val="tx1"/>
+          </a:fontRef>
+        </p:style>
+      </p:cxnSp>
+      <p:cxnSp>
+        <p:nvCxnSpPr>
+          <p:cNvPr id="35" name="Straight Connector 34"/>
+          <p:cNvCxnSpPr>
+            <a:stCxn id="6" idx="5"/>
+            <a:endCxn id="8" idx="1"/>
+          </p:cNvCxnSpPr>
+          <p:nvPr/>
+        </p:nvCxnSpPr>
+        <p:spPr>
+          <a:xfrm>
+            <a:off x="3827236" y="3107190"/>
+            <a:ext cx="1223663" cy="1689094"/>
+          </a:xfrm>
+          <a:prstGeom prst="line">
+            <a:avLst/>
+          </a:prstGeom>
+          <a:ln w="28575"/>
+        </p:spPr>
+        <p:style>
+          <a:lnRef idx="1">
+            <a:schemeClr val="dk1"/>
+          </a:lnRef>
+          <a:fillRef idx="0">
+            <a:schemeClr val="dk1"/>
+          </a:fillRef>
+          <a:effectRef idx="0">
+            <a:schemeClr val="dk1"/>
+          </a:effectRef>
+          <a:fontRef idx="minor">
+            <a:schemeClr val="tx1"/>
+          </a:fontRef>
+        </p:style>
+      </p:cxnSp>
+      <p:sp>
+        <p:nvSpPr>
+          <p:cNvPr id="38" name="TextBox 37"/>
+          <p:cNvSpPr txBox="1"/>
+          <p:nvPr/>
+        </p:nvSpPr>
+        <p:spPr>
+          <a:xfrm>
+            <a:off x="2743200" y="3106208"/>
+            <a:ext cx="255997" cy="369332"/>
+          </a:xfrm>
+          <a:prstGeom prst="rect">
+            <a:avLst/>
+          </a:prstGeom>
+          <a:noFill/>
+        </p:spPr>
+        <p:txBody>
+          <a:bodyPr wrap="square" rtlCol="0">
+            <a:spAutoFit/>
+          </a:bodyPr>
+          <a:lstStyle/>
+          <a:p>
+            <a:r>
+              <a:rPr lang="en-GB" dirty="0"/>
+              <a:t>8</a:t>
+            </a:r>
+          </a:p>
+        </p:txBody>
+      </p:sp>
+      <p:sp>
+        <p:nvSpPr>
+          <p:cNvPr id="40" name="TextBox 39"/>
+          <p:cNvSpPr txBox="1"/>
+          <p:nvPr/>
+        </p:nvSpPr>
+        <p:spPr>
+          <a:xfrm>
+            <a:off x="2769516" y="4421159"/>
+            <a:ext cx="255997" cy="369332"/>
+          </a:xfrm>
+          <a:prstGeom prst="rect">
+            <a:avLst/>
+          </a:prstGeom>
+          <a:noFill/>
+        </p:spPr>
+        <p:txBody>
+          <a:bodyPr wrap="square" rtlCol="0">
+            <a:spAutoFit/>
+          </a:bodyPr>
+          <a:lstStyle/>
+          <a:p>
+            <a:r>
+              <a:rPr lang="en-GB" dirty="0"/>
+              <a:t>1</a:t>
+            </a:r>
+          </a:p>
+        </p:txBody>
+      </p:sp>
+      <p:sp>
+        <p:nvSpPr>
+          <p:cNvPr id="41" name="TextBox 40"/>
+          <p:cNvSpPr txBox="1"/>
+          <p:nvPr/>
+        </p:nvSpPr>
+        <p:spPr>
+          <a:xfrm>
+            <a:off x="4349728" y="3419519"/>
+            <a:ext cx="255997" cy="369332"/>
+          </a:xfrm>
+          <a:prstGeom prst="rect">
+            <a:avLst/>
+          </a:prstGeom>
+          <a:noFill/>
+        </p:spPr>
+        <p:txBody>
+          <a:bodyPr wrap="square" rtlCol="0">
+            <a:spAutoFit/>
+          </a:bodyPr>
+          <a:lstStyle/>
+          <a:p>
+            <a:r>
+              <a:rPr lang="en-GB" dirty="0"/>
+              <a:t>2</a:t>
+            </a:r>
+          </a:p>
+        </p:txBody>
+      </p:sp>
+      <p:sp>
+        <p:nvSpPr>
+          <p:cNvPr id="42" name="TextBox 41"/>
+          <p:cNvSpPr txBox="1"/>
+          <p:nvPr/>
+        </p:nvSpPr>
+        <p:spPr>
+          <a:xfrm>
+            <a:off x="4265713" y="4976185"/>
+            <a:ext cx="255997" cy="369332"/>
+          </a:xfrm>
+          <a:prstGeom prst="rect">
+            <a:avLst/>
+          </a:prstGeom>
+          <a:noFill/>
+        </p:spPr>
+        <p:txBody>
+          <a:bodyPr wrap="square" rtlCol="0">
+            <a:spAutoFit/>
+          </a:bodyPr>
+          <a:lstStyle/>
+          <a:p>
+            <a:r>
+              <a:rPr lang="en-GB" dirty="0"/>
+              <a:t>3</a:t>
+            </a:r>
+          </a:p>
+        </p:txBody>
+      </p:sp>
+      <p:sp>
+        <p:nvSpPr>
+          <p:cNvPr id="43" name="TextBox 42"/>
+          <p:cNvSpPr txBox="1"/>
+          <p:nvPr/>
+        </p:nvSpPr>
+        <p:spPr>
+          <a:xfrm>
+            <a:off x="5232521" y="3657599"/>
+            <a:ext cx="255997" cy="369332"/>
+          </a:xfrm>
+          <a:prstGeom prst="rect">
+            <a:avLst/>
+          </a:prstGeom>
+          <a:noFill/>
+        </p:spPr>
+        <p:txBody>
+          <a:bodyPr wrap="square" rtlCol="0">
+            <a:spAutoFit/>
+          </a:bodyPr>
+          <a:lstStyle/>
+          <a:p>
+            <a:r>
+              <a:rPr lang="en-GB" dirty="0"/>
+              <a:t>4</a:t>
+            </a:r>
+          </a:p>
+        </p:txBody>
+      </p:sp>
+      <p:sp>
+        <p:nvSpPr>
+          <p:cNvPr id="44" name="TextBox 43"/>
+          <p:cNvSpPr txBox="1"/>
+          <p:nvPr/>
+        </p:nvSpPr>
+        <p:spPr>
+          <a:xfrm>
+            <a:off x="6079619" y="4536991"/>
+            <a:ext cx="255997" cy="369332"/>
+          </a:xfrm>
+          <a:prstGeom prst="rect">
+            <a:avLst/>
+          </a:prstGeom>
+          <a:noFill/>
+        </p:spPr>
+        <p:txBody>
+          <a:bodyPr wrap="square" rtlCol="0">
+            <a:spAutoFit/>
+          </a:bodyPr>
+          <a:lstStyle/>
+          <a:p>
+            <a:r>
+              <a:rPr lang="en-GB" dirty="0"/>
+              <a:t>6</a:t>
+            </a:r>
+          </a:p>
+        </p:txBody>
+      </p:sp>
+      <p:sp>
+        <p:nvSpPr>
+          <p:cNvPr id="45" name="TextBox 44"/>
+          <p:cNvSpPr txBox="1"/>
+          <p:nvPr/>
+        </p:nvSpPr>
+        <p:spPr>
+          <a:xfrm>
+            <a:off x="6012502" y="3032620"/>
+            <a:ext cx="255997" cy="369332"/>
+          </a:xfrm>
+          <a:prstGeom prst="rect">
+            <a:avLst/>
+          </a:prstGeom>
+          <a:noFill/>
+        </p:spPr>
+        <p:txBody>
+          <a:bodyPr wrap="square" rtlCol="0">
+            <a:spAutoFit/>
+          </a:bodyPr>
+          <a:lstStyle/>
+          <a:p>
+            <a:r>
+              <a:rPr lang="en-GB" dirty="0"/>
+              <a:t>1</a:t>
+            </a:r>
+          </a:p>
+        </p:txBody>
+      </p:sp>
+      <p:sp>
+        <p:nvSpPr>
+          <p:cNvPr id="11" name="Rechthoek 10"/>
+          <p:cNvSpPr/>
+          <p:nvPr/>
+        </p:nvSpPr>
+        <p:spPr>
+          <a:xfrm>
+            <a:off x="2388416" y="5712233"/>
+            <a:ext cx="6200203" cy="954107"/>
+          </a:xfrm>
+          <a:prstGeom prst="rect">
+            <a:avLst/>
+          </a:prstGeom>
+        </p:spPr>
+        <p:txBody>
+          <a:bodyPr wrap="square">
+            <a:spAutoFit/>
+          </a:bodyPr>
+          <a:lstStyle/>
+          <a:p>
+            <a:pPr marL="742950" lvl="1" indent="-285750">
+              <a:buFont typeface="Arial" panose="020B0604020202020204" pitchFamily="34" charset="0"/>
+              <a:buChar char="•"/>
+            </a:pPr>
+            <a:r>
+              <a:rPr lang="en-US" sz="1400" dirty="0"/>
+              <a:t>Pick the unvisited vertex with the lowest-distance</a:t>
+            </a:r>
+          </a:p>
+          <a:p>
+            <a:pPr marL="742950" lvl="1" indent="-285750">
+              <a:buFont typeface="Arial" panose="020B0604020202020204" pitchFamily="34" charset="0"/>
+              <a:buChar char="•"/>
+            </a:pPr>
+            <a:r>
+              <a:rPr lang="en-US" sz="1400" dirty="0"/>
+              <a:t>Calculate the distance through it to each unvisited neighbor</a:t>
+            </a:r>
+          </a:p>
+          <a:p>
+            <a:pPr marL="742950" lvl="1" indent="-285750">
+              <a:buFont typeface="Arial" panose="020B0604020202020204" pitchFamily="34" charset="0"/>
+              <a:buChar char="•"/>
+            </a:pPr>
+            <a:r>
+              <a:rPr lang="en-US" sz="1400" dirty="0"/>
+              <a:t>Update the neighbor's distance if smaller</a:t>
+            </a:r>
+          </a:p>
+          <a:p>
+            <a:pPr marL="742950" lvl="1" indent="-285750">
+              <a:buFont typeface="Arial" panose="020B0604020202020204" pitchFamily="34" charset="0"/>
+              <a:buChar char="•"/>
+            </a:pPr>
+            <a:r>
+              <a:rPr lang="en-US" sz="1400" dirty="0"/>
+              <a:t>Mark as visited when done with neighbors</a:t>
+            </a:r>
+            <a:endParaRPr lang="nl-NL" sz="1400" dirty="0"/>
+          </a:p>
+        </p:txBody>
+      </p:sp>
+    </p:spTree>
+    <p:extLst>
+      <p:ext uri="{BB962C8B-B14F-4D97-AF65-F5344CB8AC3E}">
+        <p14:creationId xmlns:p14="http://schemas.microsoft.com/office/powerpoint/2010/main" val="1770096607"/>
+      </p:ext>
+    </p:extLst>
+  </p:cSld>
+  <p:clrMapOvr>
+    <a:masterClrMapping/>
+  </p:clrMapOvr>
+</p:sld>
+</file>
+
+<file path=ppt/slides/slide32.xml><?xml version="1.0" encoding="utf-8"?>
+<p:sld xmlns:a="http://schemas.openxmlformats.org/drawingml/2006/main" xmlns:r="http://schemas.openxmlformats.org/officeDocument/2006/relationships" xmlns:p="http://schemas.openxmlformats.org/presentationml/2006/main">
+  <p:cSld>
+    <p:spTree>
+      <p:nvGrpSpPr>
+        <p:cNvPr id="1" name=""/>
+        <p:cNvGrpSpPr/>
+        <p:nvPr/>
+      </p:nvGrpSpPr>
+      <p:grpSpPr>
+        <a:xfrm>
+          <a:off x="0" y="0"/>
+          <a:ext cx="0" cy="0"/>
+          <a:chOff x="0" y="0"/>
+          <a:chExt cx="0" cy="0"/>
+        </a:xfrm>
+      </p:grpSpPr>
+      <p:sp>
+        <p:nvSpPr>
+          <p:cNvPr id="2" name="Title 1"/>
+          <p:cNvSpPr>
+            <a:spLocks noGrp="1"/>
+          </p:cNvSpPr>
+          <p:nvPr>
+            <p:ph type="title"/>
+          </p:nvPr>
+        </p:nvSpPr>
+        <p:spPr/>
+        <p:txBody>
+          <a:bodyPr/>
+          <a:lstStyle/>
+          <a:p>
+            <a:r>
+              <a:rPr lang="en-GB" dirty="0"/>
+              <a:t>Graphs – </a:t>
+            </a:r>
+            <a:r>
+              <a:rPr lang="en-GB" dirty="0" err="1"/>
+              <a:t>Dijkstra’s</a:t>
+            </a:r>
+            <a:r>
+              <a:rPr lang="en-GB" dirty="0"/>
+              <a:t> algorithm</a:t>
+            </a:r>
+          </a:p>
+        </p:txBody>
+      </p:sp>
+      <p:sp>
+        <p:nvSpPr>
+          <p:cNvPr id="3" name="Content Placeholder 2"/>
+          <p:cNvSpPr>
+            <a:spLocks noGrp="1"/>
+          </p:cNvSpPr>
+          <p:nvPr>
+            <p:ph idx="1"/>
+          </p:nvPr>
+        </p:nvSpPr>
+        <p:spPr/>
+        <p:txBody>
+          <a:bodyPr/>
+          <a:lstStyle/>
+          <a:p>
+            <a:r>
+              <a:rPr lang="en-US" dirty="0"/>
+              <a:t>Example</a:t>
+            </a:r>
+          </a:p>
+          <a:p>
+            <a:pPr lvl="1"/>
+            <a:r>
+              <a:rPr lang="en-US" dirty="0"/>
+              <a:t>Starting node </a:t>
+            </a:r>
+            <a:r>
+              <a:rPr lang="en-US" b="1" dirty="0"/>
+              <a:t>A</a:t>
+            </a:r>
+          </a:p>
+          <a:p>
+            <a:endParaRPr lang="en-GB" dirty="0"/>
+          </a:p>
+        </p:txBody>
+      </p:sp>
+      <p:sp>
+        <p:nvSpPr>
+          <p:cNvPr id="4" name="Footer Placeholder 3"/>
+          <p:cNvSpPr>
+            <a:spLocks noGrp="1"/>
+          </p:cNvSpPr>
+          <p:nvPr>
+            <p:ph type="ftr" sz="quarter" idx="11"/>
+          </p:nvPr>
+        </p:nvSpPr>
+        <p:spPr/>
+        <p:txBody>
+          <a:bodyPr/>
+          <a:lstStyle/>
+          <a:p>
+            <a:r>
+              <a:rPr lang="it-IT"/>
+              <a:t>INFDEV036A - G. Costantini, F. Di Giacomo</a:t>
             </a:r>
             <a:endParaRPr lang="en-GB"/>
           </a:p>
@@ -16678,7 +17071,7 @@
 </p:sld>
 </file>
 
-<file path=ppt/slides/slide32.xml><?xml version="1.0" encoding="utf-8"?>
+<file path=ppt/slides/slide33.xml><?xml version="1.0" encoding="utf-8"?>
 <p:sld xmlns:a="http://schemas.openxmlformats.org/drawingml/2006/main" xmlns:r="http://schemas.openxmlformats.org/officeDocument/2006/relationships" xmlns:p="http://schemas.openxmlformats.org/presentationml/2006/main">
   <p:cSld>
     <p:spTree>
@@ -16778,7 +17171,7 @@
           <a:p>
             <a:r>
               <a:rPr lang="it-IT"/>
-              <a:t>INFDEV026A - G. Costantini, F. Di Giacomo, G. Maggiore</a:t>
+              <a:t>INFDEV036A - G. Costantini, F. Di Giacomo</a:t>
             </a:r>
             <a:endParaRPr lang="en-GB"/>
           </a:p>
@@ -18039,7 +18432,7 @@
 </p:sld>
 </file>
 
-<file path=ppt/slides/slide33.xml><?xml version="1.0" encoding="utf-8"?>
+<file path=ppt/slides/slide34.xml><?xml version="1.0" encoding="utf-8"?>
 <p:sld xmlns:a="http://schemas.openxmlformats.org/drawingml/2006/main" xmlns:r="http://schemas.openxmlformats.org/officeDocument/2006/relationships" xmlns:p="http://schemas.openxmlformats.org/presentationml/2006/main">
   <p:cSld>
     <p:spTree>
@@ -18139,7 +18532,7 @@
           <a:p>
             <a:r>
               <a:rPr lang="it-IT"/>
-              <a:t>INFDEV026A - G. Costantini, F. Di Giacomo, G. Maggiore</a:t>
+              <a:t>INFDEV036A - G. Costantini, F. Di Giacomo</a:t>
             </a:r>
             <a:endParaRPr lang="en-GB" dirty="0"/>
           </a:p>
@@ -19400,7 +19793,7 @@
 </p:sld>
 </file>
 
-<file path=ppt/slides/slide34.xml><?xml version="1.0" encoding="utf-8"?>
+<file path=ppt/slides/slide35.xml><?xml version="1.0" encoding="utf-8"?>
 <p:sld xmlns:a="http://schemas.openxmlformats.org/drawingml/2006/main" xmlns:r="http://schemas.openxmlformats.org/officeDocument/2006/relationships" xmlns:p="http://schemas.openxmlformats.org/presentationml/2006/main">
   <p:cSld>
     <p:spTree>
@@ -19500,7 +19893,7 @@
           <a:p>
             <a:r>
               <a:rPr lang="it-IT"/>
-              <a:t>INFDEV026A - G. Costantini, F. Di Giacomo, G. Maggiore</a:t>
+              <a:t>INFDEV036A - G. Costantini, F. Di Giacomo</a:t>
             </a:r>
             <a:endParaRPr lang="en-GB" dirty="0"/>
           </a:p>
@@ -20761,7 +21154,7 @@
 </p:sld>
 </file>
 
-<file path=ppt/slides/slide35.xml><?xml version="1.0" encoding="utf-8"?>
+<file path=ppt/slides/slide36.xml><?xml version="1.0" encoding="utf-8"?>
 <p:sld xmlns:a="http://schemas.openxmlformats.org/drawingml/2006/main" xmlns:r="http://schemas.openxmlformats.org/officeDocument/2006/relationships" xmlns:p="http://schemas.openxmlformats.org/presentationml/2006/main">
   <p:cSld>
     <p:spTree>
@@ -20861,7 +21254,7 @@
           <a:p>
             <a:r>
               <a:rPr lang="it-IT"/>
-              <a:t>INFDEV026A - G. Costantini, F. Di Giacomo, G. Maggiore</a:t>
+              <a:t>INFDEV036A - G. Costantini, F. Di Giacomo</a:t>
             </a:r>
             <a:endParaRPr lang="en-GB" dirty="0"/>
           </a:p>
@@ -22122,7 +22515,7 @@
 </p:sld>
 </file>
 
-<file path=ppt/slides/slide36.xml><?xml version="1.0" encoding="utf-8"?>
+<file path=ppt/slides/slide37.xml><?xml version="1.0" encoding="utf-8"?>
 <p:sld xmlns:a="http://schemas.openxmlformats.org/drawingml/2006/main" xmlns:r="http://schemas.openxmlformats.org/officeDocument/2006/relationships" xmlns:p="http://schemas.openxmlformats.org/presentationml/2006/main">
   <p:cSld>
     <p:spTree>
@@ -22222,7 +22615,7 @@
           <a:p>
             <a:r>
               <a:rPr lang="it-IT"/>
-              <a:t>INFDEV026A - G. Costantini, F. Di Giacomo, G. Maggiore</a:t>
+              <a:t>INFDEV036A - G. Costantini, F. Di Giacomo</a:t>
             </a:r>
             <a:endParaRPr lang="en-GB" dirty="0"/>
           </a:p>
@@ -23483,7 +23876,7 @@
 </p:sld>
 </file>
 
-<file path=ppt/slides/slide37.xml><?xml version="1.0" encoding="utf-8"?>
+<file path=ppt/slides/slide38.xml><?xml version="1.0" encoding="utf-8"?>
 <p:sld xmlns:a="http://schemas.openxmlformats.org/drawingml/2006/main" xmlns:r="http://schemas.openxmlformats.org/officeDocument/2006/relationships" xmlns:p="http://schemas.openxmlformats.org/presentationml/2006/main">
   <p:cSld>
     <p:spTree>
@@ -23583,7 +23976,7 @@
           <a:p>
             <a:r>
               <a:rPr lang="it-IT"/>
-              <a:t>INFDEV026A - G. Costantini, F. Di Giacomo, G. Maggiore</a:t>
+              <a:t>INFDEV036A - G. Costantini, F. Di Giacomo</a:t>
             </a:r>
             <a:endParaRPr lang="en-GB" dirty="0"/>
           </a:p>
@@ -24844,7 +25237,7 @@
 </p:sld>
 </file>
 
-<file path=ppt/slides/slide38.xml><?xml version="1.0" encoding="utf-8"?>
+<file path=ppt/slides/slide39.xml><?xml version="1.0" encoding="utf-8"?>
 <p:sld xmlns:a="http://schemas.openxmlformats.org/drawingml/2006/main" xmlns:r="http://schemas.openxmlformats.org/officeDocument/2006/relationships" xmlns:p="http://schemas.openxmlformats.org/presentationml/2006/main">
   <p:cSld>
     <p:spTree>
@@ -24944,7 +25337,7 @@
           <a:p>
             <a:r>
               <a:rPr lang="it-IT"/>
-              <a:t>INFDEV026A - G. Costantini, F. Di Giacomo, G. Maggiore</a:t>
+              <a:t>INFDEV036A - G. Costantini, F. Di Giacomo</a:t>
             </a:r>
             <a:endParaRPr lang="en-GB" dirty="0"/>
           </a:p>
@@ -26205,7 +26598,7 @@
 </p:sld>
 </file>
 
-<file path=ppt/slides/slide39.xml><?xml version="1.0" encoding="utf-8"?>
+<file path=ppt/slides/slide4.xml><?xml version="1.0" encoding="utf-8"?>
 <p:sld xmlns:a="http://schemas.openxmlformats.org/drawingml/2006/main" xmlns:r="http://schemas.openxmlformats.org/officeDocument/2006/relationships" xmlns:p="http://schemas.openxmlformats.org/presentationml/2006/main">
   <p:cSld>
     <p:spTree>
@@ -26224,6 +26617,302 @@
       </p:grpSpPr>
       <p:sp>
         <p:nvSpPr>
+          <p:cNvPr id="2" name="Titel 1"/>
+          <p:cNvSpPr>
+            <a:spLocks noGrp="1"/>
+          </p:cNvSpPr>
+          <p:nvPr>
+            <p:ph type="title"/>
+          </p:nvPr>
+        </p:nvSpPr>
+        <p:spPr/>
+        <p:txBody>
+          <a:bodyPr/>
+          <a:lstStyle/>
+          <a:p>
+            <a:r>
+              <a:rPr lang="nl-NL" dirty="0"/>
+              <a:t>More </a:t>
+            </a:r>
+            <a:r>
+              <a:rPr lang="nl-NL" dirty="0" err="1"/>
+              <a:t>detailed</a:t>
+            </a:r>
+            <a:r>
+              <a:rPr lang="nl-NL" dirty="0"/>
+              <a:t> agenda</a:t>
+            </a:r>
+          </a:p>
+        </p:txBody>
+      </p:sp>
+      <p:sp>
+        <p:nvSpPr>
+          <p:cNvPr id="3" name="Tijdelijke aanduiding voor inhoud 2"/>
+          <p:cNvSpPr>
+            <a:spLocks noGrp="1"/>
+          </p:cNvSpPr>
+          <p:nvPr>
+            <p:ph idx="1"/>
+          </p:nvPr>
+        </p:nvSpPr>
+        <p:spPr/>
+        <p:txBody>
+          <a:bodyPr/>
+          <a:lstStyle/>
+          <a:p>
+            <a:r>
+              <a:rPr lang="nl-NL" dirty="0" err="1"/>
+              <a:t>What</a:t>
+            </a:r>
+            <a:r>
+              <a:rPr lang="nl-NL" dirty="0"/>
+              <a:t> are (di)</a:t>
+            </a:r>
+            <a:r>
+              <a:rPr lang="nl-NL" dirty="0" err="1"/>
+              <a:t>graphs</a:t>
+            </a:r>
+            <a:r>
+              <a:rPr lang="nl-NL" dirty="0"/>
+              <a:t>?</a:t>
+            </a:r>
+          </a:p>
+          <a:p>
+            <a:r>
+              <a:rPr lang="nl-NL" dirty="0"/>
+              <a:t>How do we </a:t>
+            </a:r>
+            <a:r>
+              <a:rPr lang="nl-NL" dirty="0" err="1"/>
+              <a:t>represent</a:t>
+            </a:r>
+            <a:r>
+              <a:rPr lang="nl-NL" dirty="0"/>
+              <a:t> a (di)</a:t>
+            </a:r>
+            <a:r>
+              <a:rPr lang="nl-NL" dirty="0" err="1"/>
+              <a:t>graph</a:t>
+            </a:r>
+            <a:r>
+              <a:rPr lang="nl-NL" dirty="0"/>
+              <a:t>?</a:t>
+            </a:r>
+          </a:p>
+          <a:p>
+            <a:pPr lvl="1"/>
+            <a:r>
+              <a:rPr lang="nl-NL" dirty="0" err="1"/>
+              <a:t>Adjacency</a:t>
+            </a:r>
+            <a:r>
+              <a:rPr lang="nl-NL" dirty="0"/>
+              <a:t> list, </a:t>
+            </a:r>
+            <a:r>
+              <a:rPr lang="nl-NL" dirty="0" err="1"/>
+              <a:t>adjacency</a:t>
+            </a:r>
+            <a:r>
+              <a:rPr lang="nl-NL" dirty="0"/>
+              <a:t> matrix [</a:t>
+            </a:r>
+            <a:r>
+              <a:rPr lang="nl-NL" dirty="0" err="1"/>
+              <a:t>incidence</a:t>
+            </a:r>
+            <a:r>
+              <a:rPr lang="nl-NL" dirty="0"/>
+              <a:t> matrix]</a:t>
+            </a:r>
+          </a:p>
+          <a:p>
+            <a:r>
+              <a:rPr lang="nl-NL" dirty="0"/>
+              <a:t>How </a:t>
+            </a:r>
+            <a:r>
+              <a:rPr lang="nl-NL" dirty="0" err="1"/>
+              <a:t>can</a:t>
+            </a:r>
+            <a:r>
+              <a:rPr lang="nl-NL" dirty="0"/>
+              <a:t> we traverse/</a:t>
+            </a:r>
+            <a:r>
+              <a:rPr lang="nl-NL" dirty="0" err="1"/>
+              <a:t>visit</a:t>
+            </a:r>
+            <a:r>
+              <a:rPr lang="nl-NL" dirty="0"/>
+              <a:t> a </a:t>
+            </a:r>
+            <a:r>
+              <a:rPr lang="nl-NL" dirty="0" err="1"/>
+              <a:t>graph</a:t>
+            </a:r>
+            <a:r>
+              <a:rPr lang="nl-NL" dirty="0"/>
+              <a:t>?</a:t>
+            </a:r>
+          </a:p>
+          <a:p>
+            <a:pPr lvl="1"/>
+            <a:r>
+              <a:rPr lang="nl-NL" dirty="0"/>
+              <a:t>BFS, DFS</a:t>
+            </a:r>
+          </a:p>
+          <a:p>
+            <a:r>
+              <a:rPr lang="nl-NL" dirty="0"/>
+              <a:t>How </a:t>
+            </a:r>
+            <a:r>
+              <a:rPr lang="nl-NL" dirty="0" err="1"/>
+              <a:t>can</a:t>
+            </a:r>
+            <a:r>
+              <a:rPr lang="nl-NL" dirty="0"/>
+              <a:t> we </a:t>
+            </a:r>
+            <a:r>
+              <a:rPr lang="nl-NL" dirty="0" err="1"/>
+              <a:t>find</a:t>
+            </a:r>
+            <a:r>
+              <a:rPr lang="nl-NL" dirty="0"/>
+              <a:t> </a:t>
+            </a:r>
+            <a:r>
+              <a:rPr lang="nl-NL" dirty="0" err="1"/>
+              <a:t>the</a:t>
+            </a:r>
+            <a:r>
+              <a:rPr lang="nl-NL" dirty="0"/>
+              <a:t> </a:t>
+            </a:r>
+            <a:r>
+              <a:rPr lang="nl-NL" dirty="0" err="1"/>
+              <a:t>shortest</a:t>
+            </a:r>
+            <a:r>
+              <a:rPr lang="nl-NL" dirty="0"/>
+              <a:t> </a:t>
+            </a:r>
+            <a:r>
+              <a:rPr lang="nl-NL" dirty="0" err="1"/>
+              <a:t>path</a:t>
+            </a:r>
+            <a:r>
+              <a:rPr lang="nl-NL" dirty="0"/>
+              <a:t> </a:t>
+            </a:r>
+            <a:r>
+              <a:rPr lang="nl-NL" dirty="0" err="1"/>
+              <a:t>between</a:t>
+            </a:r>
+            <a:r>
+              <a:rPr lang="nl-NL" dirty="0"/>
+              <a:t> </a:t>
+            </a:r>
+            <a:r>
+              <a:rPr lang="nl-NL" dirty="0" err="1"/>
+              <a:t>two</a:t>
+            </a:r>
+            <a:r>
+              <a:rPr lang="nl-NL" dirty="0"/>
+              <a:t> </a:t>
+            </a:r>
+            <a:r>
+              <a:rPr lang="nl-NL" dirty="0" err="1"/>
+              <a:t>nodes</a:t>
+            </a:r>
+            <a:r>
+              <a:rPr lang="nl-NL" dirty="0"/>
+              <a:t> of a </a:t>
+            </a:r>
+            <a:r>
+              <a:rPr lang="nl-NL" dirty="0" err="1"/>
+              <a:t>graph</a:t>
+            </a:r>
+            <a:r>
+              <a:rPr lang="nl-NL" dirty="0"/>
+              <a:t>?</a:t>
+            </a:r>
+          </a:p>
+          <a:p>
+            <a:pPr lvl="1"/>
+            <a:r>
+              <a:rPr lang="nl-NL" dirty="0"/>
+              <a:t>Dijkstra’s </a:t>
+            </a:r>
+            <a:r>
+              <a:rPr lang="nl-NL" dirty="0" err="1"/>
+              <a:t>algorithm</a:t>
+            </a:r>
+            <a:endParaRPr lang="nl-NL" dirty="0"/>
+          </a:p>
+          <a:p>
+            <a:endParaRPr lang="nl-NL" dirty="0"/>
+          </a:p>
+        </p:txBody>
+      </p:sp>
+      <p:sp>
+        <p:nvSpPr>
+          <p:cNvPr id="4" name="Tijdelijke aanduiding voor voettekst 3"/>
+          <p:cNvSpPr>
+            <a:spLocks noGrp="1"/>
+          </p:cNvSpPr>
+          <p:nvPr>
+            <p:ph type="ftr" sz="quarter" idx="11"/>
+          </p:nvPr>
+        </p:nvSpPr>
+        <p:spPr/>
+        <p:txBody>
+          <a:bodyPr/>
+          <a:lstStyle/>
+          <a:p>
+            <a:r>
+              <a:rPr lang="it-IT"/>
+              <a:t>INFDEV036A - G. Costantini, F. Di Giacomo</a:t>
+            </a:r>
+            <a:endParaRPr lang="en-GB"/>
+          </a:p>
+        </p:txBody>
+      </p:sp>
+    </p:spTree>
+    <p:extLst>
+      <p:ext uri="{BB962C8B-B14F-4D97-AF65-F5344CB8AC3E}">
+        <p14:creationId xmlns:p14="http://schemas.microsoft.com/office/powerpoint/2010/main" val="3388158669"/>
+      </p:ext>
+    </p:extLst>
+  </p:cSld>
+  <p:clrMapOvr>
+    <a:masterClrMapping/>
+  </p:clrMapOvr>
+</p:sld>
+</file>
+
+<file path=ppt/slides/slide40.xml><?xml version="1.0" encoding="utf-8"?>
+<p:sld xmlns:a="http://schemas.openxmlformats.org/drawingml/2006/main" xmlns:r="http://schemas.openxmlformats.org/officeDocument/2006/relationships" xmlns:p="http://schemas.openxmlformats.org/presentationml/2006/main">
+  <p:cSld>
+    <p:spTree>
+      <p:nvGrpSpPr>
+        <p:cNvPr id="1" name=""/>
+        <p:cNvGrpSpPr/>
+        <p:nvPr/>
+      </p:nvGrpSpPr>
+      <p:grpSpPr>
+        <a:xfrm>
+          <a:off x="0" y="0"/>
+          <a:ext cx="0" cy="0"/>
+          <a:chOff x="0" y="0"/>
+          <a:chExt cx="0" cy="0"/>
+        </a:xfrm>
+      </p:grpSpPr>
+      <p:sp>
+        <p:nvSpPr>
           <p:cNvPr id="2" name="Title 1"/>
           <p:cNvSpPr>
             <a:spLocks noGrp="1"/>
@@ -26305,7 +26994,7 @@
           <a:p>
             <a:r>
               <a:rPr lang="it-IT"/>
-              <a:t>INFDEV026A - G. Costantini, F. Di Giacomo, G. Maggiore</a:t>
+              <a:t>INFDEV036A - G. Costantini, F. Di Giacomo</a:t>
             </a:r>
             <a:endParaRPr lang="en-GB" dirty="0"/>
           </a:p>
@@ -27566,7 +28255,7 @@
 </p:sld>
 </file>
 
-<file path=ppt/slides/slide4.xml><?xml version="1.0" encoding="utf-8"?>
+<file path=ppt/slides/slide41.xml><?xml version="1.0" encoding="utf-8"?>
 <p:sld xmlns:a="http://schemas.openxmlformats.org/drawingml/2006/main" xmlns:r="http://schemas.openxmlformats.org/officeDocument/2006/relationships" xmlns:p="http://schemas.openxmlformats.org/presentationml/2006/main">
   <p:cSld>
     <p:spTree>
@@ -27585,242 +28274,6 @@
       </p:grpSpPr>
       <p:sp>
         <p:nvSpPr>
-          <p:cNvPr id="7" name="Titel 6"/>
-          <p:cNvSpPr>
-            <a:spLocks noGrp="1"/>
-          </p:cNvSpPr>
-          <p:nvPr>
-            <p:ph type="ctrTitle"/>
-          </p:nvPr>
-        </p:nvSpPr>
-        <p:spPr/>
-        <p:txBody>
-          <a:bodyPr/>
-          <a:lstStyle/>
-          <a:p>
-            <a:r>
-              <a:rPr lang="en-GB" dirty="0"/>
-              <a:t>Graphs</a:t>
-            </a:r>
-            <a:endParaRPr lang="nl-NL" dirty="0"/>
-          </a:p>
-        </p:txBody>
-      </p:sp>
-      <p:sp>
-        <p:nvSpPr>
-          <p:cNvPr id="8" name="Ondertitel 7"/>
-          <p:cNvSpPr>
-            <a:spLocks noGrp="1"/>
-          </p:cNvSpPr>
-          <p:nvPr>
-            <p:ph type="subTitle" idx="1"/>
-          </p:nvPr>
-        </p:nvSpPr>
-        <p:spPr/>
-        <p:txBody>
-          <a:bodyPr/>
-          <a:lstStyle/>
-          <a:p>
-            <a:endParaRPr lang="nl-NL"/>
-          </a:p>
-        </p:txBody>
-      </p:sp>
-      <p:pic>
-        <p:nvPicPr>
-          <p:cNvPr id="1026" name="Picture 2" descr="http://tctechcrunch2011.files.wordpress.com/2013/01/facebook-social-graph1.jpg"/>
-          <p:cNvPicPr>
-            <a:picLocks noChangeAspect="1" noChangeArrowheads="1"/>
-          </p:cNvPicPr>
-          <p:nvPr/>
-        </p:nvPicPr>
-        <p:blipFill>
-          <a:blip r:embed="rId3">
-            <a:extLst>
-              <a:ext uri="{28A0092B-C50C-407E-A947-70E740481C1C}">
-                <a14:useLocalDpi xmlns:a14="http://schemas.microsoft.com/office/drawing/2010/main" val="0"/>
-              </a:ext>
-            </a:extLst>
-          </a:blip>
-          <a:srcRect/>
-          <a:stretch>
-            <a:fillRect/>
-          </a:stretch>
-        </p:blipFill>
-        <p:spPr bwMode="auto">
-          <a:xfrm>
-            <a:off x="6150788" y="505583"/>
-            <a:ext cx="3123215" cy="2281412"/>
-          </a:xfrm>
-          <a:prstGeom prst="rect">
-            <a:avLst/>
-          </a:prstGeom>
-          <a:noFill/>
-          <a:extLst>
-            <a:ext uri="{909E8E84-426E-40DD-AFC4-6F175D3DCCD1}">
-              <a14:hiddenFill xmlns:a14="http://schemas.microsoft.com/office/drawing/2010/main">
-                <a:solidFill>
-                  <a:srgbClr val="FFFFFF"/>
-                </a:solidFill>
-              </a14:hiddenFill>
-            </a:ext>
-          </a:extLst>
-        </p:spPr>
-      </p:pic>
-      <p:pic>
-        <p:nvPicPr>
-          <p:cNvPr id="1030" name="Picture 6" descr="http://www.csit.parkland.edu/~mbrandyberry/CS2Java/Lessons/TreesRecursionGraphs/images/StateGraph.jpg"/>
-          <p:cNvPicPr>
-            <a:picLocks noChangeAspect="1" noChangeArrowheads="1"/>
-          </p:cNvPicPr>
-          <p:nvPr/>
-        </p:nvPicPr>
-        <p:blipFill>
-          <a:blip r:embed="rId4">
-            <a:extLst>
-              <a:ext uri="{28A0092B-C50C-407E-A947-70E740481C1C}">
-                <a14:useLocalDpi xmlns:a14="http://schemas.microsoft.com/office/drawing/2010/main" val="0"/>
-              </a:ext>
-            </a:extLst>
-          </a:blip>
-          <a:srcRect/>
-          <a:stretch>
-            <a:fillRect/>
-          </a:stretch>
-        </p:blipFill>
-        <p:spPr bwMode="auto">
-          <a:xfrm>
-            <a:off x="2530360" y="200576"/>
-            <a:ext cx="2625654" cy="2625654"/>
-          </a:xfrm>
-          <a:prstGeom prst="rect">
-            <a:avLst/>
-          </a:prstGeom>
-          <a:noFill/>
-          <a:extLst>
-            <a:ext uri="{909E8E84-426E-40DD-AFC4-6F175D3DCCD1}">
-              <a14:hiddenFill xmlns:a14="http://schemas.microsoft.com/office/drawing/2010/main">
-                <a:solidFill>
-                  <a:srgbClr val="FFFFFF"/>
-                </a:solidFill>
-              </a14:hiddenFill>
-            </a:ext>
-          </a:extLst>
-        </p:spPr>
-      </p:pic>
-      <p:pic>
-        <p:nvPicPr>
-          <p:cNvPr id="1032" name="Picture 8" descr="graph3"/>
-          <p:cNvPicPr>
-            <a:picLocks noChangeAspect="1" noChangeArrowheads="1"/>
-          </p:cNvPicPr>
-          <p:nvPr/>
-        </p:nvPicPr>
-        <p:blipFill>
-          <a:blip r:embed="rId5">
-            <a:extLst>
-              <a:ext uri="{28A0092B-C50C-407E-A947-70E740481C1C}">
-                <a14:useLocalDpi xmlns:a14="http://schemas.microsoft.com/office/drawing/2010/main" val="0"/>
-              </a:ext>
-            </a:extLst>
-          </a:blip>
-          <a:srcRect/>
-          <a:stretch>
-            <a:fillRect/>
-          </a:stretch>
-        </p:blipFill>
-        <p:spPr bwMode="auto">
-          <a:xfrm>
-            <a:off x="3559703" y="3645554"/>
-            <a:ext cx="3415243" cy="2690798"/>
-          </a:xfrm>
-          <a:prstGeom prst="rect">
-            <a:avLst/>
-          </a:prstGeom>
-          <a:noFill/>
-          <a:extLst>
-            <a:ext uri="{909E8E84-426E-40DD-AFC4-6F175D3DCCD1}">
-              <a14:hiddenFill xmlns:a14="http://schemas.microsoft.com/office/drawing/2010/main">
-                <a:solidFill>
-                  <a:srgbClr val="FFFFFF"/>
-                </a:solidFill>
-              </a14:hiddenFill>
-            </a:ext>
-          </a:extLst>
-        </p:spPr>
-      </p:pic>
-      <p:pic>
-        <p:nvPicPr>
-          <p:cNvPr id="2" name="Picture 2" descr="http://pages.cs.wisc.edu/~siff/CS367/Notes/class-web.gif"/>
-          <p:cNvPicPr>
-            <a:picLocks noChangeAspect="1" noChangeArrowheads="1"/>
-          </p:cNvPicPr>
-          <p:nvPr/>
-        </p:nvPicPr>
-        <p:blipFill>
-          <a:blip r:embed="rId6">
-            <a:extLst>
-              <a:ext uri="{28A0092B-C50C-407E-A947-70E740481C1C}">
-                <a14:useLocalDpi xmlns:a14="http://schemas.microsoft.com/office/drawing/2010/main" val="0"/>
-              </a:ext>
-            </a:extLst>
-          </a:blip>
-          <a:srcRect/>
-          <a:stretch>
-            <a:fillRect/>
-          </a:stretch>
-        </p:blipFill>
-        <p:spPr bwMode="auto">
-          <a:xfrm>
-            <a:off x="455010" y="2864261"/>
-            <a:ext cx="2993383" cy="2666694"/>
-          </a:xfrm>
-          <a:prstGeom prst="rect">
-            <a:avLst/>
-          </a:prstGeom>
-          <a:noFill/>
-          <a:extLst>
-            <a:ext uri="{909E8E84-426E-40DD-AFC4-6F175D3DCCD1}">
-              <a14:hiddenFill xmlns:a14="http://schemas.microsoft.com/office/drawing/2010/main">
-                <a:solidFill>
-                  <a:srgbClr val="FFFFFF"/>
-                </a:solidFill>
-              </a14:hiddenFill>
-            </a:ext>
-          </a:extLst>
-        </p:spPr>
-      </p:pic>
-    </p:spTree>
-    <p:extLst>
-      <p:ext uri="{BB962C8B-B14F-4D97-AF65-F5344CB8AC3E}">
-        <p14:creationId xmlns:p14="http://schemas.microsoft.com/office/powerpoint/2010/main" val="4062607133"/>
-      </p:ext>
-    </p:extLst>
-  </p:cSld>
-  <p:clrMapOvr>
-    <a:masterClrMapping/>
-  </p:clrMapOvr>
-</p:sld>
-</file>
-
-<file path=ppt/slides/slide40.xml><?xml version="1.0" encoding="utf-8"?>
-<p:sld xmlns:a="http://schemas.openxmlformats.org/drawingml/2006/main" xmlns:r="http://schemas.openxmlformats.org/officeDocument/2006/relationships" xmlns:p="http://schemas.openxmlformats.org/presentationml/2006/main">
-  <p:cSld>
-    <p:spTree>
-      <p:nvGrpSpPr>
-        <p:cNvPr id="1" name=""/>
-        <p:cNvGrpSpPr/>
-        <p:nvPr/>
-      </p:nvGrpSpPr>
-      <p:grpSpPr>
-        <a:xfrm>
-          <a:off x="0" y="0"/>
-          <a:ext cx="0" cy="0"/>
-          <a:chOff x="0" y="0"/>
-          <a:chExt cx="0" cy="0"/>
-        </a:xfrm>
-      </p:grpSpPr>
-      <p:sp>
-        <p:nvSpPr>
           <p:cNvPr id="2" name="Title 1"/>
           <p:cNvSpPr>
             <a:spLocks noGrp="1"/>
@@ -27902,7 +28355,7 @@
           <a:p>
             <a:r>
               <a:rPr lang="it-IT"/>
-              <a:t>INFDEV026A - G. Costantini, F. Di Giacomo, G. Maggiore</a:t>
+              <a:t>INFDEV036A - G. Costantini, F. Di Giacomo</a:t>
             </a:r>
             <a:endParaRPr lang="en-GB" dirty="0"/>
           </a:p>
@@ -29163,7 +29616,7 @@
 </p:sld>
 </file>
 
-<file path=ppt/slides/slide41.xml><?xml version="1.0" encoding="utf-8"?>
+<file path=ppt/slides/slide42.xml><?xml version="1.0" encoding="utf-8"?>
 <p:sld xmlns:a="http://schemas.openxmlformats.org/drawingml/2006/main" xmlns:r="http://schemas.openxmlformats.org/officeDocument/2006/relationships" xmlns:p="http://schemas.openxmlformats.org/presentationml/2006/main">
   <p:cSld>
     <p:spTree>
@@ -29263,7 +29716,7 @@
           <a:p>
             <a:r>
               <a:rPr lang="it-IT"/>
-              <a:t>INFDEV026A - G. Costantini, F. Di Giacomo, G. Maggiore</a:t>
+              <a:t>INFDEV036A - G. Costantini, F. Di Giacomo</a:t>
             </a:r>
             <a:endParaRPr lang="en-GB" dirty="0"/>
           </a:p>
@@ -30524,7 +30977,7 @@
 </p:sld>
 </file>
 
-<file path=ppt/slides/slide42.xml><?xml version="1.0" encoding="utf-8"?>
+<file path=ppt/slides/slide43.xml><?xml version="1.0" encoding="utf-8"?>
 <p:sld xmlns:a="http://schemas.openxmlformats.org/drawingml/2006/main" xmlns:r="http://schemas.openxmlformats.org/officeDocument/2006/relationships" xmlns:p="http://schemas.openxmlformats.org/presentationml/2006/main">
   <p:cSld>
     <p:spTree>
@@ -30624,7 +31077,7 @@
           <a:p>
             <a:r>
               <a:rPr lang="it-IT"/>
-              <a:t>INFDEV026A - G. Costantini, F. Di Giacomo, G. Maggiore</a:t>
+              <a:t>INFDEV036A - G. Costantini, F. Di Giacomo</a:t>
             </a:r>
             <a:endParaRPr lang="en-GB" dirty="0"/>
           </a:p>
@@ -31885,7 +32338,7 @@
 </p:sld>
 </file>
 
-<file path=ppt/slides/slide43.xml><?xml version="1.0" encoding="utf-8"?>
+<file path=ppt/slides/slide44.xml><?xml version="1.0" encoding="utf-8"?>
 <p:sld xmlns:a="http://schemas.openxmlformats.org/drawingml/2006/main" xmlns:r="http://schemas.openxmlformats.org/officeDocument/2006/relationships" xmlns:p="http://schemas.openxmlformats.org/presentationml/2006/main">
   <p:cSld>
     <p:spTree>
@@ -31985,7 +32438,7 @@
           <a:p>
             <a:r>
               <a:rPr lang="it-IT"/>
-              <a:t>INFDEV026A - G. Costantini, F. Di Giacomo, G. Maggiore</a:t>
+              <a:t>INFDEV036A - G. Costantini, F. Di Giacomo</a:t>
             </a:r>
             <a:endParaRPr lang="en-GB" dirty="0"/>
           </a:p>
@@ -33246,7 +33699,7 @@
 </p:sld>
 </file>
 
-<file path=ppt/slides/slide44.xml><?xml version="1.0" encoding="utf-8"?>
+<file path=ppt/slides/slide45.xml><?xml version="1.0" encoding="utf-8"?>
 <p:sld xmlns:a="http://schemas.openxmlformats.org/drawingml/2006/main" xmlns:r="http://schemas.openxmlformats.org/officeDocument/2006/relationships" xmlns:p="http://schemas.openxmlformats.org/presentationml/2006/main">
   <p:cSld>
     <p:spTree>
@@ -33346,7 +33799,7 @@
           <a:p>
             <a:r>
               <a:rPr lang="it-IT"/>
-              <a:t>INFDEV026A - G. Costantini, F. Di Giacomo, G. Maggiore</a:t>
+              <a:t>INFDEV036A - G. Costantini, F. Di Giacomo</a:t>
             </a:r>
             <a:endParaRPr lang="en-GB" dirty="0"/>
           </a:p>
@@ -34607,7 +35060,7 @@
 </p:sld>
 </file>
 
-<file path=ppt/slides/slide45.xml><?xml version="1.0" encoding="utf-8"?>
+<file path=ppt/slides/slide46.xml><?xml version="1.0" encoding="utf-8"?>
 <p:sld xmlns:a="http://schemas.openxmlformats.org/drawingml/2006/main" xmlns:r="http://schemas.openxmlformats.org/officeDocument/2006/relationships" xmlns:p="http://schemas.openxmlformats.org/presentationml/2006/main">
   <p:cSld>
     <p:spTree>
@@ -34707,7 +35160,7 @@
           <a:p>
             <a:r>
               <a:rPr lang="it-IT"/>
-              <a:t>INFDEV026A - G. Costantini, F. Di Giacomo, G. Maggiore</a:t>
+              <a:t>INFDEV036A - G. Costantini, F. Di Giacomo</a:t>
             </a:r>
             <a:endParaRPr lang="en-GB" dirty="0"/>
           </a:p>
@@ -35968,7 +36421,7 @@
 </p:sld>
 </file>
 
-<file path=ppt/slides/slide46.xml><?xml version="1.0" encoding="utf-8"?>
+<file path=ppt/slides/slide47.xml><?xml version="1.0" encoding="utf-8"?>
 <p:sld xmlns:a="http://schemas.openxmlformats.org/drawingml/2006/main" xmlns:r="http://schemas.openxmlformats.org/officeDocument/2006/relationships" xmlns:p="http://schemas.openxmlformats.org/presentationml/2006/main">
   <p:cSld>
     <p:spTree>
@@ -36068,7 +36521,7 @@
           <a:p>
             <a:r>
               <a:rPr lang="it-IT"/>
-              <a:t>INFDEV026A - G. Costantini, F. Di Giacomo, G. Maggiore</a:t>
+              <a:t>INFDEV036A - G. Costantini, F. Di Giacomo</a:t>
             </a:r>
             <a:endParaRPr lang="en-GB" dirty="0"/>
           </a:p>
@@ -37329,465 +37782,6 @@
 </p:sld>
 </file>
 
-<file path=ppt/slides/slide47.xml><?xml version="1.0" encoding="utf-8"?>
-<p:sld xmlns:a="http://schemas.openxmlformats.org/drawingml/2006/main" xmlns:r="http://schemas.openxmlformats.org/officeDocument/2006/relationships" xmlns:p="http://schemas.openxmlformats.org/presentationml/2006/main">
-  <p:cSld>
-    <p:spTree>
-      <p:nvGrpSpPr>
-        <p:cNvPr id="1" name=""/>
-        <p:cNvGrpSpPr/>
-        <p:nvPr/>
-      </p:nvGrpSpPr>
-      <p:grpSpPr>
-        <a:xfrm>
-          <a:off x="0" y="0"/>
-          <a:ext cx="0" cy="0"/>
-          <a:chOff x="0" y="0"/>
-          <a:chExt cx="0" cy="0"/>
-        </a:xfrm>
-      </p:grpSpPr>
-      <p:sp>
-        <p:nvSpPr>
-          <p:cNvPr id="2" name="Title 1"/>
-          <p:cNvSpPr>
-            <a:spLocks noGrp="1"/>
-          </p:cNvSpPr>
-          <p:nvPr>
-            <p:ph type="title"/>
-          </p:nvPr>
-        </p:nvSpPr>
-        <p:spPr>
-          <a:xfrm>
-            <a:off x="677334" y="609599"/>
-            <a:ext cx="8596668" cy="950259"/>
-          </a:xfrm>
-        </p:spPr>
-        <p:txBody>
-          <a:bodyPr>
-            <a:normAutofit fontScale="90000"/>
-          </a:bodyPr>
-          <a:lstStyle/>
-          <a:p>
-            <a:r>
-              <a:rPr lang="en-GB" dirty="0"/>
-              <a:t>Graphs – Dijkstra’s algorithm (pseudocode)</a:t>
-            </a:r>
-            <a:endParaRPr lang="it-IT" dirty="0"/>
-          </a:p>
-        </p:txBody>
-      </p:sp>
-      <p:sp>
-        <p:nvSpPr>
-          <p:cNvPr id="3" name="Content Placeholder 2"/>
-          <p:cNvSpPr>
-            <a:spLocks noGrp="1"/>
-          </p:cNvSpPr>
-          <p:nvPr>
-            <p:ph idx="1"/>
-          </p:nvPr>
-        </p:nvSpPr>
-        <p:spPr>
-          <a:xfrm>
-            <a:off x="677334" y="1559859"/>
-            <a:ext cx="8596668" cy="4481503"/>
-          </a:xfrm>
-          <a:ln>
-            <a:solidFill>
-              <a:schemeClr val="tx1"/>
-            </a:solidFill>
-          </a:ln>
-        </p:spPr>
-        <p:txBody>
-          <a:bodyPr>
-            <a:normAutofit fontScale="62500" lnSpcReduction="20000"/>
-          </a:bodyPr>
-          <a:lstStyle/>
-          <a:p>
-            <a:pPr marL="0" indent="0">
-              <a:buNone/>
-            </a:pPr>
-            <a:r>
-              <a:rPr lang="en-US" dirty="0">
-                <a:latin typeface="Consolas" panose="020B0609020204030204" pitchFamily="49" charset="0"/>
-                <a:cs typeface="Courier New" panose="02070309020205020404" pitchFamily="49" charset="0"/>
-              </a:rPr>
-              <a:t>function Dijkstra(Graph, source):</a:t>
-            </a:r>
-          </a:p>
-          <a:p>
-            <a:pPr marL="0" indent="0">
-              <a:buNone/>
-            </a:pPr>
-            <a:r>
-              <a:rPr lang="en-US" dirty="0">
-                <a:latin typeface="Consolas" panose="020B0609020204030204" pitchFamily="49" charset="0"/>
-                <a:cs typeface="Courier New" panose="02070309020205020404" pitchFamily="49" charset="0"/>
-              </a:rPr>
-              <a:t>    create vertex set Q</a:t>
-            </a:r>
-          </a:p>
-          <a:p>
-            <a:pPr marL="0" indent="0">
-              <a:buNone/>
-            </a:pPr>
-            <a:r>
-              <a:rPr lang="en-US" dirty="0">
-                <a:latin typeface="Consolas" panose="020B0609020204030204" pitchFamily="49" charset="0"/>
-                <a:cs typeface="Courier New" panose="02070309020205020404" pitchFamily="49" charset="0"/>
-              </a:rPr>
-              <a:t>    for each vertex v in Graph:             // Initialization</a:t>
-            </a:r>
-          </a:p>
-          <a:p>
-            <a:pPr marL="0" indent="0">
-              <a:buNone/>
-            </a:pPr>
-            <a:r>
-              <a:rPr lang="en-US" dirty="0">
-                <a:latin typeface="Consolas" panose="020B0609020204030204" pitchFamily="49" charset="0"/>
-                <a:cs typeface="Courier New" panose="02070309020205020404" pitchFamily="49" charset="0"/>
-              </a:rPr>
-              <a:t>        </a:t>
-            </a:r>
-            <a:r>
-              <a:rPr lang="en-US" dirty="0" err="1">
-                <a:latin typeface="Consolas" panose="020B0609020204030204" pitchFamily="49" charset="0"/>
-                <a:cs typeface="Courier New" panose="02070309020205020404" pitchFamily="49" charset="0"/>
-              </a:rPr>
-              <a:t>dist</a:t>
-            </a:r>
-            <a:r>
-              <a:rPr lang="en-US" dirty="0">
-                <a:latin typeface="Consolas" panose="020B0609020204030204" pitchFamily="49" charset="0"/>
-                <a:cs typeface="Courier New" panose="02070309020205020404" pitchFamily="49" charset="0"/>
-              </a:rPr>
-              <a:t>[v] ← INFINITY                  // Unknown distance from source to v</a:t>
-            </a:r>
-          </a:p>
-          <a:p>
-            <a:pPr marL="0" indent="0">
-              <a:buNone/>
-            </a:pPr>
-            <a:r>
-              <a:rPr lang="en-US" dirty="0">
-                <a:latin typeface="Consolas" panose="020B0609020204030204" pitchFamily="49" charset="0"/>
-                <a:cs typeface="Courier New" panose="02070309020205020404" pitchFamily="49" charset="0"/>
-              </a:rPr>
-              <a:t>        </a:t>
-            </a:r>
-            <a:r>
-              <a:rPr lang="en-US" dirty="0" err="1">
-                <a:latin typeface="Consolas" panose="020B0609020204030204" pitchFamily="49" charset="0"/>
-                <a:cs typeface="Courier New" panose="02070309020205020404" pitchFamily="49" charset="0"/>
-              </a:rPr>
-              <a:t>prev</a:t>
-            </a:r>
-            <a:r>
-              <a:rPr lang="en-US" dirty="0">
-                <a:latin typeface="Consolas" panose="020B0609020204030204" pitchFamily="49" charset="0"/>
-                <a:cs typeface="Courier New" panose="02070309020205020404" pitchFamily="49" charset="0"/>
-              </a:rPr>
-              <a:t>[v] ← UNDEFINED                 // Previous node in optimal path from source</a:t>
-            </a:r>
-          </a:p>
-          <a:p>
-            <a:pPr marL="0" indent="0">
-              <a:buNone/>
-            </a:pPr>
-            <a:r>
-              <a:rPr lang="en-US" dirty="0">
-                <a:latin typeface="Consolas" panose="020B0609020204030204" pitchFamily="49" charset="0"/>
-                <a:cs typeface="Courier New" panose="02070309020205020404" pitchFamily="49" charset="0"/>
-              </a:rPr>
-              <a:t>        add v to Q                          // All nodes initially in Q (unvisited nodes)</a:t>
-            </a:r>
-          </a:p>
-          <a:p>
-            <a:pPr marL="0" indent="0">
-              <a:buNone/>
-            </a:pPr>
-            <a:r>
-              <a:rPr lang="en-US" dirty="0">
-                <a:latin typeface="Consolas" panose="020B0609020204030204" pitchFamily="49" charset="0"/>
-                <a:cs typeface="Courier New" panose="02070309020205020404" pitchFamily="49" charset="0"/>
-              </a:rPr>
-              <a:t>    </a:t>
-            </a:r>
-            <a:r>
-              <a:rPr lang="en-US" dirty="0" err="1">
-                <a:latin typeface="Consolas" panose="020B0609020204030204" pitchFamily="49" charset="0"/>
-                <a:cs typeface="Courier New" panose="02070309020205020404" pitchFamily="49" charset="0"/>
-              </a:rPr>
-              <a:t>dist</a:t>
-            </a:r>
-            <a:r>
-              <a:rPr lang="en-US" dirty="0">
-                <a:latin typeface="Consolas" panose="020B0609020204030204" pitchFamily="49" charset="0"/>
-                <a:cs typeface="Courier New" panose="02070309020205020404" pitchFamily="49" charset="0"/>
-              </a:rPr>
-              <a:t>[source] ← 0                        // Distance from source to source  </a:t>
-            </a:r>
-          </a:p>
-          <a:p>
-            <a:pPr marL="0" indent="0">
-              <a:buNone/>
-            </a:pPr>
-            <a:r>
-              <a:rPr lang="en-US" dirty="0">
-                <a:latin typeface="Consolas" panose="020B0609020204030204" pitchFamily="49" charset="0"/>
-                <a:cs typeface="Courier New" panose="02070309020205020404" pitchFamily="49" charset="0"/>
-              </a:rPr>
-              <a:t>    while Q is not empty:</a:t>
-            </a:r>
-          </a:p>
-          <a:p>
-            <a:pPr marL="0" indent="0">
-              <a:buNone/>
-            </a:pPr>
-            <a:r>
-              <a:rPr lang="en-US" dirty="0">
-                <a:latin typeface="Consolas" panose="020B0609020204030204" pitchFamily="49" charset="0"/>
-                <a:cs typeface="Courier New" panose="02070309020205020404" pitchFamily="49" charset="0"/>
-              </a:rPr>
-              <a:t>       u ← vertex in Q with min </a:t>
-            </a:r>
-            <a:r>
-              <a:rPr lang="en-US" dirty="0" err="1">
-                <a:latin typeface="Consolas" panose="020B0609020204030204" pitchFamily="49" charset="0"/>
-                <a:cs typeface="Courier New" panose="02070309020205020404" pitchFamily="49" charset="0"/>
-              </a:rPr>
-              <a:t>dist</a:t>
-            </a:r>
-            <a:r>
-              <a:rPr lang="en-US" dirty="0">
-                <a:latin typeface="Consolas" panose="020B0609020204030204" pitchFamily="49" charset="0"/>
-                <a:cs typeface="Courier New" panose="02070309020205020404" pitchFamily="49" charset="0"/>
-              </a:rPr>
-              <a:t>[u]    // Source node will be selected first</a:t>
-            </a:r>
-          </a:p>
-          <a:p>
-            <a:pPr marL="0" indent="0">
-              <a:buNone/>
-            </a:pPr>
-            <a:r>
-              <a:rPr lang="en-US" dirty="0">
-                <a:latin typeface="Consolas" panose="020B0609020204030204" pitchFamily="49" charset="0"/>
-                <a:cs typeface="Courier New" panose="02070309020205020404" pitchFamily="49" charset="0"/>
-              </a:rPr>
-              <a:t>        remove u from Q </a:t>
-            </a:r>
-          </a:p>
-          <a:p>
-            <a:pPr marL="0" indent="0">
-              <a:buNone/>
-            </a:pPr>
-            <a:r>
-              <a:rPr lang="en-US" dirty="0">
-                <a:latin typeface="Consolas" panose="020B0609020204030204" pitchFamily="49" charset="0"/>
-                <a:cs typeface="Courier New" panose="02070309020205020404" pitchFamily="49" charset="0"/>
-              </a:rPr>
-              <a:t>        </a:t>
-            </a:r>
-          </a:p>
-          <a:p>
-            <a:pPr marL="0" indent="0">
-              <a:buNone/>
-            </a:pPr>
-            <a:r>
-              <a:rPr lang="en-US" dirty="0">
-                <a:latin typeface="Consolas" panose="020B0609020204030204" pitchFamily="49" charset="0"/>
-                <a:cs typeface="Courier New" panose="02070309020205020404" pitchFamily="49" charset="0"/>
-              </a:rPr>
-              <a:t>       for each neighbor v of u:           // where v is still in Q.</a:t>
-            </a:r>
-          </a:p>
-          <a:p>
-            <a:pPr marL="0" indent="0">
-              <a:buNone/>
-            </a:pPr>
-            <a:r>
-              <a:rPr lang="en-US" dirty="0">
-                <a:latin typeface="Consolas" panose="020B0609020204030204" pitchFamily="49" charset="0"/>
-                <a:cs typeface="Courier New" panose="02070309020205020404" pitchFamily="49" charset="0"/>
-              </a:rPr>
-              <a:t>           alt ← </a:t>
-            </a:r>
-            <a:r>
-              <a:rPr lang="en-US" dirty="0" err="1">
-                <a:latin typeface="Consolas" panose="020B0609020204030204" pitchFamily="49" charset="0"/>
-                <a:cs typeface="Courier New" panose="02070309020205020404" pitchFamily="49" charset="0"/>
-              </a:rPr>
-              <a:t>dist</a:t>
-            </a:r>
-            <a:r>
-              <a:rPr lang="en-US" dirty="0">
-                <a:latin typeface="Consolas" panose="020B0609020204030204" pitchFamily="49" charset="0"/>
-                <a:cs typeface="Courier New" panose="02070309020205020404" pitchFamily="49" charset="0"/>
-              </a:rPr>
-              <a:t>[u] + length(u, v)</a:t>
-            </a:r>
-          </a:p>
-          <a:p>
-            <a:pPr marL="0" indent="0">
-              <a:buNone/>
-            </a:pPr>
-            <a:r>
-              <a:rPr lang="en-US" dirty="0">
-                <a:latin typeface="Consolas" panose="020B0609020204030204" pitchFamily="49" charset="0"/>
-                <a:cs typeface="Courier New" panose="02070309020205020404" pitchFamily="49" charset="0"/>
-              </a:rPr>
-              <a:t>           if alt &lt; </a:t>
-            </a:r>
-            <a:r>
-              <a:rPr lang="en-US" dirty="0" err="1">
-                <a:latin typeface="Consolas" panose="020B0609020204030204" pitchFamily="49" charset="0"/>
-                <a:cs typeface="Courier New" panose="02070309020205020404" pitchFamily="49" charset="0"/>
-              </a:rPr>
-              <a:t>dist</a:t>
-            </a:r>
-            <a:r>
-              <a:rPr lang="en-US" dirty="0">
-                <a:latin typeface="Consolas" panose="020B0609020204030204" pitchFamily="49" charset="0"/>
-                <a:cs typeface="Courier New" panose="02070309020205020404" pitchFamily="49" charset="0"/>
-              </a:rPr>
-              <a:t>[v]:               // A shorter path to v has been found</a:t>
-            </a:r>
-          </a:p>
-          <a:p>
-            <a:pPr marL="0" indent="0">
-              <a:buNone/>
-            </a:pPr>
-            <a:r>
-              <a:rPr lang="en-US" dirty="0">
-                <a:latin typeface="Consolas" panose="020B0609020204030204" pitchFamily="49" charset="0"/>
-                <a:cs typeface="Courier New" panose="02070309020205020404" pitchFamily="49" charset="0"/>
-              </a:rPr>
-              <a:t>               </a:t>
-            </a:r>
-            <a:r>
-              <a:rPr lang="en-US" dirty="0" err="1">
-                <a:latin typeface="Consolas" panose="020B0609020204030204" pitchFamily="49" charset="0"/>
-                <a:cs typeface="Courier New" panose="02070309020205020404" pitchFamily="49" charset="0"/>
-              </a:rPr>
-              <a:t>dist</a:t>
-            </a:r>
-            <a:r>
-              <a:rPr lang="en-US" dirty="0">
-                <a:latin typeface="Consolas" panose="020B0609020204030204" pitchFamily="49" charset="0"/>
-                <a:cs typeface="Courier New" panose="02070309020205020404" pitchFamily="49" charset="0"/>
-              </a:rPr>
-              <a:t>[v] ← alt </a:t>
-            </a:r>
-          </a:p>
-          <a:p>
-            <a:pPr marL="0" indent="0">
-              <a:buNone/>
-            </a:pPr>
-            <a:r>
-              <a:rPr lang="en-US" dirty="0">
-                <a:latin typeface="Consolas" panose="020B0609020204030204" pitchFamily="49" charset="0"/>
-                <a:cs typeface="Courier New" panose="02070309020205020404" pitchFamily="49" charset="0"/>
-              </a:rPr>
-              <a:t>               </a:t>
-            </a:r>
-            <a:r>
-              <a:rPr lang="en-US" dirty="0" err="1">
-                <a:latin typeface="Consolas" panose="020B0609020204030204" pitchFamily="49" charset="0"/>
-                <a:cs typeface="Courier New" panose="02070309020205020404" pitchFamily="49" charset="0"/>
-              </a:rPr>
-              <a:t>prev</a:t>
-            </a:r>
-            <a:r>
-              <a:rPr lang="en-US" dirty="0">
-                <a:latin typeface="Consolas" panose="020B0609020204030204" pitchFamily="49" charset="0"/>
-                <a:cs typeface="Courier New" panose="02070309020205020404" pitchFamily="49" charset="0"/>
-              </a:rPr>
-              <a:t>[v] ← u </a:t>
-            </a:r>
-          </a:p>
-          <a:p>
-            <a:pPr marL="0" indent="0">
-              <a:buNone/>
-            </a:pPr>
-            <a:r>
-              <a:rPr lang="en-US" dirty="0">
-                <a:latin typeface="Consolas" panose="020B0609020204030204" pitchFamily="49" charset="0"/>
-                <a:cs typeface="Courier New" panose="02070309020205020404" pitchFamily="49" charset="0"/>
-              </a:rPr>
-              <a:t>    return </a:t>
-            </a:r>
-            <a:r>
-              <a:rPr lang="en-US" dirty="0" err="1">
-                <a:latin typeface="Consolas" panose="020B0609020204030204" pitchFamily="49" charset="0"/>
-                <a:cs typeface="Courier New" panose="02070309020205020404" pitchFamily="49" charset="0"/>
-              </a:rPr>
-              <a:t>dist</a:t>
-            </a:r>
-            <a:r>
-              <a:rPr lang="en-US" dirty="0">
-                <a:latin typeface="Consolas" panose="020B0609020204030204" pitchFamily="49" charset="0"/>
-                <a:cs typeface="Courier New" panose="02070309020205020404" pitchFamily="49" charset="0"/>
-              </a:rPr>
-              <a:t>[], </a:t>
-            </a:r>
-            <a:r>
-              <a:rPr lang="en-US" dirty="0" err="1">
-                <a:latin typeface="Consolas" panose="020B0609020204030204" pitchFamily="49" charset="0"/>
-                <a:cs typeface="Courier New" panose="02070309020205020404" pitchFamily="49" charset="0"/>
-              </a:rPr>
-              <a:t>prev</a:t>
-            </a:r>
-            <a:r>
-              <a:rPr lang="en-US" dirty="0">
-                <a:latin typeface="Consolas" panose="020B0609020204030204" pitchFamily="49" charset="0"/>
-                <a:cs typeface="Courier New" panose="02070309020205020404" pitchFamily="49" charset="0"/>
-              </a:rPr>
-              <a:t>[]</a:t>
-            </a:r>
-            <a:endParaRPr lang="it-IT" dirty="0">
-              <a:latin typeface="Consolas" panose="020B0609020204030204" pitchFamily="49" charset="0"/>
-              <a:cs typeface="Courier New" panose="02070309020205020404" pitchFamily="49" charset="0"/>
-            </a:endParaRPr>
-          </a:p>
-        </p:txBody>
-      </p:sp>
-      <p:sp>
-        <p:nvSpPr>
-          <p:cNvPr id="4" name="Footer Placeholder 3"/>
-          <p:cNvSpPr>
-            <a:spLocks noGrp="1"/>
-          </p:cNvSpPr>
-          <p:nvPr>
-            <p:ph type="ftr" sz="quarter" idx="11"/>
-          </p:nvPr>
-        </p:nvSpPr>
-        <p:spPr/>
-        <p:txBody>
-          <a:bodyPr/>
-          <a:lstStyle/>
-          <a:p>
-            <a:r>
-              <a:rPr lang="it-IT"/>
-              <a:t>INFDEV026A - G. Costantini, F. Di Giacomo, G. Maggiore</a:t>
-            </a:r>
-            <a:endParaRPr lang="en-GB"/>
-          </a:p>
-        </p:txBody>
-      </p:sp>
-    </p:spTree>
-    <p:extLst>
-      <p:ext uri="{BB962C8B-B14F-4D97-AF65-F5344CB8AC3E}">
-        <p14:creationId xmlns:p14="http://schemas.microsoft.com/office/powerpoint/2010/main" val="4078317573"/>
-      </p:ext>
-    </p:extLst>
-  </p:cSld>
-  <p:clrMapOvr>
-    <a:masterClrMapping/>
-  </p:clrMapOvr>
-</p:sld>
-</file>
-
 <file path=ppt/slides/slide48.xml><?xml version="1.0" encoding="utf-8"?>
 <p:sld xmlns:a="http://schemas.openxmlformats.org/drawingml/2006/main" xmlns:r="http://schemas.openxmlformats.org/officeDocument/2006/relationships" xmlns:p="http://schemas.openxmlformats.org/presentationml/2006/main">
   <p:cSld>
@@ -37815,23 +37809,23 @@
             <p:ph type="title"/>
           </p:nvPr>
         </p:nvSpPr>
-        <p:spPr/>
-        <p:txBody>
-          <a:bodyPr/>
+        <p:spPr>
+          <a:xfrm>
+            <a:off x="677334" y="609599"/>
+            <a:ext cx="8596668" cy="950259"/>
+          </a:xfrm>
+        </p:spPr>
+        <p:txBody>
+          <a:bodyPr>
+            <a:normAutofit fontScale="90000"/>
+          </a:bodyPr>
           <a:lstStyle/>
           <a:p>
             <a:r>
               <a:rPr lang="en-GB" dirty="0"/>
-              <a:t>Graphs – </a:t>
-            </a:r>
-            <a:r>
-              <a:rPr lang="en-GB" dirty="0" err="1"/>
-              <a:t>Dijkstra’s</a:t>
-            </a:r>
-            <a:r>
-              <a:rPr lang="en-GB" dirty="0"/>
-              <a:t> algorithm</a:t>
-            </a:r>
+              <a:t>Graphs – Dijkstra’s algorithm (pseudocode)</a:t>
+            </a:r>
+            <a:endParaRPr lang="it-IT" dirty="0"/>
           </a:p>
         </p:txBody>
       </p:sp>
@@ -37845,54 +37839,369 @@
             <p:ph idx="1"/>
           </p:nvPr>
         </p:nvSpPr>
-        <p:spPr/>
-        <p:txBody>
-          <a:bodyPr/>
-          <a:lstStyle/>
-          <a:p>
-            <a:r>
-              <a:rPr lang="en-US" dirty="0"/>
-              <a:t>Main steps of the algorithm</a:t>
-            </a:r>
-          </a:p>
-          <a:p>
-            <a:pPr lvl="1"/>
-            <a:r>
-              <a:rPr lang="en-US" dirty="0"/>
-              <a:t>Pick the unvisited vertex with the lowest-distance</a:t>
-            </a:r>
-          </a:p>
-          <a:p>
-            <a:pPr lvl="1"/>
-            <a:r>
-              <a:rPr lang="en-US" dirty="0"/>
-              <a:t>Calculate the distance through it to each unvisited neighbor</a:t>
-            </a:r>
-          </a:p>
-          <a:p>
-            <a:pPr lvl="1"/>
-            <a:r>
-              <a:rPr lang="en-US" dirty="0"/>
-              <a:t>Update the neighbor's distance if smaller</a:t>
-            </a:r>
-          </a:p>
-          <a:p>
-            <a:pPr lvl="1"/>
-            <a:r>
-              <a:rPr lang="en-US" dirty="0"/>
-              <a:t>Mark visited when done </a:t>
-            </a:r>
-            <a:r>
-              <a:rPr lang="en-US"/>
-              <a:t>with neighbors</a:t>
-            </a:r>
-            <a:endParaRPr lang="en-US" dirty="0"/>
-          </a:p>
+        <p:spPr>
+          <a:xfrm>
+            <a:off x="677334" y="1559859"/>
+            <a:ext cx="8596668" cy="4481503"/>
+          </a:xfrm>
+          <a:ln>
+            <a:solidFill>
+              <a:schemeClr val="tx1"/>
+            </a:solidFill>
+          </a:ln>
+        </p:spPr>
+        <p:txBody>
+          <a:bodyPr>
+            <a:normAutofit fontScale="62500" lnSpcReduction="20000"/>
+          </a:bodyPr>
+          <a:lstStyle/>
           <a:p>
             <a:pPr marL="0" indent="0">
               <a:buNone/>
             </a:pPr>
-            <a:endParaRPr lang="en-GB" dirty="0"/>
+            <a:r>
+              <a:rPr lang="en-US" dirty="0">
+                <a:latin typeface="Consolas" panose="020B0609020204030204" pitchFamily="49" charset="0"/>
+                <a:cs typeface="Courier New" panose="02070309020205020404" pitchFamily="49" charset="0"/>
+              </a:rPr>
+              <a:t>function Dijkstra(Graph, source):</a:t>
+            </a:r>
+          </a:p>
+          <a:p>
+            <a:pPr marL="0" indent="0">
+              <a:buNone/>
+            </a:pPr>
+            <a:r>
+              <a:rPr lang="en-US" dirty="0">
+                <a:latin typeface="Consolas" panose="020B0609020204030204" pitchFamily="49" charset="0"/>
+                <a:cs typeface="Courier New" panose="02070309020205020404" pitchFamily="49" charset="0"/>
+              </a:rPr>
+              <a:t>    create vertex set Q</a:t>
+            </a:r>
+          </a:p>
+          <a:p>
+            <a:pPr marL="0" indent="0">
+              <a:buNone/>
+            </a:pPr>
+            <a:r>
+              <a:rPr lang="en-US" dirty="0">
+                <a:latin typeface="Consolas" panose="020B0609020204030204" pitchFamily="49" charset="0"/>
+                <a:cs typeface="Courier New" panose="02070309020205020404" pitchFamily="49" charset="0"/>
+              </a:rPr>
+              <a:t>    for each vertex v in Graph:             // Initialization</a:t>
+            </a:r>
+          </a:p>
+          <a:p>
+            <a:pPr marL="0" indent="0">
+              <a:buNone/>
+            </a:pPr>
+            <a:r>
+              <a:rPr lang="en-US" dirty="0">
+                <a:latin typeface="Consolas" panose="020B0609020204030204" pitchFamily="49" charset="0"/>
+                <a:cs typeface="Courier New" panose="02070309020205020404" pitchFamily="49" charset="0"/>
+              </a:rPr>
+              <a:t>        </a:t>
+            </a:r>
+            <a:r>
+              <a:rPr lang="en-US" dirty="0" err="1">
+                <a:latin typeface="Consolas" panose="020B0609020204030204" pitchFamily="49" charset="0"/>
+                <a:cs typeface="Courier New" panose="02070309020205020404" pitchFamily="49" charset="0"/>
+              </a:rPr>
+              <a:t>dist</a:t>
+            </a:r>
+            <a:r>
+              <a:rPr lang="en-US" dirty="0">
+                <a:latin typeface="Consolas" panose="020B0609020204030204" pitchFamily="49" charset="0"/>
+                <a:cs typeface="Courier New" panose="02070309020205020404" pitchFamily="49" charset="0"/>
+              </a:rPr>
+              <a:t>[v] ← INFINITY                  // Unknown distance from source to v</a:t>
+            </a:r>
+          </a:p>
+          <a:p>
+            <a:pPr marL="0" indent="0">
+              <a:buNone/>
+            </a:pPr>
+            <a:r>
+              <a:rPr lang="en-US" dirty="0">
+                <a:latin typeface="Consolas" panose="020B0609020204030204" pitchFamily="49" charset="0"/>
+                <a:cs typeface="Courier New" panose="02070309020205020404" pitchFamily="49" charset="0"/>
+              </a:rPr>
+              <a:t>        </a:t>
+            </a:r>
+            <a:r>
+              <a:rPr lang="en-US" dirty="0" err="1">
+                <a:latin typeface="Consolas" panose="020B0609020204030204" pitchFamily="49" charset="0"/>
+                <a:cs typeface="Courier New" panose="02070309020205020404" pitchFamily="49" charset="0"/>
+              </a:rPr>
+              <a:t>prev</a:t>
+            </a:r>
+            <a:r>
+              <a:rPr lang="en-US" dirty="0">
+                <a:latin typeface="Consolas" panose="020B0609020204030204" pitchFamily="49" charset="0"/>
+                <a:cs typeface="Courier New" panose="02070309020205020404" pitchFamily="49" charset="0"/>
+              </a:rPr>
+              <a:t>[v] ← UNDEFINED                 // Previous node in optimal path from source</a:t>
+            </a:r>
+          </a:p>
+          <a:p>
+            <a:pPr marL="0" indent="0">
+              <a:buNone/>
+            </a:pPr>
+            <a:r>
+              <a:rPr lang="en-US" dirty="0">
+                <a:latin typeface="Consolas" panose="020B0609020204030204" pitchFamily="49" charset="0"/>
+                <a:cs typeface="Courier New" panose="02070309020205020404" pitchFamily="49" charset="0"/>
+              </a:rPr>
+              <a:t>        add v to Q                          // All nodes initially in Q (unvisited nodes)</a:t>
+            </a:r>
+          </a:p>
+          <a:p>
+            <a:pPr marL="0" indent="0">
+              <a:buNone/>
+            </a:pPr>
+            <a:r>
+              <a:rPr lang="en-US" dirty="0">
+                <a:latin typeface="Consolas" panose="020B0609020204030204" pitchFamily="49" charset="0"/>
+                <a:cs typeface="Courier New" panose="02070309020205020404" pitchFamily="49" charset="0"/>
+              </a:rPr>
+              <a:t>    </a:t>
+            </a:r>
+            <a:r>
+              <a:rPr lang="en-US" dirty="0" err="1">
+                <a:latin typeface="Consolas" panose="020B0609020204030204" pitchFamily="49" charset="0"/>
+                <a:cs typeface="Courier New" panose="02070309020205020404" pitchFamily="49" charset="0"/>
+              </a:rPr>
+              <a:t>dist</a:t>
+            </a:r>
+            <a:r>
+              <a:rPr lang="en-US" dirty="0">
+                <a:latin typeface="Consolas" panose="020B0609020204030204" pitchFamily="49" charset="0"/>
+                <a:cs typeface="Courier New" panose="02070309020205020404" pitchFamily="49" charset="0"/>
+              </a:rPr>
+              <a:t>[source] ← 0                        // Distance from source to source  </a:t>
+            </a:r>
+          </a:p>
+          <a:p>
+            <a:pPr marL="0" indent="0">
+              <a:buNone/>
+            </a:pPr>
+            <a:r>
+              <a:rPr lang="en-US" dirty="0">
+                <a:latin typeface="Consolas" panose="020B0609020204030204" pitchFamily="49" charset="0"/>
+                <a:cs typeface="Courier New" panose="02070309020205020404" pitchFamily="49" charset="0"/>
+              </a:rPr>
+              <a:t>    while Q is not empty:</a:t>
+            </a:r>
+          </a:p>
+          <a:p>
+            <a:pPr marL="0" indent="0">
+              <a:buNone/>
+            </a:pPr>
+            <a:r>
+              <a:rPr lang="en-US" dirty="0">
+                <a:latin typeface="Consolas" panose="020B0609020204030204" pitchFamily="49" charset="0"/>
+                <a:cs typeface="Courier New" panose="02070309020205020404" pitchFamily="49" charset="0"/>
+              </a:rPr>
+              <a:t>       u ← vertex in Q with min </a:t>
+            </a:r>
+            <a:r>
+              <a:rPr lang="en-US" dirty="0" err="1">
+                <a:latin typeface="Consolas" panose="020B0609020204030204" pitchFamily="49" charset="0"/>
+                <a:cs typeface="Courier New" panose="02070309020205020404" pitchFamily="49" charset="0"/>
+              </a:rPr>
+              <a:t>dist</a:t>
+            </a:r>
+            <a:r>
+              <a:rPr lang="en-US" dirty="0">
+                <a:latin typeface="Consolas" panose="020B0609020204030204" pitchFamily="49" charset="0"/>
+                <a:cs typeface="Courier New" panose="02070309020205020404" pitchFamily="49" charset="0"/>
+              </a:rPr>
+              <a:t>[u]    // Source node will be selected first</a:t>
+            </a:r>
+          </a:p>
+          <a:p>
+            <a:pPr marL="0" indent="0">
+              <a:buNone/>
+            </a:pPr>
+            <a:r>
+              <a:rPr lang="en-US" dirty="0">
+                <a:latin typeface="Consolas" panose="020B0609020204030204" pitchFamily="49" charset="0"/>
+                <a:cs typeface="Courier New" panose="02070309020205020404" pitchFamily="49" charset="0"/>
+              </a:rPr>
+              <a:t>        remove u from Q </a:t>
+            </a:r>
+          </a:p>
+          <a:p>
+            <a:pPr marL="0" indent="0">
+              <a:buNone/>
+            </a:pPr>
+            <a:r>
+              <a:rPr lang="en-US" dirty="0">
+                <a:latin typeface="Consolas" panose="020B0609020204030204" pitchFamily="49" charset="0"/>
+                <a:cs typeface="Courier New" panose="02070309020205020404" pitchFamily="49" charset="0"/>
+              </a:rPr>
+              <a:t>        </a:t>
+            </a:r>
+          </a:p>
+          <a:p>
+            <a:pPr marL="0" indent="0">
+              <a:buNone/>
+            </a:pPr>
+            <a:r>
+              <a:rPr lang="en-US" dirty="0">
+                <a:latin typeface="Consolas" panose="020B0609020204030204" pitchFamily="49" charset="0"/>
+                <a:cs typeface="Courier New" panose="02070309020205020404" pitchFamily="49" charset="0"/>
+              </a:rPr>
+              <a:t>       for each neighbor v of u:           // where v is still in Q.</a:t>
+            </a:r>
+          </a:p>
+          <a:p>
+            <a:pPr marL="0" indent="0">
+              <a:buNone/>
+            </a:pPr>
+            <a:r>
+              <a:rPr lang="en-US" dirty="0">
+                <a:latin typeface="Consolas" panose="020B0609020204030204" pitchFamily="49" charset="0"/>
+                <a:cs typeface="Courier New" panose="02070309020205020404" pitchFamily="49" charset="0"/>
+              </a:rPr>
+              <a:t>           alt ← </a:t>
+            </a:r>
+            <a:r>
+              <a:rPr lang="en-US" dirty="0" err="1">
+                <a:latin typeface="Consolas" panose="020B0609020204030204" pitchFamily="49" charset="0"/>
+                <a:cs typeface="Courier New" panose="02070309020205020404" pitchFamily="49" charset="0"/>
+              </a:rPr>
+              <a:t>dist</a:t>
+            </a:r>
+            <a:r>
+              <a:rPr lang="en-US" dirty="0">
+                <a:latin typeface="Consolas" panose="020B0609020204030204" pitchFamily="49" charset="0"/>
+                <a:cs typeface="Courier New" panose="02070309020205020404" pitchFamily="49" charset="0"/>
+              </a:rPr>
+              <a:t>[u] + length(u, v)</a:t>
+            </a:r>
+          </a:p>
+          <a:p>
+            <a:pPr marL="0" indent="0">
+              <a:buNone/>
+            </a:pPr>
+            <a:r>
+              <a:rPr lang="en-US" dirty="0">
+                <a:latin typeface="Consolas" panose="020B0609020204030204" pitchFamily="49" charset="0"/>
+                <a:cs typeface="Courier New" panose="02070309020205020404" pitchFamily="49" charset="0"/>
+              </a:rPr>
+              <a:t>           if alt &lt; </a:t>
+            </a:r>
+            <a:r>
+              <a:rPr lang="en-US" dirty="0" err="1">
+                <a:latin typeface="Consolas" panose="020B0609020204030204" pitchFamily="49" charset="0"/>
+                <a:cs typeface="Courier New" panose="02070309020205020404" pitchFamily="49" charset="0"/>
+              </a:rPr>
+              <a:t>dist</a:t>
+            </a:r>
+            <a:r>
+              <a:rPr lang="en-US" dirty="0">
+                <a:latin typeface="Consolas" panose="020B0609020204030204" pitchFamily="49" charset="0"/>
+                <a:cs typeface="Courier New" panose="02070309020205020404" pitchFamily="49" charset="0"/>
+              </a:rPr>
+              <a:t>[v]:               // A shorter path to v has been found</a:t>
+            </a:r>
+          </a:p>
+          <a:p>
+            <a:pPr marL="0" indent="0">
+              <a:buNone/>
+            </a:pPr>
+            <a:r>
+              <a:rPr lang="en-US" dirty="0">
+                <a:latin typeface="Consolas" panose="020B0609020204030204" pitchFamily="49" charset="0"/>
+                <a:cs typeface="Courier New" panose="02070309020205020404" pitchFamily="49" charset="0"/>
+              </a:rPr>
+              <a:t>               </a:t>
+            </a:r>
+            <a:r>
+              <a:rPr lang="en-US" dirty="0" err="1">
+                <a:latin typeface="Consolas" panose="020B0609020204030204" pitchFamily="49" charset="0"/>
+                <a:cs typeface="Courier New" panose="02070309020205020404" pitchFamily="49" charset="0"/>
+              </a:rPr>
+              <a:t>dist</a:t>
+            </a:r>
+            <a:r>
+              <a:rPr lang="en-US" dirty="0">
+                <a:latin typeface="Consolas" panose="020B0609020204030204" pitchFamily="49" charset="0"/>
+                <a:cs typeface="Courier New" panose="02070309020205020404" pitchFamily="49" charset="0"/>
+              </a:rPr>
+              <a:t>[v] ← alt </a:t>
+            </a:r>
+          </a:p>
+          <a:p>
+            <a:pPr marL="0" indent="0">
+              <a:buNone/>
+            </a:pPr>
+            <a:r>
+              <a:rPr lang="en-US" dirty="0">
+                <a:latin typeface="Consolas" panose="020B0609020204030204" pitchFamily="49" charset="0"/>
+                <a:cs typeface="Courier New" panose="02070309020205020404" pitchFamily="49" charset="0"/>
+              </a:rPr>
+              <a:t>               </a:t>
+            </a:r>
+            <a:r>
+              <a:rPr lang="en-US" dirty="0" err="1">
+                <a:latin typeface="Consolas" panose="020B0609020204030204" pitchFamily="49" charset="0"/>
+                <a:cs typeface="Courier New" panose="02070309020205020404" pitchFamily="49" charset="0"/>
+              </a:rPr>
+              <a:t>prev</a:t>
+            </a:r>
+            <a:r>
+              <a:rPr lang="en-US" dirty="0">
+                <a:latin typeface="Consolas" panose="020B0609020204030204" pitchFamily="49" charset="0"/>
+                <a:cs typeface="Courier New" panose="02070309020205020404" pitchFamily="49" charset="0"/>
+              </a:rPr>
+              <a:t>[v] ← u </a:t>
+            </a:r>
+          </a:p>
+          <a:p>
+            <a:pPr marL="0" indent="0">
+              <a:buNone/>
+            </a:pPr>
+            <a:r>
+              <a:rPr lang="en-US" dirty="0">
+                <a:latin typeface="Consolas" panose="020B0609020204030204" pitchFamily="49" charset="0"/>
+                <a:cs typeface="Courier New" panose="02070309020205020404" pitchFamily="49" charset="0"/>
+              </a:rPr>
+              <a:t>    return </a:t>
+            </a:r>
+            <a:r>
+              <a:rPr lang="en-US" dirty="0" err="1">
+                <a:latin typeface="Consolas" panose="020B0609020204030204" pitchFamily="49" charset="0"/>
+                <a:cs typeface="Courier New" panose="02070309020205020404" pitchFamily="49" charset="0"/>
+              </a:rPr>
+              <a:t>dist</a:t>
+            </a:r>
+            <a:r>
+              <a:rPr lang="en-US" dirty="0">
+                <a:latin typeface="Consolas" panose="020B0609020204030204" pitchFamily="49" charset="0"/>
+                <a:cs typeface="Courier New" panose="02070309020205020404" pitchFamily="49" charset="0"/>
+              </a:rPr>
+              <a:t>[], </a:t>
+            </a:r>
+            <a:r>
+              <a:rPr lang="en-US" dirty="0" err="1">
+                <a:latin typeface="Consolas" panose="020B0609020204030204" pitchFamily="49" charset="0"/>
+                <a:cs typeface="Courier New" panose="02070309020205020404" pitchFamily="49" charset="0"/>
+              </a:rPr>
+              <a:t>prev</a:t>
+            </a:r>
+            <a:r>
+              <a:rPr lang="en-US" dirty="0">
+                <a:latin typeface="Consolas" panose="020B0609020204030204" pitchFamily="49" charset="0"/>
+                <a:cs typeface="Courier New" panose="02070309020205020404" pitchFamily="49" charset="0"/>
+              </a:rPr>
+              <a:t>[]</a:t>
+            </a:r>
+            <a:endParaRPr lang="it-IT" dirty="0">
+              <a:latin typeface="Consolas" panose="020B0609020204030204" pitchFamily="49" charset="0"/>
+              <a:cs typeface="Courier New" panose="02070309020205020404" pitchFamily="49" charset="0"/>
+            </a:endParaRPr>
           </a:p>
         </p:txBody>
       </p:sp>
@@ -37913,7 +38222,151 @@
           <a:p>
             <a:r>
               <a:rPr lang="it-IT"/>
-              <a:t>INFDEV026A - G. Costantini, F. Di Giacomo, G. Maggiore</a:t>
+              <a:t>INFDEV036A - G. Costantini, F. Di Giacomo</a:t>
+            </a:r>
+            <a:endParaRPr lang="en-GB"/>
+          </a:p>
+        </p:txBody>
+      </p:sp>
+    </p:spTree>
+    <p:extLst>
+      <p:ext uri="{BB962C8B-B14F-4D97-AF65-F5344CB8AC3E}">
+        <p14:creationId xmlns:p14="http://schemas.microsoft.com/office/powerpoint/2010/main" val="4078317573"/>
+      </p:ext>
+    </p:extLst>
+  </p:cSld>
+  <p:clrMapOvr>
+    <a:masterClrMapping/>
+  </p:clrMapOvr>
+</p:sld>
+</file>
+
+<file path=ppt/slides/slide49.xml><?xml version="1.0" encoding="utf-8"?>
+<p:sld xmlns:a="http://schemas.openxmlformats.org/drawingml/2006/main" xmlns:r="http://schemas.openxmlformats.org/officeDocument/2006/relationships" xmlns:p="http://schemas.openxmlformats.org/presentationml/2006/main">
+  <p:cSld>
+    <p:spTree>
+      <p:nvGrpSpPr>
+        <p:cNvPr id="1" name=""/>
+        <p:cNvGrpSpPr/>
+        <p:nvPr/>
+      </p:nvGrpSpPr>
+      <p:grpSpPr>
+        <a:xfrm>
+          <a:off x="0" y="0"/>
+          <a:ext cx="0" cy="0"/>
+          <a:chOff x="0" y="0"/>
+          <a:chExt cx="0" cy="0"/>
+        </a:xfrm>
+      </p:grpSpPr>
+      <p:sp>
+        <p:nvSpPr>
+          <p:cNvPr id="2" name="Title 1"/>
+          <p:cNvSpPr>
+            <a:spLocks noGrp="1"/>
+          </p:cNvSpPr>
+          <p:nvPr>
+            <p:ph type="title"/>
+          </p:nvPr>
+        </p:nvSpPr>
+        <p:spPr/>
+        <p:txBody>
+          <a:bodyPr/>
+          <a:lstStyle/>
+          <a:p>
+            <a:r>
+              <a:rPr lang="en-GB" dirty="0"/>
+              <a:t>Graphs – </a:t>
+            </a:r>
+            <a:r>
+              <a:rPr lang="en-GB" dirty="0" err="1"/>
+              <a:t>Dijkstra’s</a:t>
+            </a:r>
+            <a:r>
+              <a:rPr lang="en-GB" dirty="0"/>
+              <a:t> algorithm</a:t>
+            </a:r>
+          </a:p>
+        </p:txBody>
+      </p:sp>
+      <p:sp>
+        <p:nvSpPr>
+          <p:cNvPr id="3" name="Content Placeholder 2"/>
+          <p:cNvSpPr>
+            <a:spLocks noGrp="1"/>
+          </p:cNvSpPr>
+          <p:nvPr>
+            <p:ph idx="1"/>
+          </p:nvPr>
+        </p:nvSpPr>
+        <p:spPr/>
+        <p:txBody>
+          <a:bodyPr/>
+          <a:lstStyle/>
+          <a:p>
+            <a:r>
+              <a:rPr lang="en-US" dirty="0"/>
+              <a:t>Main steps of the algorithm</a:t>
+            </a:r>
+          </a:p>
+          <a:p>
+            <a:pPr lvl="1"/>
+            <a:r>
+              <a:rPr lang="en-US" dirty="0"/>
+              <a:t>Pick the unvisited vertex with the lowest-distance</a:t>
+            </a:r>
+          </a:p>
+          <a:p>
+            <a:pPr lvl="1"/>
+            <a:r>
+              <a:rPr lang="en-US" dirty="0"/>
+              <a:t>Calculate the distance through it to each unvisited neighbor</a:t>
+            </a:r>
+          </a:p>
+          <a:p>
+            <a:pPr lvl="1"/>
+            <a:r>
+              <a:rPr lang="en-US" dirty="0"/>
+              <a:t>Update the neighbor's distance if smaller</a:t>
+            </a:r>
+          </a:p>
+          <a:p>
+            <a:pPr lvl="1"/>
+            <a:r>
+              <a:rPr lang="en-US" dirty="0"/>
+              <a:t>Mark visited when done </a:t>
+            </a:r>
+            <a:r>
+              <a:rPr lang="en-US"/>
+              <a:t>with neighbors</a:t>
+            </a:r>
+            <a:endParaRPr lang="en-US" dirty="0"/>
+          </a:p>
+          <a:p>
+            <a:pPr marL="0" indent="0">
+              <a:buNone/>
+            </a:pPr>
+            <a:endParaRPr lang="en-GB" dirty="0"/>
+          </a:p>
+        </p:txBody>
+      </p:sp>
+      <p:sp>
+        <p:nvSpPr>
+          <p:cNvPr id="4" name="Footer Placeholder 3"/>
+          <p:cNvSpPr>
+            <a:spLocks noGrp="1"/>
+          </p:cNvSpPr>
+          <p:nvPr>
+            <p:ph type="ftr" sz="quarter" idx="11"/>
+          </p:nvPr>
+        </p:nvSpPr>
+        <p:spPr/>
+        <p:txBody>
+          <a:bodyPr/>
+          <a:lstStyle/>
+          <a:p>
+            <a:r>
+              <a:rPr lang="it-IT"/>
+              <a:t>INFDEV036A - G. Costantini, F. Di Giacomo</a:t>
             </a:r>
             <a:endParaRPr lang="en-GB"/>
           </a:p>
@@ -37932,7 +38385,243 @@
 </p:sld>
 </file>
 
-<file path=ppt/slides/slide49.xml><?xml version="1.0" encoding="utf-8"?>
+<file path=ppt/slides/slide5.xml><?xml version="1.0" encoding="utf-8"?>
+<p:sld xmlns:a="http://schemas.openxmlformats.org/drawingml/2006/main" xmlns:r="http://schemas.openxmlformats.org/officeDocument/2006/relationships" xmlns:p="http://schemas.openxmlformats.org/presentationml/2006/main">
+  <p:cSld>
+    <p:spTree>
+      <p:nvGrpSpPr>
+        <p:cNvPr id="1" name=""/>
+        <p:cNvGrpSpPr/>
+        <p:nvPr/>
+      </p:nvGrpSpPr>
+      <p:grpSpPr>
+        <a:xfrm>
+          <a:off x="0" y="0"/>
+          <a:ext cx="0" cy="0"/>
+          <a:chOff x="0" y="0"/>
+          <a:chExt cx="0" cy="0"/>
+        </a:xfrm>
+      </p:grpSpPr>
+      <p:sp>
+        <p:nvSpPr>
+          <p:cNvPr id="7" name="Titel 6"/>
+          <p:cNvSpPr>
+            <a:spLocks noGrp="1"/>
+          </p:cNvSpPr>
+          <p:nvPr>
+            <p:ph type="ctrTitle"/>
+          </p:nvPr>
+        </p:nvSpPr>
+        <p:spPr/>
+        <p:txBody>
+          <a:bodyPr/>
+          <a:lstStyle/>
+          <a:p>
+            <a:r>
+              <a:rPr lang="en-GB" dirty="0"/>
+              <a:t>Graphs</a:t>
+            </a:r>
+            <a:endParaRPr lang="nl-NL" dirty="0"/>
+          </a:p>
+        </p:txBody>
+      </p:sp>
+      <p:sp>
+        <p:nvSpPr>
+          <p:cNvPr id="8" name="Ondertitel 7"/>
+          <p:cNvSpPr>
+            <a:spLocks noGrp="1"/>
+          </p:cNvSpPr>
+          <p:nvPr>
+            <p:ph type="subTitle" idx="1"/>
+          </p:nvPr>
+        </p:nvSpPr>
+        <p:spPr/>
+        <p:txBody>
+          <a:bodyPr/>
+          <a:lstStyle/>
+          <a:p>
+            <a:endParaRPr lang="nl-NL"/>
+          </a:p>
+        </p:txBody>
+      </p:sp>
+      <p:pic>
+        <p:nvPicPr>
+          <p:cNvPr id="1026" name="Picture 2" descr="http://tctechcrunch2011.files.wordpress.com/2013/01/facebook-social-graph1.jpg"/>
+          <p:cNvPicPr>
+            <a:picLocks noChangeAspect="1" noChangeArrowheads="1"/>
+          </p:cNvPicPr>
+          <p:nvPr/>
+        </p:nvPicPr>
+        <p:blipFill>
+          <a:blip r:embed="rId3">
+            <a:extLst>
+              <a:ext uri="{28A0092B-C50C-407E-A947-70E740481C1C}">
+                <a14:useLocalDpi xmlns:a14="http://schemas.microsoft.com/office/drawing/2010/main" val="0"/>
+              </a:ext>
+            </a:extLst>
+          </a:blip>
+          <a:srcRect/>
+          <a:stretch>
+            <a:fillRect/>
+          </a:stretch>
+        </p:blipFill>
+        <p:spPr bwMode="auto">
+          <a:xfrm>
+            <a:off x="6150788" y="505583"/>
+            <a:ext cx="3123215" cy="2281412"/>
+          </a:xfrm>
+          <a:prstGeom prst="rect">
+            <a:avLst/>
+          </a:prstGeom>
+          <a:noFill/>
+          <a:extLst>
+            <a:ext uri="{909E8E84-426E-40DD-AFC4-6F175D3DCCD1}">
+              <a14:hiddenFill xmlns:a14="http://schemas.microsoft.com/office/drawing/2010/main">
+                <a:solidFill>
+                  <a:srgbClr val="FFFFFF"/>
+                </a:solidFill>
+              </a14:hiddenFill>
+            </a:ext>
+          </a:extLst>
+        </p:spPr>
+      </p:pic>
+      <p:pic>
+        <p:nvPicPr>
+          <p:cNvPr id="1030" name="Picture 6" descr="http://www.csit.parkland.edu/~mbrandyberry/CS2Java/Lessons/TreesRecursionGraphs/images/StateGraph.jpg"/>
+          <p:cNvPicPr>
+            <a:picLocks noChangeAspect="1" noChangeArrowheads="1"/>
+          </p:cNvPicPr>
+          <p:nvPr/>
+        </p:nvPicPr>
+        <p:blipFill>
+          <a:blip r:embed="rId4">
+            <a:extLst>
+              <a:ext uri="{28A0092B-C50C-407E-A947-70E740481C1C}">
+                <a14:useLocalDpi xmlns:a14="http://schemas.microsoft.com/office/drawing/2010/main" val="0"/>
+              </a:ext>
+            </a:extLst>
+          </a:blip>
+          <a:srcRect/>
+          <a:stretch>
+            <a:fillRect/>
+          </a:stretch>
+        </p:blipFill>
+        <p:spPr bwMode="auto">
+          <a:xfrm>
+            <a:off x="2530360" y="200576"/>
+            <a:ext cx="2625654" cy="2625654"/>
+          </a:xfrm>
+          <a:prstGeom prst="rect">
+            <a:avLst/>
+          </a:prstGeom>
+          <a:noFill/>
+          <a:extLst>
+            <a:ext uri="{909E8E84-426E-40DD-AFC4-6F175D3DCCD1}">
+              <a14:hiddenFill xmlns:a14="http://schemas.microsoft.com/office/drawing/2010/main">
+                <a:solidFill>
+                  <a:srgbClr val="FFFFFF"/>
+                </a:solidFill>
+              </a14:hiddenFill>
+            </a:ext>
+          </a:extLst>
+        </p:spPr>
+      </p:pic>
+      <p:pic>
+        <p:nvPicPr>
+          <p:cNvPr id="1032" name="Picture 8" descr="graph3"/>
+          <p:cNvPicPr>
+            <a:picLocks noChangeAspect="1" noChangeArrowheads="1"/>
+          </p:cNvPicPr>
+          <p:nvPr/>
+        </p:nvPicPr>
+        <p:blipFill>
+          <a:blip r:embed="rId5">
+            <a:extLst>
+              <a:ext uri="{28A0092B-C50C-407E-A947-70E740481C1C}">
+                <a14:useLocalDpi xmlns:a14="http://schemas.microsoft.com/office/drawing/2010/main" val="0"/>
+              </a:ext>
+            </a:extLst>
+          </a:blip>
+          <a:srcRect/>
+          <a:stretch>
+            <a:fillRect/>
+          </a:stretch>
+        </p:blipFill>
+        <p:spPr bwMode="auto">
+          <a:xfrm>
+            <a:off x="3559703" y="3645554"/>
+            <a:ext cx="3415243" cy="2690798"/>
+          </a:xfrm>
+          <a:prstGeom prst="rect">
+            <a:avLst/>
+          </a:prstGeom>
+          <a:noFill/>
+          <a:extLst>
+            <a:ext uri="{909E8E84-426E-40DD-AFC4-6F175D3DCCD1}">
+              <a14:hiddenFill xmlns:a14="http://schemas.microsoft.com/office/drawing/2010/main">
+                <a:solidFill>
+                  <a:srgbClr val="FFFFFF"/>
+                </a:solidFill>
+              </a14:hiddenFill>
+            </a:ext>
+          </a:extLst>
+        </p:spPr>
+      </p:pic>
+      <p:pic>
+        <p:nvPicPr>
+          <p:cNvPr id="2" name="Picture 2" descr="http://pages.cs.wisc.edu/~siff/CS367/Notes/class-web.gif"/>
+          <p:cNvPicPr>
+            <a:picLocks noChangeAspect="1" noChangeArrowheads="1"/>
+          </p:cNvPicPr>
+          <p:nvPr/>
+        </p:nvPicPr>
+        <p:blipFill>
+          <a:blip r:embed="rId6">
+            <a:extLst>
+              <a:ext uri="{28A0092B-C50C-407E-A947-70E740481C1C}">
+                <a14:useLocalDpi xmlns:a14="http://schemas.microsoft.com/office/drawing/2010/main" val="0"/>
+              </a:ext>
+            </a:extLst>
+          </a:blip>
+          <a:srcRect/>
+          <a:stretch>
+            <a:fillRect/>
+          </a:stretch>
+        </p:blipFill>
+        <p:spPr bwMode="auto">
+          <a:xfrm>
+            <a:off x="455010" y="2864261"/>
+            <a:ext cx="2993383" cy="2666694"/>
+          </a:xfrm>
+          <a:prstGeom prst="rect">
+            <a:avLst/>
+          </a:prstGeom>
+          <a:noFill/>
+          <a:extLst>
+            <a:ext uri="{909E8E84-426E-40DD-AFC4-6F175D3DCCD1}">
+              <a14:hiddenFill xmlns:a14="http://schemas.microsoft.com/office/drawing/2010/main">
+                <a:solidFill>
+                  <a:srgbClr val="FFFFFF"/>
+                </a:solidFill>
+              </a14:hiddenFill>
+            </a:ext>
+          </a:extLst>
+        </p:spPr>
+      </p:pic>
+    </p:spTree>
+    <p:extLst>
+      <p:ext uri="{BB962C8B-B14F-4D97-AF65-F5344CB8AC3E}">
+        <p14:creationId xmlns:p14="http://schemas.microsoft.com/office/powerpoint/2010/main" val="4062607133"/>
+      </p:ext>
+    </p:extLst>
+  </p:cSld>
+  <p:clrMapOvr>
+    <a:masterClrMapping/>
+  </p:clrMapOvr>
+</p:sld>
+</file>
+
+<file path=ppt/slides/slide50.xml><?xml version="1.0" encoding="utf-8"?>
 <p:sld xmlns:a="http://schemas.openxmlformats.org/drawingml/2006/main" xmlns:r="http://schemas.openxmlformats.org/officeDocument/2006/relationships" xmlns:p="http://schemas.openxmlformats.org/presentationml/2006/main">
   <p:cSld>
     <p:spTree>
@@ -38253,7 +38942,7 @@
           <a:p>
             <a:r>
               <a:rPr lang="it-IT"/>
-              <a:t>INFDEV026A - G. Costantini, F. Di Giacomo, G. Maggiore</a:t>
+              <a:t>INFDEV036A - G. Costantini, F. Di Giacomo</a:t>
             </a:r>
             <a:endParaRPr lang="en-GB"/>
           </a:p>
@@ -38272,353 +38961,7 @@
 </p:sld>
 </file>
 
-<file path=ppt/slides/slide5.xml><?xml version="1.0" encoding="utf-8"?>
-<p:sld xmlns:a="http://schemas.openxmlformats.org/drawingml/2006/main" xmlns:r="http://schemas.openxmlformats.org/officeDocument/2006/relationships" xmlns:p="http://schemas.openxmlformats.org/presentationml/2006/main">
-  <p:cSld>
-    <p:spTree>
-      <p:nvGrpSpPr>
-        <p:cNvPr id="1" name=""/>
-        <p:cNvGrpSpPr/>
-        <p:nvPr/>
-      </p:nvGrpSpPr>
-      <p:grpSpPr>
-        <a:xfrm>
-          <a:off x="0" y="0"/>
-          <a:ext cx="0" cy="0"/>
-          <a:chOff x="0" y="0"/>
-          <a:chExt cx="0" cy="0"/>
-        </a:xfrm>
-      </p:grpSpPr>
-      <p:sp>
-        <p:nvSpPr>
-          <p:cNvPr id="2" name="Title 1"/>
-          <p:cNvSpPr>
-            <a:spLocks noGrp="1"/>
-          </p:cNvSpPr>
-          <p:nvPr>
-            <p:ph type="title"/>
-          </p:nvPr>
-        </p:nvSpPr>
-        <p:spPr/>
-        <p:txBody>
-          <a:bodyPr/>
-          <a:lstStyle/>
-          <a:p>
-            <a:r>
-              <a:rPr lang="en-GB" dirty="0"/>
-              <a:t>Graphs – Definition  </a:t>
-            </a:r>
-          </a:p>
-        </p:txBody>
-      </p:sp>
-      <mc:AlternateContent xmlns:mc="http://schemas.openxmlformats.org/markup-compatibility/2006" xmlns:a14="http://schemas.microsoft.com/office/drawing/2010/main">
-        <mc:Choice Requires="a14">
-          <p:sp>
-            <p:nvSpPr>
-              <p:cNvPr id="3" name="Content Placeholder 2"/>
-              <p:cNvSpPr>
-                <a:spLocks noGrp="1"/>
-              </p:cNvSpPr>
-              <p:nvPr>
-                <p:ph idx="1"/>
-              </p:nvPr>
-            </p:nvSpPr>
-            <p:spPr>
-              <a:xfrm>
-                <a:off x="677334" y="2150315"/>
-                <a:ext cx="8596668" cy="3880773"/>
-              </a:xfrm>
-            </p:spPr>
-            <p:txBody>
-              <a:bodyPr/>
-              <a:lstStyle/>
-              <a:p>
-                <a:r>
-                  <a:rPr lang="en-US" dirty="0"/>
-                  <a:t>Nonlinear structure made by</a:t>
-                </a:r>
-              </a:p>
-              <a:p>
-                <a:pPr lvl="1"/>
-                <a:r>
-                  <a:rPr lang="en-US" dirty="0"/>
-                  <a:t>finite (and possibly mutable) set of </a:t>
-                </a:r>
-                <a:r>
-                  <a:rPr lang="en-US" b="1" i="1" dirty="0"/>
-                  <a:t>nodes</a:t>
-                </a:r>
-                <a:r>
-                  <a:rPr lang="en-US" b="1" dirty="0"/>
-                  <a:t> </a:t>
-                </a:r>
-                <a:r>
-                  <a:rPr lang="en-US" dirty="0"/>
-                  <a:t>or </a:t>
-                </a:r>
-                <a:r>
-                  <a:rPr lang="en-US" b="1" dirty="0"/>
-                  <a:t>vertices</a:t>
-                </a:r>
-              </a:p>
-              <a:p>
-                <a:pPr lvl="1"/>
-                <a:r>
-                  <a:rPr lang="en-US" dirty="0"/>
-                  <a:t>set of ordered/unordered pairs of these nodes, known as </a:t>
-                </a:r>
-                <a:r>
-                  <a:rPr lang="en-US" b="1" i="1" dirty="0"/>
-                  <a:t>edges </a:t>
-                </a:r>
-                <a:r>
-                  <a:rPr lang="en-US" dirty="0"/>
-                  <a:t>or </a:t>
-                </a:r>
-                <a:r>
-                  <a:rPr lang="en-US" b="1" dirty="0"/>
-                  <a:t>arcs</a:t>
-                </a:r>
-              </a:p>
-              <a:p>
-                <a:pPr lvl="2"/>
-                <a:r>
-                  <a:rPr lang="en-US" dirty="0"/>
-                  <a:t>edge </a:t>
-                </a:r>
-                <a14:m>
-                  <m:oMath xmlns:m="http://schemas.openxmlformats.org/officeDocument/2006/math">
-                    <m:r>
-                      <a:rPr lang="en-US" i="1" dirty="0" smtClean="0">
-                        <a:latin typeface="Cambria Math" panose="02040503050406030204" pitchFamily="18" charset="0"/>
-                      </a:rPr>
-                      <m:t>(</m:t>
-                    </m:r>
-                    <m:r>
-                      <a:rPr lang="en-US" i="1" dirty="0" err="1">
-                        <a:latin typeface="Cambria Math" panose="02040503050406030204" pitchFamily="18" charset="0"/>
-                      </a:rPr>
-                      <m:t>𝑥</m:t>
-                    </m:r>
-                    <m:r>
-                      <a:rPr lang="en-US" i="1" dirty="0" err="1">
-                        <a:latin typeface="Cambria Math" panose="02040503050406030204" pitchFamily="18" charset="0"/>
-                      </a:rPr>
-                      <m:t>,</m:t>
-                    </m:r>
-                    <m:r>
-                      <a:rPr lang="en-US" i="1" dirty="0" err="1">
-                        <a:latin typeface="Cambria Math" panose="02040503050406030204" pitchFamily="18" charset="0"/>
-                      </a:rPr>
-                      <m:t>𝑦</m:t>
-                    </m:r>
-                    <m:r>
-                      <a:rPr lang="en-US" i="1" dirty="0">
-                        <a:latin typeface="Cambria Math" panose="02040503050406030204" pitchFamily="18" charset="0"/>
-                      </a:rPr>
-                      <m:t>)</m:t>
-                    </m:r>
-                  </m:oMath>
-                </a14:m>
-                <a:r>
-                  <a:rPr lang="en-US" dirty="0"/>
-                  <a:t> is said to </a:t>
-                </a:r>
-                <a:r>
-                  <a:rPr lang="en-US" b="1" dirty="0"/>
-                  <a:t>point</a:t>
-                </a:r>
-                <a:r>
-                  <a:rPr lang="en-US" dirty="0"/>
-                  <a:t> or </a:t>
-                </a:r>
-                <a:r>
-                  <a:rPr lang="en-US" b="1" dirty="0"/>
-                  <a:t>go</a:t>
-                </a:r>
-                <a:r>
-                  <a:rPr lang="en-US" dirty="0"/>
-                  <a:t> </a:t>
-                </a:r>
-                <a:r>
-                  <a:rPr lang="en-US" b="1" dirty="0"/>
-                  <a:t>from</a:t>
-                </a:r>
-                <a:r>
-                  <a:rPr lang="en-US" dirty="0"/>
-                  <a:t> </a:t>
-                </a:r>
-                <a14:m>
-                  <m:oMath xmlns:m="http://schemas.openxmlformats.org/officeDocument/2006/math">
-                    <m:r>
-                      <a:rPr lang="en-US" i="1" dirty="0" smtClean="0">
-                        <a:latin typeface="Cambria Math" panose="02040503050406030204" pitchFamily="18" charset="0"/>
-                      </a:rPr>
-                      <m:t>𝑥</m:t>
-                    </m:r>
-                  </m:oMath>
-                </a14:m>
-                <a:r>
-                  <a:rPr lang="en-US" dirty="0"/>
-                  <a:t> </a:t>
-                </a:r>
-                <a:r>
-                  <a:rPr lang="en-US" b="1" dirty="0"/>
-                  <a:t>to</a:t>
-                </a:r>
-                <a:r>
-                  <a:rPr lang="en-US" dirty="0"/>
-                  <a:t> </a:t>
-                </a:r>
-                <a14:m>
-                  <m:oMath xmlns:m="http://schemas.openxmlformats.org/officeDocument/2006/math">
-                    <m:r>
-                      <a:rPr lang="en-US" i="1" dirty="0" smtClean="0">
-                        <a:latin typeface="Cambria Math" panose="02040503050406030204" pitchFamily="18" charset="0"/>
-                      </a:rPr>
-                      <m:t>𝑦</m:t>
-                    </m:r>
-                  </m:oMath>
-                </a14:m>
-                <a:endParaRPr lang="en-US" dirty="0"/>
-              </a:p>
-              <a:p>
-                <a:pPr lvl="2"/>
-                <a:r>
-                  <a:rPr lang="en-US" dirty="0"/>
-                  <a:t>may also associate to each edge some edge </a:t>
-                </a:r>
-                <a:r>
-                  <a:rPr lang="en-US" i="1" dirty="0"/>
-                  <a:t>value</a:t>
-                </a:r>
-                <a:r>
-                  <a:rPr lang="en-US" dirty="0"/>
-                  <a:t>, such as a symbolic label or a numeric attribute (cost, capacity, length, etc.)</a:t>
-                </a:r>
-              </a:p>
-              <a:p>
-                <a:endParaRPr lang="en-US" dirty="0"/>
-              </a:p>
-            </p:txBody>
-          </p:sp>
-        </mc:Choice>
-        <mc:Fallback xmlns="">
-          <p:sp>
-            <p:nvSpPr>
-              <p:cNvPr id="3" name="Content Placeholder 2"/>
-              <p:cNvSpPr>
-                <a:spLocks noGrp="1" noRot="1" noChangeAspect="1" noMove="1" noResize="1" noEditPoints="1" noAdjustHandles="1" noChangeArrowheads="1" noChangeShapeType="1" noTextEdit="1"/>
-              </p:cNvSpPr>
-              <p:nvPr>
-                <p:ph idx="1"/>
-              </p:nvPr>
-            </p:nvSpPr>
-            <p:spPr>
-              <a:xfrm>
-                <a:off x="677334" y="2150315"/>
-                <a:ext cx="8596668" cy="3880773"/>
-              </a:xfrm>
-              <a:blipFill rotWithShape="0">
-                <a:blip r:embed="rId2"/>
-                <a:stretch>
-                  <a:fillRect l="-142" t="-1101"/>
-                </a:stretch>
-              </a:blipFill>
-            </p:spPr>
-            <p:txBody>
-              <a:bodyPr/>
-              <a:lstStyle/>
-              <a:p>
-                <a:r>
-                  <a:rPr lang="nl-NL">
-                    <a:noFill/>
-                  </a:rPr>
-                  <a:t> </a:t>
-                </a:r>
-              </a:p>
-            </p:txBody>
-          </p:sp>
-        </mc:Fallback>
-      </mc:AlternateContent>
-      <p:sp>
-        <p:nvSpPr>
-          <p:cNvPr id="4" name="Footer Placeholder 3"/>
-          <p:cNvSpPr>
-            <a:spLocks noGrp="1"/>
-          </p:cNvSpPr>
-          <p:nvPr>
-            <p:ph type="ftr" sz="quarter" idx="11"/>
-          </p:nvPr>
-        </p:nvSpPr>
-        <p:spPr/>
-        <p:txBody>
-          <a:bodyPr/>
-          <a:lstStyle/>
-          <a:p>
-            <a:r>
-              <a:rPr lang="it-IT"/>
-              <a:t>INFDEV026A - G. Costantini, F. Di Giacomo, G. Maggiore</a:t>
-            </a:r>
-            <a:endParaRPr lang="en-GB"/>
-          </a:p>
-        </p:txBody>
-      </p:sp>
-      <p:pic>
-        <p:nvPicPr>
-          <p:cNvPr id="2050" name="Picture 2" descr="http://upload.wikimedia.org/wikipedia/commons/thumb/a/a2/Directed.svg/125px-Directed.svg.png"/>
-          <p:cNvPicPr>
-            <a:picLocks noChangeAspect="1" noChangeArrowheads="1"/>
-          </p:cNvPicPr>
-          <p:nvPr/>
-        </p:nvPicPr>
-        <p:blipFill>
-          <a:blip r:embed="rId3">
-            <a:extLst>
-              <a:ext uri="{28A0092B-C50C-407E-A947-70E740481C1C}">
-                <a14:useLocalDpi xmlns:a14="http://schemas.microsoft.com/office/drawing/2010/main" val="0"/>
-              </a:ext>
-            </a:extLst>
-          </a:blip>
-          <a:srcRect/>
-          <a:stretch>
-            <a:fillRect/>
-          </a:stretch>
-        </p:blipFill>
-        <p:spPr bwMode="auto">
-          <a:xfrm>
-            <a:off x="5580372" y="3951089"/>
-            <a:ext cx="3098644" cy="2801177"/>
-          </a:xfrm>
-          <a:prstGeom prst="rect">
-            <a:avLst/>
-          </a:prstGeom>
-          <a:noFill/>
-          <a:extLst>
-            <a:ext uri="{909E8E84-426E-40DD-AFC4-6F175D3DCCD1}">
-              <a14:hiddenFill xmlns:a14="http://schemas.microsoft.com/office/drawing/2010/main">
-                <a:solidFill>
-                  <a:srgbClr val="FFFFFF"/>
-                </a:solidFill>
-              </a14:hiddenFill>
-            </a:ext>
-          </a:extLst>
-        </p:spPr>
-      </p:pic>
-    </p:spTree>
-    <p:extLst>
-      <p:ext uri="{BB962C8B-B14F-4D97-AF65-F5344CB8AC3E}">
-        <p14:creationId xmlns:p14="http://schemas.microsoft.com/office/powerpoint/2010/main" val="1686387480"/>
-      </p:ext>
-    </p:extLst>
-  </p:cSld>
-  <p:clrMapOvr>
-    <a:masterClrMapping/>
-  </p:clrMapOvr>
-</p:sld>
-</file>
-
-<file path=ppt/slides/slide50.xml><?xml version="1.0" encoding="utf-8"?>
+<file path=ppt/slides/slide51.xml><?xml version="1.0" encoding="utf-8"?>
 <p:sld xmlns:a="http://schemas.openxmlformats.org/drawingml/2006/main" xmlns:r="http://schemas.openxmlformats.org/officeDocument/2006/relationships" xmlns:p="http://schemas.openxmlformats.org/presentationml/2006/main">
   <p:cSld>
     <p:spTree>
@@ -39019,7 +39362,7 @@
           <a:p>
             <a:r>
               <a:rPr lang="it-IT"/>
-              <a:t>INFDEV026A - G. Costantini, F. Di Giacomo, G. Maggiore</a:t>
+              <a:t>INFDEV036A - G. Costantini, F. Di Giacomo</a:t>
             </a:r>
             <a:endParaRPr lang="en-GB"/>
           </a:p>
@@ -39038,7 +39381,7 @@
 </p:sld>
 </file>
 
-<file path=ppt/slides/slide51.xml><?xml version="1.0" encoding="utf-8"?>
+<file path=ppt/slides/slide52.xml><?xml version="1.0" encoding="utf-8"?>
 <p:sld xmlns:a="http://schemas.openxmlformats.org/drawingml/2006/main" xmlns:r="http://schemas.openxmlformats.org/officeDocument/2006/relationships" xmlns:p="http://schemas.openxmlformats.org/presentationml/2006/main">
   <p:cSld>
     <p:spTree>
@@ -39077,87 +39420,227 @@
           </a:p>
         </p:txBody>
       </p:sp>
-      <p:sp>
-        <p:nvSpPr>
-          <p:cNvPr id="3" name="Content Placeholder 2"/>
-          <p:cNvSpPr>
-            <a:spLocks noGrp="1"/>
-          </p:cNvSpPr>
-          <p:nvPr>
-            <p:ph idx="1"/>
-          </p:nvPr>
-        </p:nvSpPr>
-        <p:spPr>
-          <a:xfrm>
-            <a:off x="677334" y="2160589"/>
-            <a:ext cx="7529964" cy="4011611"/>
-          </a:xfrm>
-        </p:spPr>
-        <p:txBody>
-          <a:bodyPr numCol="1">
-            <a:normAutofit/>
-          </a:bodyPr>
-          <a:lstStyle/>
-          <a:p>
-            <a:endParaRPr lang="en-GB" b="1" i="1" dirty="0">
-              <a:solidFill>
-                <a:srgbClr val="FF0000"/>
-              </a:solidFill>
-            </a:endParaRPr>
-          </a:p>
-          <a:p>
-            <a:pPr lvl="1"/>
-            <a:r>
-              <a:rPr lang="en-GB" i="1" dirty="0">
-                <a:solidFill>
-                  <a:schemeClr val="tx1"/>
-                </a:solidFill>
-              </a:rPr>
-              <a:t>Implement the BFS algorithm</a:t>
-            </a:r>
-            <a:endParaRPr lang="en-GB" b="1" i="1" dirty="0">
-              <a:solidFill>
-                <a:schemeClr val="tx1"/>
-              </a:solidFill>
-            </a:endParaRPr>
-          </a:p>
-          <a:p>
-            <a:pPr lvl="1"/>
-            <a:r>
-              <a:rPr lang="en-GB" i="1" dirty="0">
-                <a:solidFill>
-                  <a:schemeClr val="tx1"/>
-                </a:solidFill>
-              </a:rPr>
-              <a:t>Implement the DFS algorithm</a:t>
-            </a:r>
-          </a:p>
-          <a:p>
-            <a:pPr lvl="1"/>
-            <a:r>
-              <a:rPr lang="en-GB" b="1" i="1" dirty="0">
-                <a:solidFill>
-                  <a:schemeClr val="tx1"/>
-                </a:solidFill>
-              </a:rPr>
-              <a:t>Implement </a:t>
-            </a:r>
-            <a:r>
-              <a:rPr lang="en-GB" b="1" i="1">
-                <a:solidFill>
-                  <a:schemeClr val="tx1"/>
-                </a:solidFill>
-              </a:rPr>
-              <a:t>Dijkstra algorithm</a:t>
-            </a:r>
-            <a:endParaRPr lang="en-GB" b="1" i="1" dirty="0">
-              <a:solidFill>
-                <a:schemeClr val="tx1"/>
-              </a:solidFill>
-            </a:endParaRPr>
-          </a:p>
-        </p:txBody>
-      </p:sp>
+      <mc:AlternateContent xmlns:mc="http://schemas.openxmlformats.org/markup-compatibility/2006">
+        <mc:Choice xmlns:a14="http://schemas.microsoft.com/office/drawing/2010/main" Requires="a14">
+          <p:sp>
+            <p:nvSpPr>
+              <p:cNvPr id="3" name="Content Placeholder 2"/>
+              <p:cNvSpPr>
+                <a:spLocks noGrp="1"/>
+              </p:cNvSpPr>
+              <p:nvPr>
+                <p:ph idx="1"/>
+              </p:nvPr>
+            </p:nvSpPr>
+            <p:spPr>
+              <a:xfrm>
+                <a:off x="677333" y="2160589"/>
+                <a:ext cx="8150577" cy="4011611"/>
+              </a:xfrm>
+            </p:spPr>
+            <p:txBody>
+              <a:bodyPr numCol="1">
+                <a:normAutofit/>
+              </a:bodyPr>
+              <a:lstStyle/>
+              <a:p>
+                <a:r>
+                  <a:rPr lang="en-GB" dirty="0"/>
+                  <a:t>Study the slides</a:t>
+                </a:r>
+              </a:p>
+              <a:p>
+                <a:r>
+                  <a:rPr lang="en-GB" dirty="0"/>
+                  <a:t>Answer the MC questions on </a:t>
+                </a:r>
+                <a:r>
+                  <a:rPr lang="en-GB" dirty="0" err="1"/>
+                  <a:t>GrandeOmega</a:t>
+                </a:r>
+                <a:endParaRPr lang="en-GB" dirty="0"/>
+              </a:p>
+              <a:p>
+                <a:r>
+                  <a:rPr lang="en-GB" dirty="0"/>
+                  <a:t>Implement:</a:t>
+                </a:r>
+              </a:p>
+              <a:p>
+                <a:pPr lvl="1"/>
+                <a14:m>
+                  <m:oMath xmlns:m="http://schemas.openxmlformats.org/officeDocument/2006/math">
+                    <m:r>
+                      <a:rPr lang="en-GB" i="1" dirty="0" smtClean="0">
+                        <a:solidFill>
+                          <a:schemeClr val="tx1"/>
+                        </a:solidFill>
+                        <a:latin typeface="Cambria Math" panose="02040503050406030204" pitchFamily="18" charset="0"/>
+                      </a:rPr>
+                      <m:t>𝐵𝐹𝑆</m:t>
+                    </m:r>
+                  </m:oMath>
+                </a14:m>
+                <a:r>
+                  <a:rPr lang="en-GB" dirty="0">
+                    <a:solidFill>
+                      <a:schemeClr val="tx1"/>
+                    </a:solidFill>
+                  </a:rPr>
+                  <a:t> algorithm</a:t>
+                </a:r>
+                <a:endParaRPr lang="en-GB" b="1" dirty="0">
+                  <a:solidFill>
+                    <a:schemeClr val="tx1"/>
+                  </a:solidFill>
+                </a:endParaRPr>
+              </a:p>
+              <a:p>
+                <a:pPr lvl="1"/>
+                <a14:m>
+                  <m:oMath xmlns:m="http://schemas.openxmlformats.org/officeDocument/2006/math">
+                    <m:r>
+                      <a:rPr lang="en-GB" i="1" dirty="0" smtClean="0">
+                        <a:solidFill>
+                          <a:schemeClr val="tx1"/>
+                        </a:solidFill>
+                        <a:latin typeface="Cambria Math" panose="02040503050406030204" pitchFamily="18" charset="0"/>
+                      </a:rPr>
+                      <m:t>𝐷𝐹𝑆</m:t>
+                    </m:r>
+                  </m:oMath>
+                </a14:m>
+                <a:r>
+                  <a:rPr lang="en-GB" i="1" dirty="0">
+                    <a:solidFill>
+                      <a:schemeClr val="tx1"/>
+                    </a:solidFill>
+                  </a:rPr>
+                  <a:t> </a:t>
+                </a:r>
+                <a:r>
+                  <a:rPr lang="en-GB" dirty="0">
+                    <a:solidFill>
+                      <a:schemeClr val="tx1"/>
+                    </a:solidFill>
+                  </a:rPr>
+                  <a:t>algorithm</a:t>
+                </a:r>
+              </a:p>
+              <a:p>
+                <a:pPr lvl="1"/>
+                <a14:m>
+                  <m:oMath xmlns:m="http://schemas.openxmlformats.org/officeDocument/2006/math">
+                    <m:r>
+                      <a:rPr lang="en-GB" b="0" i="1" dirty="0" smtClean="0">
+                        <a:solidFill>
+                          <a:schemeClr val="tx1"/>
+                        </a:solidFill>
+                        <a:latin typeface="Cambria Math" panose="02040503050406030204" pitchFamily="18" charset="0"/>
+                      </a:rPr>
+                      <m:t>𝐷𝑖𝑗𝑘𝑠𝑡𝑟𝑎</m:t>
+                    </m:r>
+                    <m:r>
+                      <a:rPr lang="en-GB" b="1" i="1" dirty="0" smtClean="0">
+                        <a:solidFill>
+                          <a:schemeClr val="tx1"/>
+                        </a:solidFill>
+                        <a:latin typeface="Cambria Math" panose="02040503050406030204" pitchFamily="18" charset="0"/>
+                      </a:rPr>
+                      <m:t> </m:t>
+                    </m:r>
+                  </m:oMath>
+                </a14:m>
+                <a:r>
+                  <a:rPr lang="en-GB" dirty="0">
+                    <a:solidFill>
+                      <a:schemeClr val="tx1"/>
+                    </a:solidFill>
+                  </a:rPr>
+                  <a:t>algorithm</a:t>
+                </a:r>
+                <a:endParaRPr lang="en-GB" dirty="0"/>
+              </a:p>
+              <a:p>
+                <a:r>
+                  <a:rPr lang="en-GB" dirty="0"/>
+                  <a:t>[optional] Start third exercise of practical assignment (about graphs)</a:t>
+                </a:r>
+              </a:p>
+              <a:p>
+                <a:pPr marL="0" indent="0">
+                  <a:buNone/>
+                </a:pPr>
+                <a:endParaRPr lang="en-GB" dirty="0"/>
+              </a:p>
+              <a:p>
+                <a:pPr marL="0" indent="0" algn="ctr">
+                  <a:buNone/>
+                </a:pPr>
+                <a:r>
+                  <a:rPr lang="en-GB" b="1" dirty="0"/>
+                  <a:t>See you next week </a:t>
+                </a:r>
+                <a:r>
+                  <a:rPr lang="en-GB" b="1" dirty="0">
+                    <a:sym typeface="Wingdings" panose="05000000000000000000" pitchFamily="2" charset="2"/>
+                  </a:rPr>
+                  <a:t> </a:t>
+                </a:r>
+                <a:endParaRPr lang="en-GB" b="1" dirty="0"/>
+              </a:p>
+              <a:p>
+                <a:pPr algn="ctr"/>
+                <a:endParaRPr lang="en-GB" b="1" dirty="0"/>
+              </a:p>
+              <a:p>
+                <a:endParaRPr lang="en-GB" b="1" i="1" dirty="0">
+                  <a:solidFill>
+                    <a:srgbClr val="FF0000"/>
+                  </a:solidFill>
+                </a:endParaRPr>
+              </a:p>
+            </p:txBody>
+          </p:sp>
+        </mc:Choice>
+        <mc:Fallback>
+          <p:sp>
+            <p:nvSpPr>
+              <p:cNvPr id="3" name="Content Placeholder 2"/>
+              <p:cNvSpPr>
+                <a:spLocks noGrp="1" noRot="1" noChangeAspect="1" noMove="1" noResize="1" noEditPoints="1" noAdjustHandles="1" noChangeArrowheads="1" noChangeShapeType="1" noTextEdit="1"/>
+              </p:cNvSpPr>
+              <p:nvPr>
+                <p:ph idx="1"/>
+              </p:nvPr>
+            </p:nvSpPr>
+            <p:spPr>
+              <a:xfrm>
+                <a:off x="677333" y="2160589"/>
+                <a:ext cx="8150577" cy="4011611"/>
+              </a:xfrm>
+              <a:blipFill>
+                <a:blip r:embed="rId2"/>
+                <a:stretch>
+                  <a:fillRect l="-150" t="-910"/>
+                </a:stretch>
+              </a:blipFill>
+            </p:spPr>
+            <p:txBody>
+              <a:bodyPr/>
+              <a:lstStyle/>
+              <a:p>
+                <a:r>
+                  <a:rPr lang="nl-NL">
+                    <a:noFill/>
+                  </a:rPr>
+                  <a:t> </a:t>
+                </a:r>
+              </a:p>
+            </p:txBody>
+          </p:sp>
+        </mc:Fallback>
+      </mc:AlternateContent>
       <p:sp>
         <p:nvSpPr>
           <p:cNvPr id="4" name="Footer Placeholder 3"/>
@@ -39175,7 +39658,7 @@
           <a:p>
             <a:r>
               <a:rPr lang="it-IT"/>
-              <a:t>INFDEV026A - G. Costantini, F. Di Giacomo, G. Maggiore</a:t>
+              <a:t>INFDEV036A - G. Costantini, F. Di Giacomo</a:t>
             </a:r>
             <a:endParaRPr lang="en-GB"/>
           </a:p>
@@ -39194,7 +39677,7 @@
 </p:sld>
 </file>
 
-<file path=ppt/slides/slide52.xml><?xml version="1.0" encoding="utf-8"?>
+<file path=ppt/slides/slide53.xml><?xml version="1.0" encoding="utf-8"?>
 <p:sld xmlns:a="http://schemas.openxmlformats.org/drawingml/2006/main" xmlns:r="http://schemas.openxmlformats.org/officeDocument/2006/relationships" xmlns:p="http://schemas.openxmlformats.org/presentationml/2006/main" show="0">
   <p:cSld>
     <p:spTree>
@@ -39399,7 +39882,7 @@
           <a:p>
             <a:r>
               <a:rPr lang="it-IT"/>
-              <a:t>INFDEV026A - G. Costantini, F. Di Giacomo, G. Maggiore</a:t>
+              <a:t>INFDEV036A - G. Costantini, F. Di Giacomo</a:t>
             </a:r>
             <a:endParaRPr lang="en-GB"/>
           </a:p>
@@ -39490,7 +39973,7 @@
 </p:sld>
 </file>
 
-<file path=ppt/slides/slide53.xml><?xml version="1.0" encoding="utf-8"?>
+<file path=ppt/slides/slide54.xml><?xml version="1.0" encoding="utf-8"?>
 <p:sld xmlns:a="http://schemas.openxmlformats.org/drawingml/2006/main" xmlns:r="http://schemas.openxmlformats.org/officeDocument/2006/relationships" xmlns:p="http://schemas.openxmlformats.org/presentationml/2006/main" show="0">
   <p:cSld>
     <p:spTree>
@@ -39724,7 +40207,7 @@
           <a:p>
             <a:r>
               <a:rPr lang="it-IT"/>
-              <a:t>INFDEV026A - G. Costantini, F. Di Giacomo, G. Maggiore</a:t>
+              <a:t>INFDEV036A - G. Costantini, F. Di Giacomo</a:t>
             </a:r>
             <a:endParaRPr lang="en-GB"/>
           </a:p>
@@ -39767,7 +40250,7 @@
 </p:sld>
 </file>
 
-<file path=ppt/slides/slide54.xml><?xml version="1.0" encoding="utf-8"?>
+<file path=ppt/slides/slide55.xml><?xml version="1.0" encoding="utf-8"?>
 <p:sld xmlns:a="http://schemas.openxmlformats.org/drawingml/2006/main" xmlns:r="http://schemas.openxmlformats.org/officeDocument/2006/relationships" xmlns:p="http://schemas.openxmlformats.org/presentationml/2006/main" show="0">
   <p:cSld>
     <p:spTree>
@@ -40247,7 +40730,7 @@
           <a:p>
             <a:r>
               <a:rPr lang="it-IT"/>
-              <a:t>INFDEV026A - G. Costantini, F. Di Giacomo, G. Maggiore</a:t>
+              <a:t>INFDEV036A - G. Costantini, F. Di Giacomo</a:t>
             </a:r>
             <a:endParaRPr lang="en-GB" dirty="0"/>
           </a:p>
@@ -40290,7 +40773,7 @@
 </p:sld>
 </file>
 
-<file path=ppt/slides/slide55.xml><?xml version="1.0" encoding="utf-8"?>
+<file path=ppt/slides/slide56.xml><?xml version="1.0" encoding="utf-8"?>
 <p:sld xmlns:a="http://schemas.openxmlformats.org/drawingml/2006/main" xmlns:r="http://schemas.openxmlformats.org/officeDocument/2006/relationships" xmlns:p="http://schemas.openxmlformats.org/presentationml/2006/main" show="0">
   <p:cSld>
     <p:spTree>
@@ -40505,7 +40988,7 @@
           <a:p>
             <a:r>
               <a:rPr lang="it-IT"/>
-              <a:t>INFDEV026A - G. Costantini, F. Di Giacomo, G. Maggiore</a:t>
+              <a:t>INFDEV036A - G. Costantini, F. Di Giacomo</a:t>
             </a:r>
             <a:endParaRPr lang="en-GB"/>
           </a:p>
@@ -40525,6 +41008,352 @@
 </file>
 
 <file path=ppt/slides/slide6.xml><?xml version="1.0" encoding="utf-8"?>
+<p:sld xmlns:a="http://schemas.openxmlformats.org/drawingml/2006/main" xmlns:r="http://schemas.openxmlformats.org/officeDocument/2006/relationships" xmlns:p="http://schemas.openxmlformats.org/presentationml/2006/main">
+  <p:cSld>
+    <p:spTree>
+      <p:nvGrpSpPr>
+        <p:cNvPr id="1" name=""/>
+        <p:cNvGrpSpPr/>
+        <p:nvPr/>
+      </p:nvGrpSpPr>
+      <p:grpSpPr>
+        <a:xfrm>
+          <a:off x="0" y="0"/>
+          <a:ext cx="0" cy="0"/>
+          <a:chOff x="0" y="0"/>
+          <a:chExt cx="0" cy="0"/>
+        </a:xfrm>
+      </p:grpSpPr>
+      <p:sp>
+        <p:nvSpPr>
+          <p:cNvPr id="2" name="Title 1"/>
+          <p:cNvSpPr>
+            <a:spLocks noGrp="1"/>
+          </p:cNvSpPr>
+          <p:nvPr>
+            <p:ph type="title"/>
+          </p:nvPr>
+        </p:nvSpPr>
+        <p:spPr/>
+        <p:txBody>
+          <a:bodyPr/>
+          <a:lstStyle/>
+          <a:p>
+            <a:r>
+              <a:rPr lang="en-GB" dirty="0"/>
+              <a:t>Graphs – Definition  </a:t>
+            </a:r>
+          </a:p>
+        </p:txBody>
+      </p:sp>
+      <mc:AlternateContent xmlns:mc="http://schemas.openxmlformats.org/markup-compatibility/2006" xmlns:a14="http://schemas.microsoft.com/office/drawing/2010/main">
+        <mc:Choice Requires="a14">
+          <p:sp>
+            <p:nvSpPr>
+              <p:cNvPr id="3" name="Content Placeholder 2"/>
+              <p:cNvSpPr>
+                <a:spLocks noGrp="1"/>
+              </p:cNvSpPr>
+              <p:nvPr>
+                <p:ph idx="1"/>
+              </p:nvPr>
+            </p:nvSpPr>
+            <p:spPr>
+              <a:xfrm>
+                <a:off x="677334" y="2150315"/>
+                <a:ext cx="8596668" cy="3880773"/>
+              </a:xfrm>
+            </p:spPr>
+            <p:txBody>
+              <a:bodyPr/>
+              <a:lstStyle/>
+              <a:p>
+                <a:r>
+                  <a:rPr lang="en-US" dirty="0"/>
+                  <a:t>Nonlinear structure made by</a:t>
+                </a:r>
+              </a:p>
+              <a:p>
+                <a:pPr lvl="1"/>
+                <a:r>
+                  <a:rPr lang="en-US" dirty="0"/>
+                  <a:t>finite (and possibly mutable) set of </a:t>
+                </a:r>
+                <a:r>
+                  <a:rPr lang="en-US" b="1" i="1" dirty="0"/>
+                  <a:t>nodes</a:t>
+                </a:r>
+                <a:r>
+                  <a:rPr lang="en-US" b="1" dirty="0"/>
+                  <a:t> </a:t>
+                </a:r>
+                <a:r>
+                  <a:rPr lang="en-US" dirty="0"/>
+                  <a:t>or </a:t>
+                </a:r>
+                <a:r>
+                  <a:rPr lang="en-US" b="1" dirty="0"/>
+                  <a:t>vertices</a:t>
+                </a:r>
+              </a:p>
+              <a:p>
+                <a:pPr lvl="1"/>
+                <a:r>
+                  <a:rPr lang="en-US" dirty="0"/>
+                  <a:t>set of ordered/unordered pairs of these nodes, known as </a:t>
+                </a:r>
+                <a:r>
+                  <a:rPr lang="en-US" b="1" i="1" dirty="0"/>
+                  <a:t>edges </a:t>
+                </a:r>
+                <a:r>
+                  <a:rPr lang="en-US" dirty="0"/>
+                  <a:t>or </a:t>
+                </a:r>
+                <a:r>
+                  <a:rPr lang="en-US" b="1" dirty="0"/>
+                  <a:t>arcs</a:t>
+                </a:r>
+              </a:p>
+              <a:p>
+                <a:pPr lvl="2"/>
+                <a:r>
+                  <a:rPr lang="en-US" dirty="0"/>
+                  <a:t>edge </a:t>
+                </a:r>
+                <a14:m>
+                  <m:oMath xmlns:m="http://schemas.openxmlformats.org/officeDocument/2006/math">
+                    <m:r>
+                      <a:rPr lang="en-US" i="1" dirty="0" smtClean="0">
+                        <a:latin typeface="Cambria Math" panose="02040503050406030204" pitchFamily="18" charset="0"/>
+                      </a:rPr>
+                      <m:t>(</m:t>
+                    </m:r>
+                    <m:r>
+                      <a:rPr lang="en-US" i="1" dirty="0" err="1">
+                        <a:latin typeface="Cambria Math" panose="02040503050406030204" pitchFamily="18" charset="0"/>
+                      </a:rPr>
+                      <m:t>𝑥</m:t>
+                    </m:r>
+                    <m:r>
+                      <a:rPr lang="en-US" i="1" dirty="0" err="1">
+                        <a:latin typeface="Cambria Math" panose="02040503050406030204" pitchFamily="18" charset="0"/>
+                      </a:rPr>
+                      <m:t>,</m:t>
+                    </m:r>
+                    <m:r>
+                      <a:rPr lang="en-US" i="1" dirty="0" err="1">
+                        <a:latin typeface="Cambria Math" panose="02040503050406030204" pitchFamily="18" charset="0"/>
+                      </a:rPr>
+                      <m:t>𝑦</m:t>
+                    </m:r>
+                    <m:r>
+                      <a:rPr lang="en-US" i="1" dirty="0">
+                        <a:latin typeface="Cambria Math" panose="02040503050406030204" pitchFamily="18" charset="0"/>
+                      </a:rPr>
+                      <m:t>)</m:t>
+                    </m:r>
+                  </m:oMath>
+                </a14:m>
+                <a:r>
+                  <a:rPr lang="en-US" dirty="0"/>
+                  <a:t> is said to </a:t>
+                </a:r>
+                <a:r>
+                  <a:rPr lang="en-US" b="1" dirty="0"/>
+                  <a:t>point</a:t>
+                </a:r>
+                <a:r>
+                  <a:rPr lang="en-US" dirty="0"/>
+                  <a:t> or </a:t>
+                </a:r>
+                <a:r>
+                  <a:rPr lang="en-US" b="1" dirty="0"/>
+                  <a:t>go</a:t>
+                </a:r>
+                <a:r>
+                  <a:rPr lang="en-US" dirty="0"/>
+                  <a:t> </a:t>
+                </a:r>
+                <a:r>
+                  <a:rPr lang="en-US" b="1" dirty="0"/>
+                  <a:t>from</a:t>
+                </a:r>
+                <a:r>
+                  <a:rPr lang="en-US" dirty="0"/>
+                  <a:t> </a:t>
+                </a:r>
+                <a14:m>
+                  <m:oMath xmlns:m="http://schemas.openxmlformats.org/officeDocument/2006/math">
+                    <m:r>
+                      <a:rPr lang="en-US" i="1" dirty="0" smtClean="0">
+                        <a:latin typeface="Cambria Math" panose="02040503050406030204" pitchFamily="18" charset="0"/>
+                      </a:rPr>
+                      <m:t>𝑥</m:t>
+                    </m:r>
+                  </m:oMath>
+                </a14:m>
+                <a:r>
+                  <a:rPr lang="en-US" dirty="0"/>
+                  <a:t> </a:t>
+                </a:r>
+                <a:r>
+                  <a:rPr lang="en-US" b="1" dirty="0"/>
+                  <a:t>to</a:t>
+                </a:r>
+                <a:r>
+                  <a:rPr lang="en-US" dirty="0"/>
+                  <a:t> </a:t>
+                </a:r>
+                <a14:m>
+                  <m:oMath xmlns:m="http://schemas.openxmlformats.org/officeDocument/2006/math">
+                    <m:r>
+                      <a:rPr lang="en-US" i="1" dirty="0" smtClean="0">
+                        <a:latin typeface="Cambria Math" panose="02040503050406030204" pitchFamily="18" charset="0"/>
+                      </a:rPr>
+                      <m:t>𝑦</m:t>
+                    </m:r>
+                  </m:oMath>
+                </a14:m>
+                <a:endParaRPr lang="en-US" dirty="0"/>
+              </a:p>
+              <a:p>
+                <a:pPr lvl="2"/>
+                <a:r>
+                  <a:rPr lang="en-US" dirty="0"/>
+                  <a:t>may also associate to each edge some edge </a:t>
+                </a:r>
+                <a:r>
+                  <a:rPr lang="en-US" i="1" dirty="0"/>
+                  <a:t>value</a:t>
+                </a:r>
+                <a:r>
+                  <a:rPr lang="en-US" dirty="0"/>
+                  <a:t>, such as a symbolic label or a numeric attribute (cost, capacity, length, etc.)</a:t>
+                </a:r>
+              </a:p>
+              <a:p>
+                <a:endParaRPr lang="en-US" dirty="0"/>
+              </a:p>
+            </p:txBody>
+          </p:sp>
+        </mc:Choice>
+        <mc:Fallback xmlns="">
+          <p:sp>
+            <p:nvSpPr>
+              <p:cNvPr id="3" name="Content Placeholder 2"/>
+              <p:cNvSpPr>
+                <a:spLocks noGrp="1" noRot="1" noChangeAspect="1" noMove="1" noResize="1" noEditPoints="1" noAdjustHandles="1" noChangeArrowheads="1" noChangeShapeType="1" noTextEdit="1"/>
+              </p:cNvSpPr>
+              <p:nvPr>
+                <p:ph idx="1"/>
+              </p:nvPr>
+            </p:nvSpPr>
+            <p:spPr>
+              <a:xfrm>
+                <a:off x="677334" y="2150315"/>
+                <a:ext cx="8596668" cy="3880773"/>
+              </a:xfrm>
+              <a:blipFill rotWithShape="0">
+                <a:blip r:embed="rId2"/>
+                <a:stretch>
+                  <a:fillRect l="-142" t="-1101"/>
+                </a:stretch>
+              </a:blipFill>
+            </p:spPr>
+            <p:txBody>
+              <a:bodyPr/>
+              <a:lstStyle/>
+              <a:p>
+                <a:r>
+                  <a:rPr lang="nl-NL">
+                    <a:noFill/>
+                  </a:rPr>
+                  <a:t> </a:t>
+                </a:r>
+              </a:p>
+            </p:txBody>
+          </p:sp>
+        </mc:Fallback>
+      </mc:AlternateContent>
+      <p:sp>
+        <p:nvSpPr>
+          <p:cNvPr id="4" name="Footer Placeholder 3"/>
+          <p:cNvSpPr>
+            <a:spLocks noGrp="1"/>
+          </p:cNvSpPr>
+          <p:nvPr>
+            <p:ph type="ftr" sz="quarter" idx="11"/>
+          </p:nvPr>
+        </p:nvSpPr>
+        <p:spPr/>
+        <p:txBody>
+          <a:bodyPr/>
+          <a:lstStyle/>
+          <a:p>
+            <a:r>
+              <a:rPr lang="it-IT"/>
+              <a:t>INFDEV036A - G. Costantini, F. Di Giacomo</a:t>
+            </a:r>
+            <a:endParaRPr lang="en-GB"/>
+          </a:p>
+        </p:txBody>
+      </p:sp>
+      <p:pic>
+        <p:nvPicPr>
+          <p:cNvPr id="2050" name="Picture 2" descr="http://upload.wikimedia.org/wikipedia/commons/thumb/a/a2/Directed.svg/125px-Directed.svg.png"/>
+          <p:cNvPicPr>
+            <a:picLocks noChangeAspect="1" noChangeArrowheads="1"/>
+          </p:cNvPicPr>
+          <p:nvPr/>
+        </p:nvPicPr>
+        <p:blipFill>
+          <a:blip r:embed="rId3">
+            <a:extLst>
+              <a:ext uri="{28A0092B-C50C-407E-A947-70E740481C1C}">
+                <a14:useLocalDpi xmlns:a14="http://schemas.microsoft.com/office/drawing/2010/main" val="0"/>
+              </a:ext>
+            </a:extLst>
+          </a:blip>
+          <a:srcRect/>
+          <a:stretch>
+            <a:fillRect/>
+          </a:stretch>
+        </p:blipFill>
+        <p:spPr bwMode="auto">
+          <a:xfrm>
+            <a:off x="5580372" y="3951089"/>
+            <a:ext cx="3098644" cy="2801177"/>
+          </a:xfrm>
+          <a:prstGeom prst="rect">
+            <a:avLst/>
+          </a:prstGeom>
+          <a:noFill/>
+          <a:extLst>
+            <a:ext uri="{909E8E84-426E-40DD-AFC4-6F175D3DCCD1}">
+              <a14:hiddenFill xmlns:a14="http://schemas.microsoft.com/office/drawing/2010/main">
+                <a:solidFill>
+                  <a:srgbClr val="FFFFFF"/>
+                </a:solidFill>
+              </a14:hiddenFill>
+            </a:ext>
+          </a:extLst>
+        </p:spPr>
+      </p:pic>
+    </p:spTree>
+    <p:extLst>
+      <p:ext uri="{BB962C8B-B14F-4D97-AF65-F5344CB8AC3E}">
+        <p14:creationId xmlns:p14="http://schemas.microsoft.com/office/powerpoint/2010/main" val="1686387480"/>
+      </p:ext>
+    </p:extLst>
+  </p:cSld>
+  <p:clrMapOvr>
+    <a:masterClrMapping/>
+  </p:clrMapOvr>
+</p:sld>
+</file>
+
+<file path=ppt/slides/slide7.xml><?xml version="1.0" encoding="utf-8"?>
 <p:sld xmlns:a="http://schemas.openxmlformats.org/drawingml/2006/main" xmlns:r="http://schemas.openxmlformats.org/officeDocument/2006/relationships" xmlns:p="http://schemas.openxmlformats.org/presentationml/2006/main">
   <p:cSld>
     <p:spTree>
@@ -41134,7 +41963,7 @@
           <a:p>
             <a:r>
               <a:rPr lang="it-IT"/>
-              <a:t>INFDEV026A - G. Costantini, F. Di Giacomo, G. Maggiore</a:t>
+              <a:t>INFDEV036A - G. Costantini, F. Di Giacomo</a:t>
             </a:r>
             <a:endParaRPr lang="en-GB" dirty="0"/>
           </a:p>
@@ -41471,148 +42300,6 @@
 </p:sld>
 </file>
 
-<file path=ppt/slides/slide7.xml><?xml version="1.0" encoding="utf-8"?>
-<p:sld xmlns:a="http://schemas.openxmlformats.org/drawingml/2006/main" xmlns:r="http://schemas.openxmlformats.org/officeDocument/2006/relationships" xmlns:p="http://schemas.openxmlformats.org/presentationml/2006/main">
-  <p:cSld>
-    <p:spTree>
-      <p:nvGrpSpPr>
-        <p:cNvPr id="1" name=""/>
-        <p:cNvGrpSpPr/>
-        <p:nvPr/>
-      </p:nvGrpSpPr>
-      <p:grpSpPr>
-        <a:xfrm>
-          <a:off x="0" y="0"/>
-          <a:ext cx="0" cy="0"/>
-          <a:chOff x="0" y="0"/>
-          <a:chExt cx="0" cy="0"/>
-        </a:xfrm>
-      </p:grpSpPr>
-      <p:sp>
-        <p:nvSpPr>
-          <p:cNvPr id="2" name="Title 1"/>
-          <p:cNvSpPr>
-            <a:spLocks noGrp="1"/>
-          </p:cNvSpPr>
-          <p:nvPr>
-            <p:ph type="title"/>
-          </p:nvPr>
-        </p:nvSpPr>
-        <p:spPr/>
-        <p:txBody>
-          <a:bodyPr/>
-          <a:lstStyle/>
-          <a:p>
-            <a:r>
-              <a:rPr lang="en-GB" dirty="0"/>
-              <a:t>Graphs – Representations</a:t>
-            </a:r>
-          </a:p>
-        </p:txBody>
-      </p:sp>
-      <p:sp>
-        <p:nvSpPr>
-          <p:cNvPr id="3" name="Content Placeholder 2"/>
-          <p:cNvSpPr>
-            <a:spLocks noGrp="1"/>
-          </p:cNvSpPr>
-          <p:nvPr>
-            <p:ph idx="1"/>
-          </p:nvPr>
-        </p:nvSpPr>
-        <p:spPr/>
-        <p:txBody>
-          <a:bodyPr/>
-          <a:lstStyle/>
-          <a:p>
-            <a:r>
-              <a:rPr lang="en-US" dirty="0"/>
-              <a:t>Possible data structures for the representation of graphs</a:t>
-            </a:r>
-          </a:p>
-          <a:p>
-            <a:pPr lvl="1"/>
-            <a:r>
-              <a:rPr lang="en-US" b="1" dirty="0"/>
-              <a:t>Adjacency list</a:t>
-            </a:r>
-          </a:p>
-          <a:p>
-            <a:pPr lvl="2"/>
-            <a:r>
-              <a:rPr lang="en-US" dirty="0"/>
-              <a:t>Vertices are stored as records or objects, and every vertex stores a list of adjacent vertices</a:t>
-            </a:r>
-          </a:p>
-          <a:p>
-            <a:pPr lvl="1"/>
-            <a:r>
-              <a:rPr lang="en-US" b="1" dirty="0"/>
-              <a:t>Adjacency matrix </a:t>
-            </a:r>
-          </a:p>
-          <a:p>
-            <a:pPr lvl="2"/>
-            <a:r>
-              <a:rPr lang="en-US" dirty="0"/>
-              <a:t>A two-dimensional matrix, in which the rows represent source vertices and columns represent destination vertices</a:t>
-            </a:r>
-          </a:p>
-          <a:p>
-            <a:pPr lvl="1"/>
-            <a:r>
-              <a:rPr lang="en-US" b="1" dirty="0"/>
-              <a:t>Incidence matrix</a:t>
-            </a:r>
-          </a:p>
-          <a:p>
-            <a:pPr lvl="2"/>
-            <a:r>
-              <a:rPr lang="en-US" dirty="0"/>
-              <a:t>A two-dimensional matrix, in which the rows represent the vertices and columns represent the edges</a:t>
-            </a:r>
-          </a:p>
-          <a:p>
-            <a:endParaRPr lang="en-US" dirty="0"/>
-          </a:p>
-        </p:txBody>
-      </p:sp>
-      <p:sp>
-        <p:nvSpPr>
-          <p:cNvPr id="4" name="Footer Placeholder 3"/>
-          <p:cNvSpPr>
-            <a:spLocks noGrp="1"/>
-          </p:cNvSpPr>
-          <p:nvPr>
-            <p:ph type="ftr" sz="quarter" idx="11"/>
-          </p:nvPr>
-        </p:nvSpPr>
-        <p:spPr/>
-        <p:txBody>
-          <a:bodyPr/>
-          <a:lstStyle/>
-          <a:p>
-            <a:r>
-              <a:rPr lang="it-IT"/>
-              <a:t>INFDEV026A - G. Costantini, F. Di Giacomo, G. Maggiore</a:t>
-            </a:r>
-            <a:endParaRPr lang="en-GB"/>
-          </a:p>
-        </p:txBody>
-      </p:sp>
-    </p:spTree>
-    <p:extLst>
-      <p:ext uri="{BB962C8B-B14F-4D97-AF65-F5344CB8AC3E}">
-        <p14:creationId xmlns:p14="http://schemas.microsoft.com/office/powerpoint/2010/main" val="614652521"/>
-      </p:ext>
-    </p:extLst>
-  </p:cSld>
-  <p:clrMapOvr>
-    <a:masterClrMapping/>
-  </p:clrMapOvr>
-</p:sld>
-</file>
-
 <file path=ppt/slides/slide8.xml><?xml version="1.0" encoding="utf-8"?>
 <p:sld xmlns:a="http://schemas.openxmlformats.org/drawingml/2006/main" xmlns:r="http://schemas.openxmlformats.org/officeDocument/2006/relationships" xmlns:p="http://schemas.openxmlformats.org/presentationml/2006/main">
   <p:cSld>
@@ -41668,27 +42355,58 @@
           <a:lstStyle/>
           <a:p>
             <a:r>
+              <a:rPr lang="en-US" dirty="0"/>
+              <a:t>Possible data structures for the representation of graphs</a:t>
+            </a:r>
+          </a:p>
+          <a:p>
+            <a:pPr lvl="1"/>
+            <a:r>
               <a:rPr lang="en-US" b="1" dirty="0"/>
               <a:t>Adjacency list</a:t>
             </a:r>
           </a:p>
           <a:p>
+            <a:pPr lvl="2"/>
+            <a:r>
+              <a:rPr lang="en-US" dirty="0"/>
+              <a:t>Vertices are stored as records or objects, and every vertex stores a list of adjacent vertices</a:t>
+            </a:r>
+          </a:p>
+          <a:p>
             <a:pPr lvl="1"/>
             <a:r>
+              <a:rPr lang="en-US" b="1" dirty="0"/>
+              <a:t>Adjacency matrix </a:t>
+            </a:r>
+          </a:p>
+          <a:p>
+            <a:pPr lvl="2"/>
+            <a:r>
               <a:rPr lang="en-US" dirty="0"/>
-              <a:t>collection of unordered lists, one for each vertex in the graph</a:t>
+              <a:t>A two-dimensional matrix, in which the rows represent source vertices and columns represent destination vertices</a:t>
             </a:r>
           </a:p>
           <a:p>
             <a:pPr lvl="1"/>
             <a:r>
+              <a:rPr lang="en-US" b="1" dirty="0"/>
+              <a:t>Incidence matrix</a:t>
+            </a:r>
+          </a:p>
+          <a:p>
+            <a:pPr lvl="2"/>
+            <a:r>
               <a:rPr lang="en-US" dirty="0"/>
-              <a:t>each list describes the set of neighbors of its vertex</a:t>
-            </a:r>
-          </a:p>
-          <a:p>
-            <a:pPr lvl="1"/>
-            <a:endParaRPr lang="en-US" dirty="0"/>
+              <a:t>A two-dimensional matrix, in which the rows represent the vertices and columns represent the edges</a:t>
+            </a:r>
+          </a:p>
+          <a:p>
+            <a:pPr lvl="2"/>
+            <a:r>
+              <a:rPr lang="en-US" dirty="0"/>
+              <a:t>Not used in practice</a:t>
+            </a:r>
           </a:p>
           <a:p>
             <a:endParaRPr lang="en-US" dirty="0"/>
@@ -41712,7 +42430,125 @@
           <a:p>
             <a:r>
               <a:rPr lang="it-IT"/>
-              <a:t>INFDEV026A - G. Costantini, F. Di Giacomo, G. Maggiore</a:t>
+              <a:t>INFDEV036A - G. Costantini, F. Di Giacomo</a:t>
+            </a:r>
+            <a:endParaRPr lang="en-GB"/>
+          </a:p>
+        </p:txBody>
+      </p:sp>
+    </p:spTree>
+    <p:extLst>
+      <p:ext uri="{BB962C8B-B14F-4D97-AF65-F5344CB8AC3E}">
+        <p14:creationId xmlns:p14="http://schemas.microsoft.com/office/powerpoint/2010/main" val="614652521"/>
+      </p:ext>
+    </p:extLst>
+  </p:cSld>
+  <p:clrMapOvr>
+    <a:masterClrMapping/>
+  </p:clrMapOvr>
+</p:sld>
+</file>
+
+<file path=ppt/slides/slide9.xml><?xml version="1.0" encoding="utf-8"?>
+<p:sld xmlns:a="http://schemas.openxmlformats.org/drawingml/2006/main" xmlns:r="http://schemas.openxmlformats.org/officeDocument/2006/relationships" xmlns:p="http://schemas.openxmlformats.org/presentationml/2006/main">
+  <p:cSld>
+    <p:spTree>
+      <p:nvGrpSpPr>
+        <p:cNvPr id="1" name=""/>
+        <p:cNvGrpSpPr/>
+        <p:nvPr/>
+      </p:nvGrpSpPr>
+      <p:grpSpPr>
+        <a:xfrm>
+          <a:off x="0" y="0"/>
+          <a:ext cx="0" cy="0"/>
+          <a:chOff x="0" y="0"/>
+          <a:chExt cx="0" cy="0"/>
+        </a:xfrm>
+      </p:grpSpPr>
+      <p:sp>
+        <p:nvSpPr>
+          <p:cNvPr id="2" name="Title 1"/>
+          <p:cNvSpPr>
+            <a:spLocks noGrp="1"/>
+          </p:cNvSpPr>
+          <p:nvPr>
+            <p:ph type="title"/>
+          </p:nvPr>
+        </p:nvSpPr>
+        <p:spPr/>
+        <p:txBody>
+          <a:bodyPr/>
+          <a:lstStyle/>
+          <a:p>
+            <a:r>
+              <a:rPr lang="en-GB" dirty="0"/>
+              <a:t>Graphs – Representations</a:t>
+            </a:r>
+          </a:p>
+        </p:txBody>
+      </p:sp>
+      <p:sp>
+        <p:nvSpPr>
+          <p:cNvPr id="3" name="Content Placeholder 2"/>
+          <p:cNvSpPr>
+            <a:spLocks noGrp="1"/>
+          </p:cNvSpPr>
+          <p:nvPr>
+            <p:ph idx="1"/>
+          </p:nvPr>
+        </p:nvSpPr>
+        <p:spPr/>
+        <p:txBody>
+          <a:bodyPr/>
+          <a:lstStyle/>
+          <a:p>
+            <a:r>
+              <a:rPr lang="en-US" b="1" dirty="0"/>
+              <a:t>Adjacency list</a:t>
+            </a:r>
+          </a:p>
+          <a:p>
+            <a:pPr lvl="1"/>
+            <a:r>
+              <a:rPr lang="en-US" dirty="0"/>
+              <a:t>collection of unordered lists, one for each vertex in the graph</a:t>
+            </a:r>
+          </a:p>
+          <a:p>
+            <a:pPr lvl="1"/>
+            <a:r>
+              <a:rPr lang="en-US" dirty="0"/>
+              <a:t>each list describes the set of neighbors of its vertex</a:t>
+            </a:r>
+          </a:p>
+          <a:p>
+            <a:pPr lvl="1"/>
+            <a:endParaRPr lang="en-US" dirty="0"/>
+          </a:p>
+          <a:p>
+            <a:endParaRPr lang="en-US" dirty="0"/>
+          </a:p>
+        </p:txBody>
+      </p:sp>
+      <p:sp>
+        <p:nvSpPr>
+          <p:cNvPr id="4" name="Footer Placeholder 3"/>
+          <p:cNvSpPr>
+            <a:spLocks noGrp="1"/>
+          </p:cNvSpPr>
+          <p:nvPr>
+            <p:ph type="ftr" sz="quarter" idx="11"/>
+          </p:nvPr>
+        </p:nvSpPr>
+        <p:spPr/>
+        <p:txBody>
+          <a:bodyPr/>
+          <a:lstStyle/>
+          <a:p>
+            <a:r>
+              <a:rPr lang="it-IT"/>
+              <a:t>INFDEV036A - G. Costantini, F. Di Giacomo</a:t>
             </a:r>
             <a:endParaRPr lang="en-GB"/>
           </a:p>
@@ -42480,358 +43316,6 @@
 </p:sld>
 </file>
 
-<file path=ppt/slides/slide9.xml><?xml version="1.0" encoding="utf-8"?>
-<p:sld xmlns:a="http://schemas.openxmlformats.org/drawingml/2006/main" xmlns:r="http://schemas.openxmlformats.org/officeDocument/2006/relationships" xmlns:p="http://schemas.openxmlformats.org/presentationml/2006/main">
-  <p:cSld>
-    <p:spTree>
-      <p:nvGrpSpPr>
-        <p:cNvPr id="1" name=""/>
-        <p:cNvGrpSpPr/>
-        <p:nvPr/>
-      </p:nvGrpSpPr>
-      <p:grpSpPr>
-        <a:xfrm>
-          <a:off x="0" y="0"/>
-          <a:ext cx="0" cy="0"/>
-          <a:chOff x="0" y="0"/>
-          <a:chExt cx="0" cy="0"/>
-        </a:xfrm>
-      </p:grpSpPr>
-      <p:sp>
-        <p:nvSpPr>
-          <p:cNvPr id="2" name="Title 1"/>
-          <p:cNvSpPr>
-            <a:spLocks noGrp="1"/>
-          </p:cNvSpPr>
-          <p:nvPr>
-            <p:ph type="title"/>
-          </p:nvPr>
-        </p:nvSpPr>
-        <p:spPr/>
-        <p:txBody>
-          <a:bodyPr/>
-          <a:lstStyle/>
-          <a:p>
-            <a:r>
-              <a:rPr lang="en-GB" dirty="0"/>
-              <a:t>Graphs – Representations</a:t>
-            </a:r>
-          </a:p>
-        </p:txBody>
-      </p:sp>
-      <mc:AlternateContent xmlns:mc="http://schemas.openxmlformats.org/markup-compatibility/2006" xmlns:a14="http://schemas.microsoft.com/office/drawing/2010/main">
-        <mc:Choice Requires="a14">
-          <p:sp>
-            <p:nvSpPr>
-              <p:cNvPr id="3" name="Content Placeholder 2"/>
-              <p:cNvSpPr>
-                <a:spLocks noGrp="1"/>
-              </p:cNvSpPr>
-              <p:nvPr>
-                <p:ph idx="1"/>
-              </p:nvPr>
-            </p:nvSpPr>
-            <p:spPr/>
-            <p:txBody>
-              <a:bodyPr/>
-              <a:lstStyle/>
-              <a:p>
-                <a:r>
-                  <a:rPr lang="en-US" b="1" dirty="0"/>
-                  <a:t>Adjacency matrix</a:t>
-                </a:r>
-              </a:p>
-              <a:p>
-                <a:pPr lvl="1"/>
-                <a:r>
-                  <a:rPr lang="en-US" dirty="0"/>
-                  <a:t>represents which vertices of a graph are adjacent to which other vertices</a:t>
-                </a:r>
-              </a:p>
-              <a:p>
-                <a:pPr lvl="1"/>
-                <a:r>
-                  <a:rPr lang="en-US" dirty="0"/>
-                  <a:t>rows and columns represent both the vertices</a:t>
-                </a:r>
-              </a:p>
-              <a:p>
-                <a:pPr lvl="1"/>
-                <a:r>
-                  <a:rPr lang="en-US" dirty="0"/>
-                  <a:t>given a cell at row </a:t>
-                </a:r>
-                <a14:m>
-                  <m:oMath xmlns:m="http://schemas.openxmlformats.org/officeDocument/2006/math">
-                    <m:r>
-                      <a:rPr lang="en-GB" b="0" i="1" smtClean="0">
-                        <a:latin typeface="Cambria Math" panose="02040503050406030204" pitchFamily="18" charset="0"/>
-                      </a:rPr>
-                      <m:t>𝑖</m:t>
-                    </m:r>
-                  </m:oMath>
-                </a14:m>
-                <a:r>
-                  <a:rPr lang="en-US" dirty="0"/>
-                  <a:t> </a:t>
-                </a:r>
-                <a:r>
-                  <a:rPr lang="en-US" dirty="0">
-                    <a:sym typeface="Wingdings" panose="05000000000000000000" pitchFamily="2" charset="2"/>
-                  </a:rPr>
-                  <a:t> </a:t>
-                </a:r>
-                <a:r>
-                  <a:rPr lang="en-US" dirty="0"/>
-                  <a:t>column </a:t>
-                </a:r>
-                <a14:m>
-                  <m:oMath xmlns:m="http://schemas.openxmlformats.org/officeDocument/2006/math">
-                    <m:r>
-                      <a:rPr lang="en-GB" b="0" i="1" smtClean="0">
-                        <a:latin typeface="Cambria Math" panose="02040503050406030204" pitchFamily="18" charset="0"/>
-                      </a:rPr>
-                      <m:t>𝑗</m:t>
-                    </m:r>
-                  </m:oMath>
-                </a14:m>
-                <a:r>
-                  <a:rPr lang="en-US" dirty="0"/>
-                  <a:t> is </a:t>
-                </a:r>
-                <a:r>
-                  <a:rPr lang="en-US" i="1" dirty="0"/>
-                  <a:t>True(1) </a:t>
-                </a:r>
-                <a:r>
-                  <a:rPr lang="en-US" dirty="0"/>
-                  <a:t>if there is an edge connecting </a:t>
-                </a:r>
-                <a14:m>
-                  <m:oMath xmlns:m="http://schemas.openxmlformats.org/officeDocument/2006/math">
-                    <m:r>
-                      <a:rPr lang="en-GB" b="0" i="1" smtClean="0">
-                        <a:latin typeface="Cambria Math" panose="02040503050406030204" pitchFamily="18" charset="0"/>
-                      </a:rPr>
-                      <m:t>𝑖</m:t>
-                    </m:r>
-                  </m:oMath>
-                </a14:m>
-                <a:r>
-                  <a:rPr lang="en-US" dirty="0"/>
-                  <a:t> to </a:t>
-                </a:r>
-                <a14:m>
-                  <m:oMath xmlns:m="http://schemas.openxmlformats.org/officeDocument/2006/math">
-                    <m:r>
-                      <a:rPr lang="en-GB" b="0" i="1" smtClean="0">
-                        <a:latin typeface="Cambria Math" panose="02040503050406030204" pitchFamily="18" charset="0"/>
-                      </a:rPr>
-                      <m:t>𝑗</m:t>
-                    </m:r>
-                  </m:oMath>
-                </a14:m>
-                <a:endParaRPr lang="en-US" dirty="0"/>
-              </a:p>
-              <a:p>
-                <a:pPr lvl="1"/>
-                <a:endParaRPr lang="en-US" dirty="0"/>
-              </a:p>
-            </p:txBody>
-          </p:sp>
-        </mc:Choice>
-        <mc:Fallback xmlns="">
-          <p:sp>
-            <p:nvSpPr>
-              <p:cNvPr id="3" name="Content Placeholder 2"/>
-              <p:cNvSpPr>
-                <a:spLocks noGrp="1" noRot="1" noChangeAspect="1" noMove="1" noResize="1" noEditPoints="1" noAdjustHandles="1" noChangeArrowheads="1" noChangeShapeType="1" noTextEdit="1"/>
-              </p:cNvSpPr>
-              <p:nvPr>
-                <p:ph idx="1"/>
-              </p:nvPr>
-            </p:nvSpPr>
-            <p:spPr>
-              <a:blipFill rotWithShape="0">
-                <a:blip r:embed="rId2"/>
-                <a:stretch>
-                  <a:fillRect l="-142" t="-942"/>
-                </a:stretch>
-              </a:blipFill>
-            </p:spPr>
-            <p:txBody>
-              <a:bodyPr/>
-              <a:lstStyle/>
-              <a:p>
-                <a:r>
-                  <a:rPr lang="nl-NL">
-                    <a:noFill/>
-                  </a:rPr>
-                  <a:t> </a:t>
-                </a:r>
-              </a:p>
-            </p:txBody>
-          </p:sp>
-        </mc:Fallback>
-      </mc:AlternateContent>
-      <p:sp>
-        <p:nvSpPr>
-          <p:cNvPr id="4" name="Footer Placeholder 3"/>
-          <p:cNvSpPr>
-            <a:spLocks noGrp="1"/>
-          </p:cNvSpPr>
-          <p:nvPr>
-            <p:ph type="ftr" sz="quarter" idx="11"/>
-          </p:nvPr>
-        </p:nvSpPr>
-        <p:spPr/>
-        <p:txBody>
-          <a:bodyPr/>
-          <a:lstStyle/>
-          <a:p>
-            <a:r>
-              <a:rPr lang="it-IT"/>
-              <a:t>INFDEV026A - G. Costantini, F. Di Giacomo, G. Maggiore</a:t>
-            </a:r>
-            <a:endParaRPr lang="en-GB"/>
-          </a:p>
-        </p:txBody>
-      </p:sp>
-      <p:pic>
-        <p:nvPicPr>
-          <p:cNvPr id="4098" name="Picture 2" descr="6n-graph2.svg"/>
-          <p:cNvPicPr>
-            <a:picLocks noChangeAspect="1" noChangeArrowheads="1"/>
-          </p:cNvPicPr>
-          <p:nvPr/>
-        </p:nvPicPr>
-        <p:blipFill>
-          <a:blip r:embed="rId3">
-            <a:extLst>
-              <a:ext uri="{28A0092B-C50C-407E-A947-70E740481C1C}">
-                <a14:useLocalDpi xmlns:a14="http://schemas.microsoft.com/office/drawing/2010/main" val="0"/>
-              </a:ext>
-            </a:extLst>
-          </a:blip>
-          <a:srcRect/>
-          <a:stretch>
-            <a:fillRect/>
-          </a:stretch>
-        </p:blipFill>
-        <p:spPr bwMode="auto">
-          <a:xfrm>
-            <a:off x="1921140" y="3830316"/>
-            <a:ext cx="1905000" cy="2085976"/>
-          </a:xfrm>
-          <a:prstGeom prst="rect">
-            <a:avLst/>
-          </a:prstGeom>
-          <a:noFill/>
-          <a:extLst>
-            <a:ext uri="{909E8E84-426E-40DD-AFC4-6F175D3DCCD1}">
-              <a14:hiddenFill xmlns:a14="http://schemas.microsoft.com/office/drawing/2010/main">
-                <a:solidFill>
-                  <a:srgbClr val="FFFFFF"/>
-                </a:solidFill>
-              </a14:hiddenFill>
-            </a:ext>
-          </a:extLst>
-        </p:spPr>
-      </p:pic>
-      <p:pic>
-        <p:nvPicPr>
-          <p:cNvPr id="4100" name="Picture 4" descr="\begin{pmatrix}&#10;1 &amp; 1 &amp; 0 &amp; 0 &amp; 1 &amp; 0\\&#10;1 &amp; 0 &amp; 1 &amp; 0 &amp; 1 &amp; 0\\&#10;0 &amp; 1 &amp; 0 &amp; 1 &amp; 0 &amp; 0\\&#10;0 &amp; 0 &amp; 1 &amp; 0 &amp; 1 &amp; 1\\&#10;1 &amp; 1 &amp; 0 &amp; 1 &amp; 0 &amp; 0\\&#10;0 &amp; 0 &amp; 0 &amp; 1 &amp; 0 &amp; 0\\&#10;\end{pmatrix}"/>
-          <p:cNvPicPr>
-            <a:picLocks noChangeAspect="1" noChangeArrowheads="1"/>
-          </p:cNvPicPr>
-          <p:nvPr/>
-        </p:nvPicPr>
-        <p:blipFill>
-          <a:blip r:embed="rId4">
-            <a:extLst>
-              <a:ext uri="{28A0092B-C50C-407E-A947-70E740481C1C}">
-                <a14:useLocalDpi xmlns:a14="http://schemas.microsoft.com/office/drawing/2010/main" val="0"/>
-              </a:ext>
-            </a:extLst>
-          </a:blip>
-          <a:srcRect/>
-          <a:stretch>
-            <a:fillRect/>
-          </a:stretch>
-        </p:blipFill>
-        <p:spPr bwMode="auto">
-          <a:xfrm>
-            <a:off x="5727492" y="4100975"/>
-            <a:ext cx="2236833" cy="1940387"/>
-          </a:xfrm>
-          <a:prstGeom prst="rect">
-            <a:avLst/>
-          </a:prstGeom>
-          <a:noFill/>
-          <a:extLst>
-            <a:ext uri="{909E8E84-426E-40DD-AFC4-6F175D3DCCD1}">
-              <a14:hiddenFill xmlns:a14="http://schemas.microsoft.com/office/drawing/2010/main">
-                <a:solidFill>
-                  <a:srgbClr val="FFFFFF"/>
-                </a:solidFill>
-              </a14:hiddenFill>
-            </a:ext>
-          </a:extLst>
-        </p:spPr>
-      </p:pic>
-      <p:sp>
-        <p:nvSpPr>
-          <p:cNvPr id="7" name="Right Arrow 6"/>
-          <p:cNvSpPr/>
-          <p:nvPr/>
-        </p:nvSpPr>
-        <p:spPr>
-          <a:xfrm>
-            <a:off x="4114132" y="4736388"/>
-            <a:ext cx="1325367" cy="462337"/>
-          </a:xfrm>
-          <a:prstGeom prst="rightArrow">
-            <a:avLst/>
-          </a:prstGeom>
-        </p:spPr>
-        <p:style>
-          <a:lnRef idx="2">
-            <a:schemeClr val="accent1">
-              <a:shade val="50000"/>
-            </a:schemeClr>
-          </a:lnRef>
-          <a:fillRef idx="1">
-            <a:schemeClr val="accent1"/>
-          </a:fillRef>
-          <a:effectRef idx="0">
-            <a:schemeClr val="accent1"/>
-          </a:effectRef>
-          <a:fontRef idx="minor">
-            <a:schemeClr val="lt1"/>
-          </a:fontRef>
-        </p:style>
-        <p:txBody>
-          <a:bodyPr rtlCol="0" anchor="ctr"/>
-          <a:lstStyle/>
-          <a:p>
-            <a:pPr algn="ctr"/>
-            <a:endParaRPr lang="en-GB"/>
-          </a:p>
-        </p:txBody>
-      </p:sp>
-    </p:spTree>
-    <p:extLst>
-      <p:ext uri="{BB962C8B-B14F-4D97-AF65-F5344CB8AC3E}">
-        <p14:creationId xmlns:p14="http://schemas.microsoft.com/office/powerpoint/2010/main" val="176684534"/>
-      </p:ext>
-    </p:extLst>
-  </p:cSld>
-  <p:clrMapOvr>
-    <a:masterClrMapping/>
-  </p:clrMapOvr>
-</p:sld>
-</file>
-
 <file path=ppt/theme/theme1.xml><?xml version="1.0" encoding="utf-8"?>
 <a:theme xmlns:a="http://schemas.openxmlformats.org/drawingml/2006/main" name="Facet">
   <a:themeElements>
